--- a/slides/13_T2TRG_IETF102_W3C-WoT-Update.pptx
+++ b/slides/13_T2TRG_IETF102_W3C-WoT-Update.pptx
@@ -5,7 +5,7 @@
     <p:sldMasterId id="2147483648" r:id="rId14"/>
   </p:sldMasterIdLst>
   <p:notesMasterIdLst>
-    <p:notesMasterId r:id="rId28"/>
+    <p:notesMasterId r:id="rId29"/>
   </p:notesMasterIdLst>
   <p:sldIdLst>
     <p:sldId id="345" r:id="rId15"/>
@@ -20,12 +20,13 @@
     <p:sldId id="359" r:id="rId24"/>
     <p:sldId id="360" r:id="rId25"/>
     <p:sldId id="361" r:id="rId26"/>
-    <p:sldId id="298" r:id="rId27"/>
+    <p:sldId id="362" r:id="rId27"/>
+    <p:sldId id="298" r:id="rId28"/>
   </p:sldIdLst>
   <p:sldSz cx="12198350" cy="6858000"/>
   <p:notesSz cx="6858000" cy="9144000"/>
   <p:custDataLst>
-    <p:tags r:id="rId29"/>
+    <p:tags r:id="rId30"/>
   </p:custDataLst>
   <p:defaultTextStyle>
     <a:defPPr>
@@ -4457,12 +4458,12 @@
           <a:lstStyle/>
           <a:p>
             <a:r>
-              <a:rPr lang="en-US" dirty="0"/>
-              <a:t>Changes to </a:t>
-            </a:r>
-            <a:r>
               <a:rPr lang="en-US" dirty="0" smtClean="0"/>
-              <a:t>Scripting API</a:t>
+              <a:t>Changes in Scripting </a:t>
+            </a:r>
+            <a:r>
+              <a:rPr lang="en-US" dirty="0" smtClean="0"/>
+              <a:t>API</a:t>
             </a:r>
             <a:endParaRPr lang="en-US" noProof="0" dirty="0"/>
           </a:p>
@@ -7221,7 +7222,15 @@
           <a:p>
             <a:r>
               <a:rPr lang="en-US" dirty="0"/>
-              <a:t>Changes to Scripting API</a:t>
+              <a:t>Changes </a:t>
+            </a:r>
+            <a:r>
+              <a:rPr lang="en-US" dirty="0" smtClean="0"/>
+              <a:t>in Scripting </a:t>
+            </a:r>
+            <a:r>
+              <a:rPr lang="en-US" dirty="0"/>
+              <a:t>API</a:t>
             </a:r>
             <a:endParaRPr lang="en-US" noProof="0" dirty="0"/>
           </a:p>
@@ -7239,7 +7248,7 @@
         </p:nvSpPr>
         <p:spPr>
           <a:xfrm>
-            <a:off x="609917" y="2431429"/>
+            <a:off x="609917" y="1700808"/>
             <a:ext cx="5777290" cy="2797771"/>
           </a:xfrm>
         </p:spPr>
@@ -8259,7 +8268,7 @@
         </p:nvSpPr>
         <p:spPr>
           <a:xfrm>
-            <a:off x="6200828" y="2431429"/>
+            <a:off x="6200828" y="1700808"/>
             <a:ext cx="5997522" cy="2797771"/>
           </a:xfrm>
         </p:spPr>
@@ -9442,7 +9451,7 @@
         </p:spPr>
         <p:txBody>
           <a:bodyPr>
-            <a:normAutofit fontScale="92500" lnSpcReduction="10000"/>
+            <a:normAutofit/>
           </a:bodyPr>
           <a:lstStyle/>
           <a:p>
@@ -9452,28 +9461,44 @@
             </a:r>
           </a:p>
           <a:p>
-            <a:pPr lvl="1"/>
+            <a:pPr lvl="1">
+              <a:spcBef>
+                <a:spcPts val="600"/>
+              </a:spcBef>
+            </a:pPr>
             <a:r>
               <a:rPr lang="en-US" dirty="0" smtClean="0"/>
-              <a:t>Extend model to efficiently support read-/write-multiple interactions of some protocols</a:t>
-            </a:r>
-          </a:p>
-          <a:p>
-            <a:pPr lvl="1"/>
+              <a:t>Extend model to efficiently support read-/write-multiple interactions</a:t>
+            </a:r>
+          </a:p>
+          <a:p>
+            <a:pPr lvl="1">
+              <a:spcBef>
+                <a:spcPts val="600"/>
+              </a:spcBef>
+            </a:pPr>
             <a:r>
               <a:rPr lang="en-US" dirty="0" smtClean="0"/>
               <a:t>Revisit Events to allow for input on subscribe (e.g., filters)</a:t>
             </a:r>
           </a:p>
           <a:p>
-            <a:pPr lvl="1"/>
+            <a:pPr lvl="1">
+              <a:spcBef>
+                <a:spcPts val="600"/>
+              </a:spcBef>
+            </a:pPr>
             <a:r>
               <a:rPr lang="en-US" dirty="0" smtClean="0"/>
               <a:t>Finalize model for security vocabulary</a:t>
             </a:r>
           </a:p>
           <a:p>
-            <a:pPr lvl="1"/>
+            <a:pPr lvl="1">
+              <a:spcBef>
+                <a:spcPts val="600"/>
+              </a:spcBef>
+            </a:pPr>
             <a:r>
               <a:rPr lang="en-US" dirty="0" smtClean="0"/>
               <a:t>Align </a:t>
@@ -9504,7 +9529,33 @@
             <a:endParaRPr lang="en-US" dirty="0" smtClean="0"/>
           </a:p>
           <a:p>
-            <a:pPr lvl="1"/>
+            <a:pPr lvl="2">
+              <a:spcBef>
+                <a:spcPts val="600"/>
+              </a:spcBef>
+            </a:pPr>
+            <a:r>
+              <a:rPr lang="en-US" dirty="0" smtClean="0"/>
+              <a:t>Found issue with </a:t>
+            </a:r>
+            <a:r>
+              <a:rPr lang="en-US" dirty="0" smtClean="0">
+                <a:latin typeface="Consolas" panose="020B0609020204030204" pitchFamily="49" charset="0"/>
+                <a:cs typeface="Consolas" panose="020B0609020204030204" pitchFamily="49" charset="0"/>
+              </a:rPr>
+              <a:t>type</a:t>
+            </a:r>
+            <a:r>
+              <a:rPr lang="en-US" dirty="0" smtClean="0"/>
+              <a:t> attribute lacking parameter support</a:t>
+            </a:r>
+          </a:p>
+          <a:p>
+            <a:pPr lvl="1">
+              <a:spcBef>
+                <a:spcPts val="600"/>
+              </a:spcBef>
+            </a:pPr>
             <a:r>
               <a:rPr lang="en-US" dirty="0" smtClean="0"/>
               <a:t>Collect more core vocabulary terms (e.g., </a:t>
@@ -9514,13 +9565,24 @@
                 <a:latin typeface="Consolas" panose="020B0609020204030204" pitchFamily="49" charset="0"/>
                 <a:cs typeface="Consolas" panose="020B0609020204030204" pitchFamily="49" charset="0"/>
               </a:rPr>
-              <a:t>created</a:t>
+              <a:t>version</a:t>
             </a:r>
             <a:r>
               <a:rPr lang="en-US" dirty="0" smtClean="0"/>
               <a:t>, </a:t>
             </a:r>
             <a:r>
+              <a:rPr lang="en-US" dirty="0" smtClean="0">
+                <a:latin typeface="Consolas" panose="020B0609020204030204" pitchFamily="49" charset="0"/>
+                <a:cs typeface="Consolas" panose="020B0609020204030204" pitchFamily="49" charset="0"/>
+              </a:rPr>
+              <a:t>created</a:t>
+            </a:r>
+            <a:r>
+              <a:rPr lang="en-US" dirty="0" smtClean="0"/>
+              <a:t>, </a:t>
+            </a:r>
+            <a:r>
               <a:rPr lang="en-US" dirty="0" err="1" smtClean="0">
                 <a:latin typeface="Consolas" panose="020B0609020204030204" pitchFamily="49" charset="0"/>
                 <a:cs typeface="Consolas" panose="020B0609020204030204" pitchFamily="49" charset="0"/>
@@ -9533,19 +9595,22 @@
             </a:r>
           </a:p>
           <a:p>
-            <a:pPr lvl="1"/>
+            <a:pPr lvl="1">
+              <a:spcBef>
+                <a:spcPts val="600"/>
+              </a:spcBef>
+            </a:pPr>
             <a:r>
               <a:rPr lang="en-US" dirty="0" smtClean="0"/>
-              <a:t>IANA </a:t>
-            </a:r>
-            <a:r>
-              <a:rPr lang="en-US" dirty="0" err="1" smtClean="0"/>
-              <a:t>Considertions</a:t>
-            </a:r>
-            <a:endParaRPr lang="en-US" dirty="0" smtClean="0"/>
-          </a:p>
-          <a:p>
-            <a:pPr lvl="2"/>
+              <a:t>IANA Considerations</a:t>
+            </a:r>
+          </a:p>
+          <a:p>
+            <a:pPr lvl="2">
+              <a:spcBef>
+                <a:spcPts val="600"/>
+              </a:spcBef>
+            </a:pPr>
             <a:r>
               <a:rPr lang="en-US" dirty="0" smtClean="0"/>
               <a:t>application/</a:t>
@@ -9553,77 +9618,6 @@
             <a:r>
               <a:rPr lang="en-US" dirty="0" err="1" smtClean="0"/>
               <a:t>td+json</a:t>
-            </a:r>
-            <a:r>
-              <a:rPr lang="en-US" dirty="0" smtClean="0"/>
-              <a:t> and </a:t>
-            </a:r>
-            <a:r>
-              <a:rPr lang="en-US" dirty="0" err="1" smtClean="0"/>
-              <a:t>CoAP</a:t>
-            </a:r>
-            <a:r>
-              <a:rPr lang="en-US" dirty="0" smtClean="0"/>
-              <a:t> Content-Format number</a:t>
-            </a:r>
-          </a:p>
-          <a:p>
-            <a:r>
-              <a:rPr lang="en-US" dirty="0" smtClean="0"/>
-              <a:t>WoT Scripting API</a:t>
-            </a:r>
-          </a:p>
-          <a:p>
-            <a:pPr lvl="1"/>
-            <a:r>
-              <a:rPr lang="de-DE" dirty="0" smtClean="0"/>
-              <a:t>Model </a:t>
-            </a:r>
-            <a:r>
-              <a:rPr lang="en-US" dirty="0"/>
-              <a:t>read-/write-multiple interactions </a:t>
-            </a:r>
-            <a:r>
-              <a:rPr lang="en-US" dirty="0" smtClean="0"/>
-              <a:t>in the API</a:t>
-            </a:r>
-          </a:p>
-          <a:p>
-            <a:pPr lvl="1"/>
-            <a:r>
-              <a:rPr lang="en-US" dirty="0" smtClean="0"/>
-              <a:t>Finalize discovery</a:t>
-            </a:r>
-          </a:p>
-          <a:p>
-            <a:pPr lvl="1"/>
-            <a:r>
-              <a:rPr lang="en-US" dirty="0" smtClean="0"/>
-              <a:t>Define API errors</a:t>
-            </a:r>
-          </a:p>
-          <a:p>
-            <a:r>
-              <a:rPr lang="en-US" dirty="0" smtClean="0"/>
-              <a:t>WoT Binding Templates</a:t>
-            </a:r>
-          </a:p>
-          <a:p>
-            <a:pPr lvl="1"/>
-            <a:r>
-              <a:rPr lang="en-US" dirty="0" smtClean="0"/>
-              <a:t>Create extension point for hypermedia-driven Actions and Events</a:t>
-            </a:r>
-          </a:p>
-          <a:p>
-            <a:pPr lvl="2"/>
-            <a:r>
-              <a:rPr lang="en-US" dirty="0" smtClean="0"/>
-              <a:t>application/</a:t>
-            </a:r>
-            <a:r>
-              <a:rPr lang="en-US" dirty="0" err="1" smtClean="0"/>
-              <a:t>wot+json</a:t>
             </a:r>
             <a:r>
               <a:rPr lang="en-US" dirty="0" smtClean="0"/>
@@ -9668,6 +9662,224 @@
     <p:extLst>
       <p:ext uri="{BB962C8B-B14F-4D97-AF65-F5344CB8AC3E}">
         <p14:creationId xmlns:p14="http://schemas.microsoft.com/office/powerpoint/2010/main" val="3074495571"/>
+      </p:ext>
+    </p:extLst>
+  </p:cSld>
+  <p:clrMapOvr>
+    <a:masterClrMapping/>
+  </p:clrMapOvr>
+  <p:timing>
+    <p:tnLst>
+      <p:par>
+        <p:cTn id="1" dur="indefinite" restart="never" nodeType="tmRoot"/>
+      </p:par>
+    </p:tnLst>
+  </p:timing>
+</p:sld>
+</file>
+
+<file path=ppt/slides/slide13.xml><?xml version="1.0" encoding="utf-8"?>
+<p:sld xmlns:a="http://schemas.openxmlformats.org/drawingml/2006/main" xmlns:r="http://schemas.openxmlformats.org/officeDocument/2006/relationships" xmlns:p="http://schemas.openxmlformats.org/presentationml/2006/main">
+  <p:cSld>
+    <p:spTree>
+      <p:nvGrpSpPr>
+        <p:cNvPr id="1" name=""/>
+        <p:cNvGrpSpPr/>
+        <p:nvPr/>
+      </p:nvGrpSpPr>
+      <p:grpSpPr>
+        <a:xfrm>
+          <a:off x="0" y="0"/>
+          <a:ext cx="0" cy="0"/>
+          <a:chOff x="0" y="0"/>
+          <a:chExt cx="0" cy="0"/>
+        </a:xfrm>
+      </p:grpSpPr>
+      <p:sp>
+        <p:nvSpPr>
+          <p:cNvPr id="2" name="Titel 1"/>
+          <p:cNvSpPr>
+            <a:spLocks noGrp="1"/>
+          </p:cNvSpPr>
+          <p:nvPr>
+            <p:ph type="title"/>
+          </p:nvPr>
+        </p:nvSpPr>
+        <p:spPr/>
+        <p:txBody>
+          <a:bodyPr/>
+          <a:lstStyle/>
+          <a:p>
+            <a:r>
+              <a:rPr lang="en-US" dirty="0"/>
+              <a:t>W3C Web of Things – </a:t>
+            </a:r>
+            <a:r>
+              <a:rPr lang="en-US" dirty="0" err="1" smtClean="0"/>
+              <a:t>Todos</a:t>
+            </a:r>
+            <a:r>
+              <a:rPr lang="en-US" dirty="0" smtClean="0"/>
+              <a:t> until Release</a:t>
+            </a:r>
+            <a:endParaRPr lang="en-US" dirty="0"/>
+          </a:p>
+        </p:txBody>
+      </p:sp>
+      <p:sp>
+        <p:nvSpPr>
+          <p:cNvPr id="3" name="Inhaltsplatzhalter 2"/>
+          <p:cNvSpPr>
+            <a:spLocks noGrp="1"/>
+          </p:cNvSpPr>
+          <p:nvPr>
+            <p:ph idx="1"/>
+          </p:nvPr>
+        </p:nvSpPr>
+        <p:spPr>
+          <a:xfrm>
+            <a:off x="609918" y="1196752"/>
+            <a:ext cx="10978515" cy="5661248"/>
+          </a:xfrm>
+        </p:spPr>
+        <p:txBody>
+          <a:bodyPr>
+            <a:normAutofit/>
+          </a:bodyPr>
+          <a:lstStyle/>
+          <a:p>
+            <a:r>
+              <a:rPr lang="en-US" dirty="0" smtClean="0"/>
+              <a:t>WoT Scripting API</a:t>
+            </a:r>
+          </a:p>
+          <a:p>
+            <a:pPr lvl="1">
+              <a:spcBef>
+                <a:spcPts val="600"/>
+              </a:spcBef>
+            </a:pPr>
+            <a:r>
+              <a:rPr lang="en-US" dirty="0" smtClean="0"/>
+              <a:t>Model read-/write-multiple interactions in the API</a:t>
+            </a:r>
+          </a:p>
+          <a:p>
+            <a:pPr lvl="1">
+              <a:spcBef>
+                <a:spcPts val="600"/>
+              </a:spcBef>
+            </a:pPr>
+            <a:r>
+              <a:rPr lang="en-US" dirty="0" smtClean="0"/>
+              <a:t>Finalize discovery</a:t>
+            </a:r>
+          </a:p>
+          <a:p>
+            <a:pPr lvl="1">
+              <a:spcBef>
+                <a:spcPts val="600"/>
+              </a:spcBef>
+            </a:pPr>
+            <a:r>
+              <a:rPr lang="en-US" dirty="0" smtClean="0"/>
+              <a:t>Define API errors</a:t>
+            </a:r>
+          </a:p>
+          <a:p>
+            <a:r>
+              <a:rPr lang="en-US" dirty="0" smtClean="0"/>
+              <a:t>WoT Binding Templates</a:t>
+            </a:r>
+          </a:p>
+          <a:p>
+            <a:pPr lvl="1">
+              <a:spcBef>
+                <a:spcPts val="600"/>
+              </a:spcBef>
+            </a:pPr>
+            <a:r>
+              <a:rPr lang="en-US" dirty="0" smtClean="0"/>
+              <a:t>Create extension point for hypermedia-driven Actions and Events</a:t>
+            </a:r>
+          </a:p>
+          <a:p>
+            <a:pPr lvl="2">
+              <a:spcBef>
+                <a:spcPts val="600"/>
+              </a:spcBef>
+            </a:pPr>
+            <a:r>
+              <a:rPr lang="en-US" dirty="0" smtClean="0"/>
+              <a:t>application/</a:t>
+            </a:r>
+            <a:r>
+              <a:rPr lang="en-US" dirty="0" err="1" smtClean="0"/>
+              <a:t>wot+json</a:t>
+            </a:r>
+            <a:r>
+              <a:rPr lang="en-US" dirty="0" smtClean="0"/>
+              <a:t> and </a:t>
+            </a:r>
+            <a:r>
+              <a:rPr lang="en-US" dirty="0" err="1" smtClean="0"/>
+              <a:t>CoAP</a:t>
+            </a:r>
+            <a:r>
+              <a:rPr lang="en-US" dirty="0" smtClean="0"/>
+              <a:t> Content-Format number</a:t>
+            </a:r>
+          </a:p>
+          <a:p>
+            <a:r>
+              <a:rPr lang="en-US" dirty="0" smtClean="0"/>
+              <a:t>WoT Security and Privacy</a:t>
+            </a:r>
+          </a:p>
+          <a:p>
+            <a:pPr lvl="1"/>
+            <a:r>
+              <a:rPr lang="en-US" dirty="0" smtClean="0"/>
+              <a:t>Refine initial but extensible security vocabulary (based on TD model)</a:t>
+            </a:r>
+          </a:p>
+          <a:p>
+            <a:pPr lvl="1"/>
+            <a:r>
+              <a:rPr lang="en-US" dirty="0" smtClean="0"/>
+              <a:t>Start a “living” Working Group Note on “WoT Security Best Practices”</a:t>
+            </a:r>
+            <a:endParaRPr lang="en-US" dirty="0"/>
+          </a:p>
+        </p:txBody>
+      </p:sp>
+      <p:sp>
+        <p:nvSpPr>
+          <p:cNvPr id="5" name="Foliennummernplatzhalter 4"/>
+          <p:cNvSpPr>
+            <a:spLocks noGrp="1"/>
+          </p:cNvSpPr>
+          <p:nvPr>
+            <p:ph type="sldNum" sz="quarter" idx="12"/>
+          </p:nvPr>
+        </p:nvSpPr>
+        <p:spPr/>
+        <p:txBody>
+          <a:bodyPr/>
+          <a:lstStyle/>
+          <a:p>
+            <a:fld id="{30564719-00ED-40AD-AF49-5F6D6B9333CD}" type="slidenum">
+              <a:rPr lang="en-US" smtClean="0"/>
+              <a:t>13</a:t>
+            </a:fld>
+            <a:endParaRPr lang="en-US"/>
+          </a:p>
+        </p:txBody>
+      </p:sp>
+    </p:spTree>
+    <p:extLst>
+      <p:ext uri="{BB962C8B-B14F-4D97-AF65-F5344CB8AC3E}">
+        <p14:creationId xmlns:p14="http://schemas.microsoft.com/office/powerpoint/2010/main" val="1481197036"/>
       </p:ext>
     </p:extLst>
   </p:cSld>
@@ -9710,7 +9922,7 @@
                                         <p:tgtEl>
                                           <p:spTgt spid="3">
                                             <p:txEl>
-                                              <p:pRg st="8" end="8"/>
+                                              <p:pRg st="0" end="0"/>
                                             </p:txEl>
                                           </p:spTgt>
                                         </p:tgtEl>
@@ -9728,7 +9940,7 @@
                                         <p:tgtEl>
                                           <p:spTgt spid="3">
                                             <p:txEl>
-                                              <p:pRg st="8" end="8"/>
+                                              <p:pRg st="0" end="0"/>
                                             </p:txEl>
                                           </p:spTgt>
                                         </p:tgtEl>
@@ -9753,7 +9965,7 @@
                                         <p:tgtEl>
                                           <p:spTgt spid="3">
                                             <p:txEl>
-                                              <p:pRg st="9" end="9"/>
+                                              <p:pRg st="1" end="1"/>
                                             </p:txEl>
                                           </p:spTgt>
                                         </p:tgtEl>
@@ -9771,7 +9983,7 @@
                                         <p:tgtEl>
                                           <p:spTgt spid="3">
                                             <p:txEl>
-                                              <p:pRg st="9" end="9"/>
+                                              <p:pRg st="1" end="1"/>
                                             </p:txEl>
                                           </p:spTgt>
                                         </p:tgtEl>
@@ -9796,7 +10008,7 @@
                                         <p:tgtEl>
                                           <p:spTgt spid="3">
                                             <p:txEl>
-                                              <p:pRg st="10" end="10"/>
+                                              <p:pRg st="2" end="2"/>
                                             </p:txEl>
                                           </p:spTgt>
                                         </p:tgtEl>
@@ -9814,7 +10026,7 @@
                                         <p:tgtEl>
                                           <p:spTgt spid="3">
                                             <p:txEl>
-                                              <p:pRg st="10" end="10"/>
+                                              <p:pRg st="2" end="2"/>
                                             </p:txEl>
                                           </p:spTgt>
                                         </p:tgtEl>
@@ -9839,7 +10051,7 @@
                                         <p:tgtEl>
                                           <p:spTgt spid="3">
                                             <p:txEl>
-                                              <p:pRg st="11" end="11"/>
+                                              <p:pRg st="3" end="3"/>
                                             </p:txEl>
                                           </p:spTgt>
                                         </p:tgtEl>
@@ -9857,7 +10069,7 @@
                                         <p:tgtEl>
                                           <p:spTgt spid="3">
                                             <p:txEl>
-                                              <p:pRg st="11" end="11"/>
+                                              <p:pRg st="3" end="3"/>
                                             </p:txEl>
                                           </p:spTgt>
                                         </p:tgtEl>
@@ -9900,7 +10112,7 @@
                                         <p:tgtEl>
                                           <p:spTgt spid="3">
                                             <p:txEl>
-                                              <p:pRg st="12" end="12"/>
+                                              <p:pRg st="4" end="4"/>
                                             </p:txEl>
                                           </p:spTgt>
                                         </p:tgtEl>
@@ -9918,7 +10130,7 @@
                                         <p:tgtEl>
                                           <p:spTgt spid="3">
                                             <p:txEl>
-                                              <p:pRg st="12" end="12"/>
+                                              <p:pRg st="4" end="4"/>
                                             </p:txEl>
                                           </p:spTgt>
                                         </p:tgtEl>
@@ -9943,7 +10155,7 @@
                                         <p:tgtEl>
                                           <p:spTgt spid="3">
                                             <p:txEl>
-                                              <p:pRg st="13" end="13"/>
+                                              <p:pRg st="5" end="5"/>
                                             </p:txEl>
                                           </p:spTgt>
                                         </p:tgtEl>
@@ -9961,7 +10173,7 @@
                                         <p:tgtEl>
                                           <p:spTgt spid="3">
                                             <p:txEl>
-                                              <p:pRg st="13" end="13"/>
+                                              <p:pRg st="5" end="5"/>
                                             </p:txEl>
                                           </p:spTgt>
                                         </p:tgtEl>
@@ -9986,7 +10198,7 @@
                                         <p:tgtEl>
                                           <p:spTgt spid="3">
                                             <p:txEl>
-                                              <p:pRg st="14" end="14"/>
+                                              <p:pRg st="6" end="6"/>
                                             </p:txEl>
                                           </p:spTgt>
                                         </p:tgtEl>
@@ -10004,7 +10216,136 @@
                                         <p:tgtEl>
                                           <p:spTgt spid="3">
                                             <p:txEl>
-                                              <p:pRg st="14" end="14"/>
+                                              <p:pRg st="6" end="6"/>
+                                            </p:txEl>
+                                          </p:spTgt>
+                                        </p:tgtEl>
+                                      </p:cBhvr>
+                                    </p:animEffect>
+                                  </p:childTnLst>
+                                </p:cTn>
+                              </p:par>
+                              <p:par>
+                                <p:cTn id="28" presetID="10" presetClass="entr" presetSubtype="0" fill="hold" nodeType="withEffect">
+                                  <p:stCondLst>
+                                    <p:cond delay="0"/>
+                                  </p:stCondLst>
+                                  <p:childTnLst>
+                                    <p:set>
+                                      <p:cBhvr>
+                                        <p:cTn id="29" dur="1" fill="hold">
+                                          <p:stCondLst>
+                                            <p:cond delay="0"/>
+                                          </p:stCondLst>
+                                        </p:cTn>
+                                        <p:tgtEl>
+                                          <p:spTgt spid="3">
+                                            <p:txEl>
+                                              <p:pRg st="7" end="7"/>
+                                            </p:txEl>
+                                          </p:spTgt>
+                                        </p:tgtEl>
+                                        <p:attrNameLst>
+                                          <p:attrName>style.visibility</p:attrName>
+                                        </p:attrNameLst>
+                                      </p:cBhvr>
+                                      <p:to>
+                                        <p:strVal val="visible"/>
+                                      </p:to>
+                                    </p:set>
+                                    <p:animEffect transition="in" filter="fade">
+                                      <p:cBhvr>
+                                        <p:cTn id="30" dur="250"/>
+                                        <p:tgtEl>
+                                          <p:spTgt spid="3">
+                                            <p:txEl>
+                                              <p:pRg st="7" end="7"/>
+                                            </p:txEl>
+                                          </p:spTgt>
+                                        </p:tgtEl>
+                                      </p:cBhvr>
+                                    </p:animEffect>
+                                  </p:childTnLst>
+                                </p:cTn>
+                              </p:par>
+                              <p:par>
+                                <p:cTn id="31" presetID="10" presetClass="entr" presetSubtype="0" fill="hold" nodeType="withEffect">
+                                  <p:stCondLst>
+                                    <p:cond delay="0"/>
+                                  </p:stCondLst>
+                                  <p:childTnLst>
+                                    <p:set>
+                                      <p:cBhvr>
+                                        <p:cTn id="32" dur="1" fill="hold">
+                                          <p:stCondLst>
+                                            <p:cond delay="0"/>
+                                          </p:stCondLst>
+                                        </p:cTn>
+                                        <p:tgtEl>
+                                          <p:spTgt spid="3">
+                                            <p:txEl>
+                                              <p:pRg st="8" end="8"/>
+                                            </p:txEl>
+                                          </p:spTgt>
+                                        </p:tgtEl>
+                                        <p:attrNameLst>
+                                          <p:attrName>style.visibility</p:attrName>
+                                        </p:attrNameLst>
+                                      </p:cBhvr>
+                                      <p:to>
+                                        <p:strVal val="visible"/>
+                                      </p:to>
+                                    </p:set>
+                                    <p:animEffect transition="in" filter="fade">
+                                      <p:cBhvr>
+                                        <p:cTn id="33" dur="250"/>
+                                        <p:tgtEl>
+                                          <p:spTgt spid="3">
+                                            <p:txEl>
+                                              <p:pRg st="8" end="8"/>
+                                            </p:txEl>
+                                          </p:spTgt>
+                                        </p:tgtEl>
+                                      </p:cBhvr>
+                                    </p:animEffect>
+                                  </p:childTnLst>
+                                </p:cTn>
+                              </p:par>
+                              <p:par>
+                                <p:cTn id="34" presetID="10" presetClass="entr" presetSubtype="0" fill="hold" nodeType="withEffect">
+                                  <p:stCondLst>
+                                    <p:cond delay="0"/>
+                                  </p:stCondLst>
+                                  <p:childTnLst>
+                                    <p:set>
+                                      <p:cBhvr>
+                                        <p:cTn id="35" dur="1" fill="hold">
+                                          <p:stCondLst>
+                                            <p:cond delay="0"/>
+                                          </p:stCondLst>
+                                        </p:cTn>
+                                        <p:tgtEl>
+                                          <p:spTgt spid="3">
+                                            <p:txEl>
+                                              <p:pRg st="9" end="9"/>
+                                            </p:txEl>
+                                          </p:spTgt>
+                                        </p:tgtEl>
+                                        <p:attrNameLst>
+                                          <p:attrName>style.visibility</p:attrName>
+                                        </p:attrNameLst>
+                                      </p:cBhvr>
+                                      <p:to>
+                                        <p:strVal val="visible"/>
+                                      </p:to>
+                                    </p:set>
+                                    <p:animEffect transition="in" filter="fade">
+                                      <p:cBhvr>
+                                        <p:cTn id="36" dur="250"/>
+                                        <p:tgtEl>
+                                          <p:spTgt spid="3">
+                                            <p:txEl>
+                                              <p:pRg st="9" end="9"/>
                                             </p:txEl>
                                           </p:spTgt>
                                         </p:tgtEl>
@@ -10044,7 +10385,7 @@
 </p:sld>
 </file>
 
-<file path=ppt/slides/slide13.xml><?xml version="1.0" encoding="utf-8"?>
+<file path=ppt/slides/slide14.xml><?xml version="1.0" encoding="utf-8"?>
 <p:sld xmlns:a="http://schemas.openxmlformats.org/drawingml/2006/main" xmlns:r="http://schemas.openxmlformats.org/officeDocument/2006/relationships" xmlns:p="http://schemas.openxmlformats.org/presentationml/2006/main">
   <p:cSld>
     <p:spTree>
@@ -10199,7 +10540,7 @@
           <a:p>
             <a:fld id="{30564719-00ED-40AD-AF49-5F6D6B9333CD}" type="slidenum">
               <a:rPr lang="en-US" smtClean="0"/>
-              <a:t>13</a:t>
+              <a:t>14</a:t>
             </a:fld>
             <a:endParaRPr lang="en-US"/>
           </a:p>
@@ -18491,84 +18832,34 @@
             <a:pPr lvl="1"/>
             <a:r>
               <a:rPr lang="en-US" noProof="0" dirty="0" smtClean="0"/>
-              <a:t>TDs can be treated as simple JSON format</a:t>
+              <a:t>TDs can be treated as simple JSON </a:t>
+            </a:r>
+            <a:r>
+              <a:rPr lang="en-US" noProof="0" dirty="0" smtClean="0"/>
+              <a:t>format</a:t>
             </a:r>
           </a:p>
           <a:p>
             <a:pPr lvl="1"/>
             <a:r>
-              <a:rPr lang="en-US" noProof="0" dirty="0" smtClean="0"/>
-              <a:t>No JSON-LD keywords or processing required</a:t>
-            </a:r>
-          </a:p>
-          <a:p>
-            <a:pPr lvl="1"/>
-            <a:r>
-              <a:rPr lang="en-US" sz="1800" noProof="0" dirty="0" smtClean="0">
-                <a:latin typeface="Consolas" panose="020B0609020204030204" pitchFamily="49" charset="0"/>
-                <a:cs typeface="Consolas" panose="020B0609020204030204" pitchFamily="49" charset="0"/>
-              </a:rPr>
-              <a:t>properties</a:t>
-            </a:r>
-            <a:r>
-              <a:rPr lang="en-US" noProof="0" dirty="0" smtClean="0"/>
-              <a:t>, </a:t>
-            </a:r>
-            <a:r>
-              <a:rPr lang="en-US" sz="1800" noProof="0" dirty="0" smtClean="0">
-                <a:latin typeface="Consolas" panose="020B0609020204030204" pitchFamily="49" charset="0"/>
-                <a:cs typeface="Consolas" panose="020B0609020204030204" pitchFamily="49" charset="0"/>
-              </a:rPr>
-              <a:t>actions</a:t>
-            </a:r>
-            <a:r>
-              <a:rPr lang="en-US" noProof="0" dirty="0" smtClean="0"/>
-              <a:t>, </a:t>
-            </a:r>
-            <a:r>
-              <a:rPr lang="en-US" sz="1800" noProof="0" dirty="0" smtClean="0">
-                <a:latin typeface="Consolas" panose="020B0609020204030204" pitchFamily="49" charset="0"/>
-                <a:cs typeface="Consolas" panose="020B0609020204030204" pitchFamily="49" charset="0"/>
-              </a:rPr>
-              <a:t>events</a:t>
-            </a:r>
-            <a:r>
-              <a:rPr lang="en-US" sz="1800" noProof="0" dirty="0" smtClean="0"/>
-              <a:t> </a:t>
-            </a:r>
-            <a:r>
-              <a:rPr lang="en-US" noProof="0" dirty="0" smtClean="0"/>
-              <a:t>on top level</a:t>
-            </a:r>
-          </a:p>
-          <a:p>
-            <a:pPr lvl="1"/>
-            <a:r>
-              <a:rPr lang="en-US" noProof="0" dirty="0" smtClean="0"/>
-              <a:t>No LD convention of terms being singular</a:t>
-            </a:r>
-          </a:p>
-          <a:p>
-            <a:pPr lvl="1"/>
-            <a:r>
-              <a:rPr lang="en-US" noProof="0" dirty="0" smtClean="0"/>
+              <a:rPr lang="en-US" dirty="0"/>
               <a:t>New Media Type </a:t>
             </a:r>
             <a:r>
-              <a:rPr lang="en-US" sz="1800" noProof="0" dirty="0" smtClean="0">
+              <a:rPr lang="en-US" sz="1800" dirty="0">
                 <a:latin typeface="Consolas" panose="020B0609020204030204" pitchFamily="49" charset="0"/>
                 <a:cs typeface="Consolas" panose="020B0609020204030204" pitchFamily="49" charset="0"/>
               </a:rPr>
               <a:t>application/</a:t>
             </a:r>
             <a:r>
-              <a:rPr lang="en-US" sz="1800" noProof="0" dirty="0" err="1" smtClean="0">
+              <a:rPr lang="en-US" sz="1800" dirty="0" err="1">
                 <a:latin typeface="Consolas" panose="020B0609020204030204" pitchFamily="49" charset="0"/>
                 <a:cs typeface="Consolas" panose="020B0609020204030204" pitchFamily="49" charset="0"/>
               </a:rPr>
               <a:t>td+json</a:t>
             </a:r>
-            <a:endParaRPr lang="en-US" sz="1800" noProof="0" dirty="0" smtClean="0">
+            <a:endParaRPr lang="en-US" sz="1800" dirty="0">
               <a:latin typeface="Consolas" panose="020B0609020204030204" pitchFamily="49" charset="0"/>
               <a:cs typeface="Consolas" panose="020B0609020204030204" pitchFamily="49" charset="0"/>
             </a:endParaRPr>
@@ -18576,9 +18867,80 @@
           <a:p>
             <a:pPr lvl="1"/>
             <a:r>
+              <a:rPr lang="en-US" dirty="0"/>
+              <a:t>Context and terms known via media type</a:t>
+            </a:r>
+          </a:p>
+          <a:p>
+            <a:pPr lvl="1"/>
+            <a:r>
               <a:rPr lang="en-US" noProof="0" dirty="0" smtClean="0"/>
-              <a:t>Context and terms known via media type</a:t>
-            </a:r>
+              <a:t>No </a:t>
+            </a:r>
+            <a:r>
+              <a:rPr lang="en-US" noProof="0" dirty="0" smtClean="0"/>
+              <a:t>JSON-LD keywords or processing required</a:t>
+            </a:r>
+          </a:p>
+          <a:p>
+            <a:pPr lvl="1"/>
+            <a:r>
+              <a:rPr lang="en-US" noProof="0" dirty="0" smtClean="0"/>
+              <a:t>No </a:t>
+            </a:r>
+            <a:r>
+              <a:rPr lang="en-US" noProof="0" dirty="0" smtClean="0"/>
+              <a:t>LD convention of terms being </a:t>
+            </a:r>
+            <a:r>
+              <a:rPr lang="en-US" noProof="0" dirty="0" smtClean="0"/>
+              <a:t>singular</a:t>
+            </a:r>
+          </a:p>
+          <a:p>
+            <a:pPr lvl="1"/>
+            <a:r>
+              <a:rPr lang="en-US" sz="1800" dirty="0">
+                <a:latin typeface="Consolas" panose="020B0609020204030204" pitchFamily="49" charset="0"/>
+                <a:cs typeface="Consolas" panose="020B0609020204030204" pitchFamily="49" charset="0"/>
+              </a:rPr>
+              <a:t>properties</a:t>
+            </a:r>
+            <a:r>
+              <a:rPr lang="en-US" sz="1800" dirty="0"/>
+              <a:t>, </a:t>
+            </a:r>
+            <a:r>
+              <a:rPr lang="en-US" sz="1800" dirty="0">
+                <a:latin typeface="Consolas" panose="020B0609020204030204" pitchFamily="49" charset="0"/>
+                <a:cs typeface="Consolas" panose="020B0609020204030204" pitchFamily="49" charset="0"/>
+              </a:rPr>
+              <a:t>actions</a:t>
+            </a:r>
+            <a:r>
+              <a:rPr lang="en-US" sz="1800" dirty="0"/>
+              <a:t>, </a:t>
+            </a:r>
+            <a:r>
+              <a:rPr lang="en-US" sz="1800" dirty="0">
+                <a:latin typeface="Consolas" panose="020B0609020204030204" pitchFamily="49" charset="0"/>
+                <a:cs typeface="Consolas" panose="020B0609020204030204" pitchFamily="49" charset="0"/>
+              </a:rPr>
+              <a:t>events</a:t>
+            </a:r>
+            <a:r>
+              <a:rPr lang="en-US" sz="1800" dirty="0"/>
+              <a:t> </a:t>
+            </a:r>
+            <a:r>
+              <a:rPr lang="en-US" dirty="0"/>
+              <a:t>on top </a:t>
+            </a:r>
+            <a:r>
+              <a:rPr lang="en-US" dirty="0" smtClean="0"/>
+              <a:t>level</a:t>
+            </a:r>
+            <a:endParaRPr lang="en-US" dirty="0"/>
           </a:p>
         </p:txBody>
       </p:sp>
@@ -19499,8 +19861,12 @@
               <a:t>Changes </a:t>
             </a:r>
             <a:r>
+              <a:rPr lang="en-US" noProof="0" dirty="0" smtClean="0"/>
+              <a:t>in “Simplified </a:t>
+            </a:r>
+            <a:r>
               <a:rPr lang="en-US" noProof="0" dirty="0"/>
-              <a:t>to “Simplified TD”</a:t>
+              <a:t>TD”</a:t>
             </a:r>
           </a:p>
         </p:txBody>
@@ -19792,11 +20158,18 @@
               <a:t>    "</a:t>
             </a:r>
             <a:r>
+              <a:rPr lang="en-US" sz="1400" noProof="0" dirty="0" smtClean="0">
+                <a:latin typeface="Consolas" panose="020B0609020204030204" pitchFamily="49" charset="0"/>
+                <a:cs typeface="Consolas" panose="020B0609020204030204" pitchFamily="49" charset="0"/>
+              </a:rPr>
+              <a:t>writable</a:t>
+            </a:r>
+            <a:r>
               <a:rPr lang="en-US" sz="1400" noProof="0" dirty="0">
                 <a:latin typeface="Consolas" panose="020B0609020204030204" pitchFamily="49" charset="0"/>
                 <a:cs typeface="Consolas" panose="020B0609020204030204" pitchFamily="49" charset="0"/>
               </a:rPr>
-              <a:t>writeable": </a:t>
+              <a:t>": </a:t>
             </a:r>
             <a:r>
               <a:rPr lang="en-US" sz="1400" noProof="0" dirty="0" smtClean="0">
@@ -20082,7 +20455,21 @@
                 <a:latin typeface="Consolas" panose="020B0609020204030204" pitchFamily="49" charset="0"/>
                 <a:cs typeface="Consolas" panose="020B0609020204030204" pitchFamily="49" charset="0"/>
               </a:rPr>
-              <a:t>    "writeable": true</a:t>
+              <a:t>    "</a:t>
+            </a:r>
+            <a:r>
+              <a:rPr lang="en-US" sz="1400" noProof="0" dirty="0" smtClean="0">
+                <a:latin typeface="Consolas" panose="020B0609020204030204" pitchFamily="49" charset="0"/>
+                <a:cs typeface="Consolas" panose="020B0609020204030204" pitchFamily="49" charset="0"/>
+              </a:rPr>
+              <a:t>writable</a:t>
+            </a:r>
+            <a:r>
+              <a:rPr lang="en-US" sz="1400" noProof="0" dirty="0">
+                <a:latin typeface="Consolas" panose="020B0609020204030204" pitchFamily="49" charset="0"/>
+                <a:cs typeface="Consolas" panose="020B0609020204030204" pitchFamily="49" charset="0"/>
+              </a:rPr>
+              <a:t>": true</a:t>
             </a:r>
             <a:r>
               <a:rPr lang="en-US" sz="1400" noProof="0" dirty="0" smtClean="0">
@@ -21687,7 +22074,21 @@
                 <a:latin typeface="Consolas" panose="020B0609020204030204" pitchFamily="49" charset="0"/>
                 <a:cs typeface="Consolas" panose="020B0609020204030204" pitchFamily="49" charset="0"/>
               </a:rPr>
-              <a:t>"writeable": true,</a:t>
+              <a:t>"</a:t>
+            </a:r>
+            <a:r>
+              <a:rPr lang="en-US" sz="1400" dirty="0" smtClean="0">
+                <a:latin typeface="Consolas" panose="020B0609020204030204" pitchFamily="49" charset="0"/>
+                <a:cs typeface="Consolas" panose="020B0609020204030204" pitchFamily="49" charset="0"/>
+              </a:rPr>
+              <a:t>writable</a:t>
+            </a:r>
+            <a:r>
+              <a:rPr lang="en-US" sz="1400" dirty="0">
+                <a:latin typeface="Consolas" panose="020B0609020204030204" pitchFamily="49" charset="0"/>
+                <a:cs typeface="Consolas" panose="020B0609020204030204" pitchFamily="49" charset="0"/>
+              </a:rPr>
+              <a:t>": true,</a:t>
             </a:r>
             <a:endParaRPr lang="en-US" sz="1400" noProof="0" dirty="0" smtClean="0">
               <a:latin typeface="Consolas" panose="020B0609020204030204" pitchFamily="49" charset="0"/>
@@ -23039,7 +23440,15 @@
           <a:p>
             <a:r>
               <a:rPr lang="en-US" dirty="0"/>
-              <a:t>Changes to “Simplified TD”</a:t>
+              <a:t>Changes </a:t>
+            </a:r>
+            <a:r>
+              <a:rPr lang="en-US" dirty="0" smtClean="0"/>
+              <a:t>in “Simplified </a:t>
+            </a:r>
+            <a:r>
+              <a:rPr lang="en-US" dirty="0"/>
+              <a:t>TD”</a:t>
             </a:r>
             <a:endParaRPr lang="en-US" noProof="0" dirty="0"/>
           </a:p>
@@ -25301,7 +25710,15 @@
           <a:p>
             <a:r>
               <a:rPr lang="en-US" dirty="0"/>
-              <a:t>Changes to “Simplified TD”</a:t>
+              <a:t>Changes </a:t>
+            </a:r>
+            <a:r>
+              <a:rPr lang="en-US" dirty="0" smtClean="0"/>
+              <a:t>in “Simplified </a:t>
+            </a:r>
+            <a:r>
+              <a:rPr lang="en-US" dirty="0"/>
+              <a:t>TD”</a:t>
             </a:r>
             <a:endParaRPr lang="en-US" noProof="0" dirty="0"/>
           </a:p>
@@ -27224,13 +27641,21 @@
 
 <file path=customXml/item1.xml><?xml version="1.0" encoding="utf-8"?>
 <p4ppTags>
-  <Name>One object (large)</Name>
-  <PpLayout>16</PpLayout>
-  <Index>10</Index>
+  <Name>Four objects</Name>
+  <PpLayout>24</PpLayout>
+  <Index>15</Index>
 </p4ppTags>
 </file>
 
 <file path=customXml/item10.xml><?xml version="1.0" encoding="utf-8"?>
+<p4ppTags>
+  <Name>Two columns</Name>
+  <PpLayout>29</PpLayout>
+  <Index>12</Index>
+</p4ppTags>
+</file>
+
+<file path=customXml/item11.xml><?xml version="1.0" encoding="utf-8"?>
 <p4ppTags>
   <Name>Two columns + Navigation</Name>
   <PpLayout>32</PpLayout>
@@ -27238,35 +27663,27 @@
 </p4ppTags>
 </file>
 
-<file path=customXml/item11.xml><?xml version="1.0" encoding="utf-8"?>
-<p4ppTags>
-  <Name>One object (small)</Name>
-  <PpLayout>16</PpLayout>
-  <Index>11</Index>
-</p4ppTags>
-</file>
-
 <file path=customXml/item12.xml><?xml version="1.0" encoding="utf-8"?>
 <p4ppTags>
-  <Name>One object (small) + Navigation</Name>
+  <Name>Text + Index</Name>
   <PpLayout>32</PpLayout>
-  <Index>18</Index>
+  <Index>8</Index>
 </p4ppTags>
 </file>
 
 <file path=customXml/item13.xml><?xml version="1.0" encoding="utf-8"?>
 <p4ppTags>
-  <Name>Free Content + Navigation</Name>
+  <Name>Two rows</Name>
   <PpLayout>32</PpLayout>
-  <Index>16</Index>
+  <Index>13</Index>
 </p4ppTags>
 </file>
 
 <file path=customXml/item2.xml><?xml version="1.0" encoding="utf-8"?>
 <p4ppTags>
-  <Name>Free Content</Name>
-  <PpLayout>11</PpLayout>
-  <Index>9</Index>
+  <Name>Free Content + Navigation</Name>
+  <PpLayout>32</PpLayout>
+  <Index>16</Index>
 </p4ppTags>
 </file>
 
@@ -27280,21 +27697,37 @@
 
 <file path=customXml/item4.xml><?xml version="1.0" encoding="utf-8"?>
 <p4ppTags>
-  <Name>Text + Index</Name>
+  <Name>Three columns + Navigation</Name>
   <PpLayout>32</PpLayout>
-  <Index>8</Index>
+  <Index>20</Index>
 </p4ppTags>
 </file>
 
 <file path=customXml/item5.xml><?xml version="1.0" encoding="utf-8"?>
 <p4ppTags>
-  <Name>Two columns</Name>
-  <PpLayout>29</PpLayout>
-  <Index>12</Index>
+  <Name>One object (small) + Navigation</Name>
+  <PpLayout>32</PpLayout>
+  <Index>18</Index>
 </p4ppTags>
 </file>
 
 <file path=customXml/item6.xml><?xml version="1.0" encoding="utf-8"?>
+<p4ppTags>
+  <Name>Free Content</Name>
+  <PpLayout>11</PpLayout>
+  <Index>9</Index>
+</p4ppTags>
+</file>
+
+<file path=customXml/item7.xml><?xml version="1.0" encoding="utf-8"?>
+<p4ppTags>
+  <Name>One object (large)</Name>
+  <PpLayout>16</PpLayout>
+  <Index>10</Index>
+</p4ppTags>
+</file>
+
+<file path=customXml/item8.xml><?xml version="1.0" encoding="utf-8"?>
 <p4ppTags>
   <Name>Three columns</Name>
   <PpLayout>32</PpLayout>
@@ -27302,62 +27735,46 @@
 </p4ppTags>
 </file>
 
-<file path=customXml/item7.xml><?xml version="1.0" encoding="utf-8"?>
-<p4ppTags>
-  <Name>Three columns + Navigation</Name>
-  <PpLayout>32</PpLayout>
-  <Index>20</Index>
-</p4ppTags>
-</file>
-
-<file path=customXml/item8.xml><?xml version="1.0" encoding="utf-8"?>
-<p4ppTags>
-  <Name>Four objects</Name>
-  <PpLayout>24</PpLayout>
-  <Index>15</Index>
-</p4ppTags>
-</file>
-
 <file path=customXml/item9.xml><?xml version="1.0" encoding="utf-8"?>
 <p4ppTags>
-  <Name>Two rows</Name>
-  <PpLayout>32</PpLayout>
-  <Index>13</Index>
+  <Name>One object (small)</Name>
+  <PpLayout>16</PpLayout>
+  <Index>11</Index>
 </p4ppTags>
 </file>
 
 <file path=customXml/itemProps1.xml><?xml version="1.0" encoding="utf-8"?>
-<ds:datastoreItem xmlns:ds="http://schemas.openxmlformats.org/officeDocument/2006/customXml" ds:itemID="{864B6C15-1FF1-4ADA-8DBE-CD1DAF35B070}">
+<ds:datastoreItem xmlns:ds="http://schemas.openxmlformats.org/officeDocument/2006/customXml" ds:itemID="{4E8C063E-54DF-40B8-B6B7-24C91B170904}">
   <ds:schemaRefs/>
 </ds:datastoreItem>
 </file>
 
 <file path=customXml/itemProps10.xml><?xml version="1.0" encoding="utf-8"?>
+<ds:datastoreItem xmlns:ds="http://schemas.openxmlformats.org/officeDocument/2006/customXml" ds:itemID="{9299034F-B9D7-46FC-B241-DC94BF0E67F6}">
+  <ds:schemaRefs/>
+</ds:datastoreItem>
+</file>
+
+<file path=customXml/itemProps11.xml><?xml version="1.0" encoding="utf-8"?>
 <ds:datastoreItem xmlns:ds="http://schemas.openxmlformats.org/officeDocument/2006/customXml" ds:itemID="{A27DC4FC-F9FA-4AC8-AAAA-729E607CE7E5}">
   <ds:schemaRefs/>
 </ds:datastoreItem>
 </file>
 
-<file path=customXml/itemProps11.xml><?xml version="1.0" encoding="utf-8"?>
-<ds:datastoreItem xmlns:ds="http://schemas.openxmlformats.org/officeDocument/2006/customXml" ds:itemID="{B19D05D1-AE0E-4B0D-AA6A-E4DC4507B75E}">
-  <ds:schemaRefs/>
-</ds:datastoreItem>
-</file>
-
 <file path=customXml/itemProps12.xml><?xml version="1.0" encoding="utf-8"?>
-<ds:datastoreItem xmlns:ds="http://schemas.openxmlformats.org/officeDocument/2006/customXml" ds:itemID="{0091252C-F36F-40C9-984C-22582B3E6FB3}">
+<ds:datastoreItem xmlns:ds="http://schemas.openxmlformats.org/officeDocument/2006/customXml" ds:itemID="{0D9599B2-641B-429C-8C85-C591ECF8C990}">
   <ds:schemaRefs/>
 </ds:datastoreItem>
 </file>
 
 <file path=customXml/itemProps13.xml><?xml version="1.0" encoding="utf-8"?>
-<ds:datastoreItem xmlns:ds="http://schemas.openxmlformats.org/officeDocument/2006/customXml" ds:itemID="{3C206999-0CDF-47B3-B85E-D5652B9D7810}">
+<ds:datastoreItem xmlns:ds="http://schemas.openxmlformats.org/officeDocument/2006/customXml" ds:itemID="{F14BB4E7-BF22-46E2-AA3C-1ABA12A0B021}">
   <ds:schemaRefs/>
 </ds:datastoreItem>
 </file>
 
 <file path=customXml/itemProps2.xml><?xml version="1.0" encoding="utf-8"?>
-<ds:datastoreItem xmlns:ds="http://schemas.openxmlformats.org/officeDocument/2006/customXml" ds:itemID="{B5096DD8-53C8-4E83-8664-FC4F8BE8B725}">
+<ds:datastoreItem xmlns:ds="http://schemas.openxmlformats.org/officeDocument/2006/customXml" ds:itemID="{3C206999-0CDF-47B3-B85E-D5652B9D7810}">
   <ds:schemaRefs/>
 </ds:datastoreItem>
 </file>
@@ -27369,37 +27786,37 @@
 </file>
 
 <file path=customXml/itemProps4.xml><?xml version="1.0" encoding="utf-8"?>
-<ds:datastoreItem xmlns:ds="http://schemas.openxmlformats.org/officeDocument/2006/customXml" ds:itemID="{0D9599B2-641B-429C-8C85-C591ECF8C990}">
+<ds:datastoreItem xmlns:ds="http://schemas.openxmlformats.org/officeDocument/2006/customXml" ds:itemID="{69E3DA23-9724-4848-A6F6-2F0F36B1F914}">
   <ds:schemaRefs/>
 </ds:datastoreItem>
 </file>
 
 <file path=customXml/itemProps5.xml><?xml version="1.0" encoding="utf-8"?>
-<ds:datastoreItem xmlns:ds="http://schemas.openxmlformats.org/officeDocument/2006/customXml" ds:itemID="{9299034F-B9D7-46FC-B241-DC94BF0E67F6}">
+<ds:datastoreItem xmlns:ds="http://schemas.openxmlformats.org/officeDocument/2006/customXml" ds:itemID="{0091252C-F36F-40C9-984C-22582B3E6FB3}">
   <ds:schemaRefs/>
 </ds:datastoreItem>
 </file>
 
 <file path=customXml/itemProps6.xml><?xml version="1.0" encoding="utf-8"?>
+<ds:datastoreItem xmlns:ds="http://schemas.openxmlformats.org/officeDocument/2006/customXml" ds:itemID="{B5096DD8-53C8-4E83-8664-FC4F8BE8B725}">
+  <ds:schemaRefs/>
+</ds:datastoreItem>
+</file>
+
+<file path=customXml/itemProps7.xml><?xml version="1.0" encoding="utf-8"?>
+<ds:datastoreItem xmlns:ds="http://schemas.openxmlformats.org/officeDocument/2006/customXml" ds:itemID="{864B6C15-1FF1-4ADA-8DBE-CD1DAF35B070}">
+  <ds:schemaRefs/>
+</ds:datastoreItem>
+</file>
+
+<file path=customXml/itemProps8.xml><?xml version="1.0" encoding="utf-8"?>
 <ds:datastoreItem xmlns:ds="http://schemas.openxmlformats.org/officeDocument/2006/customXml" ds:itemID="{8699A006-2152-4093-B4FC-C6BF20D5E592}">
   <ds:schemaRefs/>
 </ds:datastoreItem>
 </file>
 
-<file path=customXml/itemProps7.xml><?xml version="1.0" encoding="utf-8"?>
-<ds:datastoreItem xmlns:ds="http://schemas.openxmlformats.org/officeDocument/2006/customXml" ds:itemID="{69E3DA23-9724-4848-A6F6-2F0F36B1F914}">
-  <ds:schemaRefs/>
-</ds:datastoreItem>
-</file>
-
-<file path=customXml/itemProps8.xml><?xml version="1.0" encoding="utf-8"?>
-<ds:datastoreItem xmlns:ds="http://schemas.openxmlformats.org/officeDocument/2006/customXml" ds:itemID="{4E8C063E-54DF-40B8-B6B7-24C91B170904}">
-  <ds:schemaRefs/>
-</ds:datastoreItem>
-</file>
-
 <file path=customXml/itemProps9.xml><?xml version="1.0" encoding="utf-8"?>
-<ds:datastoreItem xmlns:ds="http://schemas.openxmlformats.org/officeDocument/2006/customXml" ds:itemID="{F14BB4E7-BF22-46E2-AA3C-1ABA12A0B021}">
+<ds:datastoreItem xmlns:ds="http://schemas.openxmlformats.org/officeDocument/2006/customXml" ds:itemID="{B19D05D1-AE0E-4B0D-AA6A-E4DC4507B75E}">
   <ds:schemaRefs/>
 </ds:datastoreItem>
 </file>
--- a/slides/13_T2TRG_IETF102_W3C-WoT-Update.pptx
+++ b/slides/13_T2TRG_IETF102_W3C-WoT-Update.pptx
@@ -9456,6 +9456,60 @@
           <a:lstStyle/>
           <a:p>
             <a:r>
+              <a:rPr lang="de-DE" dirty="0" smtClean="0"/>
+              <a:t>Overall</a:t>
+            </a:r>
+          </a:p>
+          <a:p>
+            <a:pPr lvl="1"/>
+            <a:r>
+              <a:rPr lang="de-DE" dirty="0" err="1" smtClean="0"/>
+              <a:t>Define</a:t>
+            </a:r>
+            <a:r>
+              <a:rPr lang="de-DE" dirty="0" smtClean="0"/>
+              <a:t> </a:t>
+            </a:r>
+            <a:r>
+              <a:rPr lang="de-DE" dirty="0" err="1" smtClean="0"/>
+              <a:t>test</a:t>
+            </a:r>
+            <a:r>
+              <a:rPr lang="de-DE" dirty="0" smtClean="0"/>
+              <a:t> </a:t>
+            </a:r>
+            <a:r>
+              <a:rPr lang="de-DE" dirty="0" err="1" smtClean="0"/>
+              <a:t>cases</a:t>
+            </a:r>
+            <a:endParaRPr lang="de-DE" dirty="0" smtClean="0"/>
+          </a:p>
+          <a:p>
+            <a:pPr lvl="1"/>
+            <a:r>
+              <a:rPr lang="de-DE" dirty="0" err="1" smtClean="0"/>
+              <a:t>Provide</a:t>
+            </a:r>
+            <a:r>
+              <a:rPr lang="de-DE" dirty="0" smtClean="0"/>
+              <a:t> </a:t>
+            </a:r>
+            <a:r>
+              <a:rPr lang="de-DE" dirty="0" err="1" smtClean="0"/>
+              <a:t>test</a:t>
+            </a:r>
+            <a:r>
+              <a:rPr lang="de-DE" dirty="0" smtClean="0"/>
+              <a:t> </a:t>
+            </a:r>
+            <a:r>
+              <a:rPr lang="de-DE" dirty="0" err="1" smtClean="0"/>
+              <a:t>suite</a:t>
+            </a:r>
+            <a:endParaRPr lang="en-US" dirty="0" smtClean="0"/>
+          </a:p>
+          <a:p>
+            <a:r>
               <a:rPr lang="en-US" dirty="0" smtClean="0"/>
               <a:t>WoT Thing Description</a:t>
             </a:r>
@@ -9671,7 +9725,435 @@
   <p:timing>
     <p:tnLst>
       <p:par>
-        <p:cTn id="1" dur="indefinite" restart="never" nodeType="tmRoot"/>
+        <p:cTn id="1" dur="indefinite" restart="never" nodeType="tmRoot">
+          <p:childTnLst>
+            <p:seq concurrent="1" nextAc="seek">
+              <p:cTn id="2" dur="indefinite" nodeType="mainSeq">
+                <p:childTnLst>
+                  <p:par>
+                    <p:cTn id="3" fill="hold">
+                      <p:stCondLst>
+                        <p:cond delay="indefinite"/>
+                      </p:stCondLst>
+                      <p:childTnLst>
+                        <p:par>
+                          <p:cTn id="4" fill="hold">
+                            <p:stCondLst>
+                              <p:cond delay="0"/>
+                            </p:stCondLst>
+                            <p:childTnLst>
+                              <p:par>
+                                <p:cTn id="5" presetID="10" presetClass="entr" presetSubtype="0" fill="hold" nodeType="clickEffect">
+                                  <p:stCondLst>
+                                    <p:cond delay="0"/>
+                                  </p:stCondLst>
+                                  <p:childTnLst>
+                                    <p:set>
+                                      <p:cBhvr>
+                                        <p:cTn id="6" dur="1" fill="hold">
+                                          <p:stCondLst>
+                                            <p:cond delay="0"/>
+                                          </p:stCondLst>
+                                        </p:cTn>
+                                        <p:tgtEl>
+                                          <p:spTgt spid="3">
+                                            <p:txEl>
+                                              <p:pRg st="3" end="3"/>
+                                            </p:txEl>
+                                          </p:spTgt>
+                                        </p:tgtEl>
+                                        <p:attrNameLst>
+                                          <p:attrName>style.visibility</p:attrName>
+                                        </p:attrNameLst>
+                                      </p:cBhvr>
+                                      <p:to>
+                                        <p:strVal val="visible"/>
+                                      </p:to>
+                                    </p:set>
+                                    <p:animEffect transition="in" filter="fade">
+                                      <p:cBhvr>
+                                        <p:cTn id="7" dur="250"/>
+                                        <p:tgtEl>
+                                          <p:spTgt spid="3">
+                                            <p:txEl>
+                                              <p:pRg st="3" end="3"/>
+                                            </p:txEl>
+                                          </p:spTgt>
+                                        </p:tgtEl>
+                                      </p:cBhvr>
+                                    </p:animEffect>
+                                  </p:childTnLst>
+                                </p:cTn>
+                              </p:par>
+                              <p:par>
+                                <p:cTn id="8" presetID="10" presetClass="entr" presetSubtype="0" fill="hold" nodeType="withEffect">
+                                  <p:stCondLst>
+                                    <p:cond delay="0"/>
+                                  </p:stCondLst>
+                                  <p:childTnLst>
+                                    <p:set>
+                                      <p:cBhvr>
+                                        <p:cTn id="9" dur="1" fill="hold">
+                                          <p:stCondLst>
+                                            <p:cond delay="0"/>
+                                          </p:stCondLst>
+                                        </p:cTn>
+                                        <p:tgtEl>
+                                          <p:spTgt spid="3">
+                                            <p:txEl>
+                                              <p:pRg st="4" end="4"/>
+                                            </p:txEl>
+                                          </p:spTgt>
+                                        </p:tgtEl>
+                                        <p:attrNameLst>
+                                          <p:attrName>style.visibility</p:attrName>
+                                        </p:attrNameLst>
+                                      </p:cBhvr>
+                                      <p:to>
+                                        <p:strVal val="visible"/>
+                                      </p:to>
+                                    </p:set>
+                                    <p:animEffect transition="in" filter="fade">
+                                      <p:cBhvr>
+                                        <p:cTn id="10" dur="250"/>
+                                        <p:tgtEl>
+                                          <p:spTgt spid="3">
+                                            <p:txEl>
+                                              <p:pRg st="4" end="4"/>
+                                            </p:txEl>
+                                          </p:spTgt>
+                                        </p:tgtEl>
+                                      </p:cBhvr>
+                                    </p:animEffect>
+                                  </p:childTnLst>
+                                </p:cTn>
+                              </p:par>
+                              <p:par>
+                                <p:cTn id="11" presetID="10" presetClass="entr" presetSubtype="0" fill="hold" nodeType="withEffect">
+                                  <p:stCondLst>
+                                    <p:cond delay="0"/>
+                                  </p:stCondLst>
+                                  <p:childTnLst>
+                                    <p:set>
+                                      <p:cBhvr>
+                                        <p:cTn id="12" dur="1" fill="hold">
+                                          <p:stCondLst>
+                                            <p:cond delay="0"/>
+                                          </p:stCondLst>
+                                        </p:cTn>
+                                        <p:tgtEl>
+                                          <p:spTgt spid="3">
+                                            <p:txEl>
+                                              <p:pRg st="5" end="5"/>
+                                            </p:txEl>
+                                          </p:spTgt>
+                                        </p:tgtEl>
+                                        <p:attrNameLst>
+                                          <p:attrName>style.visibility</p:attrName>
+                                        </p:attrNameLst>
+                                      </p:cBhvr>
+                                      <p:to>
+                                        <p:strVal val="visible"/>
+                                      </p:to>
+                                    </p:set>
+                                    <p:animEffect transition="in" filter="fade">
+                                      <p:cBhvr>
+                                        <p:cTn id="13" dur="250"/>
+                                        <p:tgtEl>
+                                          <p:spTgt spid="3">
+                                            <p:txEl>
+                                              <p:pRg st="5" end="5"/>
+                                            </p:txEl>
+                                          </p:spTgt>
+                                        </p:tgtEl>
+                                      </p:cBhvr>
+                                    </p:animEffect>
+                                  </p:childTnLst>
+                                </p:cTn>
+                              </p:par>
+                              <p:par>
+                                <p:cTn id="14" presetID="10" presetClass="entr" presetSubtype="0" fill="hold" nodeType="withEffect">
+                                  <p:stCondLst>
+                                    <p:cond delay="0"/>
+                                  </p:stCondLst>
+                                  <p:childTnLst>
+                                    <p:set>
+                                      <p:cBhvr>
+                                        <p:cTn id="15" dur="1" fill="hold">
+                                          <p:stCondLst>
+                                            <p:cond delay="0"/>
+                                          </p:stCondLst>
+                                        </p:cTn>
+                                        <p:tgtEl>
+                                          <p:spTgt spid="3">
+                                            <p:txEl>
+                                              <p:pRg st="6" end="6"/>
+                                            </p:txEl>
+                                          </p:spTgt>
+                                        </p:tgtEl>
+                                        <p:attrNameLst>
+                                          <p:attrName>style.visibility</p:attrName>
+                                        </p:attrNameLst>
+                                      </p:cBhvr>
+                                      <p:to>
+                                        <p:strVal val="visible"/>
+                                      </p:to>
+                                    </p:set>
+                                    <p:animEffect transition="in" filter="fade">
+                                      <p:cBhvr>
+                                        <p:cTn id="16" dur="250"/>
+                                        <p:tgtEl>
+                                          <p:spTgt spid="3">
+                                            <p:txEl>
+                                              <p:pRg st="6" end="6"/>
+                                            </p:txEl>
+                                          </p:spTgt>
+                                        </p:tgtEl>
+                                      </p:cBhvr>
+                                    </p:animEffect>
+                                  </p:childTnLst>
+                                </p:cTn>
+                              </p:par>
+                              <p:par>
+                                <p:cTn id="17" presetID="10" presetClass="entr" presetSubtype="0" fill="hold" nodeType="withEffect">
+                                  <p:stCondLst>
+                                    <p:cond delay="0"/>
+                                  </p:stCondLst>
+                                  <p:childTnLst>
+                                    <p:set>
+                                      <p:cBhvr>
+                                        <p:cTn id="18" dur="1" fill="hold">
+                                          <p:stCondLst>
+                                            <p:cond delay="0"/>
+                                          </p:stCondLst>
+                                        </p:cTn>
+                                        <p:tgtEl>
+                                          <p:spTgt spid="3">
+                                            <p:txEl>
+                                              <p:pRg st="7" end="7"/>
+                                            </p:txEl>
+                                          </p:spTgt>
+                                        </p:tgtEl>
+                                        <p:attrNameLst>
+                                          <p:attrName>style.visibility</p:attrName>
+                                        </p:attrNameLst>
+                                      </p:cBhvr>
+                                      <p:to>
+                                        <p:strVal val="visible"/>
+                                      </p:to>
+                                    </p:set>
+                                    <p:animEffect transition="in" filter="fade">
+                                      <p:cBhvr>
+                                        <p:cTn id="19" dur="250"/>
+                                        <p:tgtEl>
+                                          <p:spTgt spid="3">
+                                            <p:txEl>
+                                              <p:pRg st="7" end="7"/>
+                                            </p:txEl>
+                                          </p:spTgt>
+                                        </p:tgtEl>
+                                      </p:cBhvr>
+                                    </p:animEffect>
+                                  </p:childTnLst>
+                                </p:cTn>
+                              </p:par>
+                              <p:par>
+                                <p:cTn id="20" presetID="10" presetClass="entr" presetSubtype="0" fill="hold" nodeType="withEffect">
+                                  <p:stCondLst>
+                                    <p:cond delay="0"/>
+                                  </p:stCondLst>
+                                  <p:childTnLst>
+                                    <p:set>
+                                      <p:cBhvr>
+                                        <p:cTn id="21" dur="1" fill="hold">
+                                          <p:stCondLst>
+                                            <p:cond delay="0"/>
+                                          </p:stCondLst>
+                                        </p:cTn>
+                                        <p:tgtEl>
+                                          <p:spTgt spid="3">
+                                            <p:txEl>
+                                              <p:pRg st="8" end="8"/>
+                                            </p:txEl>
+                                          </p:spTgt>
+                                        </p:tgtEl>
+                                        <p:attrNameLst>
+                                          <p:attrName>style.visibility</p:attrName>
+                                        </p:attrNameLst>
+                                      </p:cBhvr>
+                                      <p:to>
+                                        <p:strVal val="visible"/>
+                                      </p:to>
+                                    </p:set>
+                                    <p:animEffect transition="in" filter="fade">
+                                      <p:cBhvr>
+                                        <p:cTn id="22" dur="250"/>
+                                        <p:tgtEl>
+                                          <p:spTgt spid="3">
+                                            <p:txEl>
+                                              <p:pRg st="8" end="8"/>
+                                            </p:txEl>
+                                          </p:spTgt>
+                                        </p:tgtEl>
+                                      </p:cBhvr>
+                                    </p:animEffect>
+                                  </p:childTnLst>
+                                </p:cTn>
+                              </p:par>
+                              <p:par>
+                                <p:cTn id="23" presetID="10" presetClass="entr" presetSubtype="0" fill="hold" nodeType="withEffect">
+                                  <p:stCondLst>
+                                    <p:cond delay="0"/>
+                                  </p:stCondLst>
+                                  <p:childTnLst>
+                                    <p:set>
+                                      <p:cBhvr>
+                                        <p:cTn id="24" dur="1" fill="hold">
+                                          <p:stCondLst>
+                                            <p:cond delay="0"/>
+                                          </p:stCondLst>
+                                        </p:cTn>
+                                        <p:tgtEl>
+                                          <p:spTgt spid="3">
+                                            <p:txEl>
+                                              <p:pRg st="9" end="9"/>
+                                            </p:txEl>
+                                          </p:spTgt>
+                                        </p:tgtEl>
+                                        <p:attrNameLst>
+                                          <p:attrName>style.visibility</p:attrName>
+                                        </p:attrNameLst>
+                                      </p:cBhvr>
+                                      <p:to>
+                                        <p:strVal val="visible"/>
+                                      </p:to>
+                                    </p:set>
+                                    <p:animEffect transition="in" filter="fade">
+                                      <p:cBhvr>
+                                        <p:cTn id="25" dur="250"/>
+                                        <p:tgtEl>
+                                          <p:spTgt spid="3">
+                                            <p:txEl>
+                                              <p:pRg st="9" end="9"/>
+                                            </p:txEl>
+                                          </p:spTgt>
+                                        </p:tgtEl>
+                                      </p:cBhvr>
+                                    </p:animEffect>
+                                  </p:childTnLst>
+                                </p:cTn>
+                              </p:par>
+                              <p:par>
+                                <p:cTn id="26" presetID="10" presetClass="entr" presetSubtype="0" fill="hold" nodeType="withEffect">
+                                  <p:stCondLst>
+                                    <p:cond delay="0"/>
+                                  </p:stCondLst>
+                                  <p:childTnLst>
+                                    <p:set>
+                                      <p:cBhvr>
+                                        <p:cTn id="27" dur="1" fill="hold">
+                                          <p:stCondLst>
+                                            <p:cond delay="0"/>
+                                          </p:stCondLst>
+                                        </p:cTn>
+                                        <p:tgtEl>
+                                          <p:spTgt spid="3">
+                                            <p:txEl>
+                                              <p:pRg st="10" end="10"/>
+                                            </p:txEl>
+                                          </p:spTgt>
+                                        </p:tgtEl>
+                                        <p:attrNameLst>
+                                          <p:attrName>style.visibility</p:attrName>
+                                        </p:attrNameLst>
+                                      </p:cBhvr>
+                                      <p:to>
+                                        <p:strVal val="visible"/>
+                                      </p:to>
+                                    </p:set>
+                                    <p:animEffect transition="in" filter="fade">
+                                      <p:cBhvr>
+                                        <p:cTn id="28" dur="250"/>
+                                        <p:tgtEl>
+                                          <p:spTgt spid="3">
+                                            <p:txEl>
+                                              <p:pRg st="10" end="10"/>
+                                            </p:txEl>
+                                          </p:spTgt>
+                                        </p:tgtEl>
+                                      </p:cBhvr>
+                                    </p:animEffect>
+                                  </p:childTnLst>
+                                </p:cTn>
+                              </p:par>
+                              <p:par>
+                                <p:cTn id="29" presetID="10" presetClass="entr" presetSubtype="0" fill="hold" nodeType="withEffect">
+                                  <p:stCondLst>
+                                    <p:cond delay="0"/>
+                                  </p:stCondLst>
+                                  <p:childTnLst>
+                                    <p:set>
+                                      <p:cBhvr>
+                                        <p:cTn id="30" dur="1" fill="hold">
+                                          <p:stCondLst>
+                                            <p:cond delay="0"/>
+                                          </p:stCondLst>
+                                        </p:cTn>
+                                        <p:tgtEl>
+                                          <p:spTgt spid="3">
+                                            <p:txEl>
+                                              <p:pRg st="11" end="11"/>
+                                            </p:txEl>
+                                          </p:spTgt>
+                                        </p:tgtEl>
+                                        <p:attrNameLst>
+                                          <p:attrName>style.visibility</p:attrName>
+                                        </p:attrNameLst>
+                                      </p:cBhvr>
+                                      <p:to>
+                                        <p:strVal val="visible"/>
+                                      </p:to>
+                                    </p:set>
+                                    <p:animEffect transition="in" filter="fade">
+                                      <p:cBhvr>
+                                        <p:cTn id="31" dur="250"/>
+                                        <p:tgtEl>
+                                          <p:spTgt spid="3">
+                                            <p:txEl>
+                                              <p:pRg st="11" end="11"/>
+                                            </p:txEl>
+                                          </p:spTgt>
+                                        </p:tgtEl>
+                                      </p:cBhvr>
+                                    </p:animEffect>
+                                  </p:childTnLst>
+                                </p:cTn>
+                              </p:par>
+                            </p:childTnLst>
+                          </p:cTn>
+                        </p:par>
+                      </p:childTnLst>
+                    </p:cTn>
+                  </p:par>
+                </p:childTnLst>
+              </p:cTn>
+              <p:prevCondLst>
+                <p:cond evt="onPrev" delay="0">
+                  <p:tgtEl>
+                    <p:sldTgt/>
+                  </p:tgtEl>
+                </p:cond>
+              </p:prevCondLst>
+              <p:nextCondLst>
+                <p:cond evt="onNext" delay="0">
+                  <p:tgtEl>
+                    <p:sldTgt/>
+                  </p:tgtEl>
+                </p:cond>
+              </p:nextCondLst>
+            </p:seq>
+          </p:childTnLst>
+        </p:cTn>
       </p:par>
     </p:tnLst>
   </p:timing>
@@ -9846,10 +10328,25 @@
           <a:p>
             <a:pPr lvl="1"/>
             <a:r>
+              <a:rPr lang="de-DE" dirty="0" err="1" smtClean="0"/>
+              <a:t>Finalize</a:t>
+            </a:r>
+            <a:r>
+              <a:rPr lang="de-DE" dirty="0" smtClean="0"/>
+              <a:t> </a:t>
+            </a:r>
+            <a:r>
+              <a:rPr lang="en-US" dirty="0"/>
+              <a:t>WoT Security and Privacy Considerations</a:t>
+            </a:r>
+            <a:endParaRPr lang="en-US" dirty="0" smtClean="0"/>
+          </a:p>
+          <a:p>
+            <a:pPr lvl="1"/>
+            <a:r>
               <a:rPr lang="en-US" dirty="0" smtClean="0"/>
               <a:t>Start a “living” Working Group Note on “WoT Security Best Practices”</a:t>
             </a:r>
-            <a:endParaRPr lang="en-US" dirty="0"/>
           </a:p>
         </p:txBody>
       </p:sp>
@@ -9922,7 +10419,7 @@
                                         <p:tgtEl>
                                           <p:spTgt spid="3">
                                             <p:txEl>
-                                              <p:pRg st="0" end="0"/>
+                                              <p:pRg st="4" end="4"/>
                                             </p:txEl>
                                           </p:spTgt>
                                         </p:tgtEl>
@@ -9940,7 +10437,7 @@
                                         <p:tgtEl>
                                           <p:spTgt spid="3">
                                             <p:txEl>
-                                              <p:pRg st="0" end="0"/>
+                                              <p:pRg st="4" end="4"/>
                                             </p:txEl>
                                           </p:spTgt>
                                         </p:tgtEl>
@@ -9965,7 +10462,7 @@
                                         <p:tgtEl>
                                           <p:spTgt spid="3">
                                             <p:txEl>
-                                              <p:pRg st="1" end="1"/>
+                                              <p:pRg st="5" end="5"/>
                                             </p:txEl>
                                           </p:spTgt>
                                         </p:tgtEl>
@@ -9983,7 +10480,7 @@
                                         <p:tgtEl>
                                           <p:spTgt spid="3">
                                             <p:txEl>
-                                              <p:pRg st="1" end="1"/>
+                                              <p:pRg st="5" end="5"/>
                                             </p:txEl>
                                           </p:spTgt>
                                         </p:tgtEl>
@@ -10008,7 +10505,7 @@
                                         <p:tgtEl>
                                           <p:spTgt spid="3">
                                             <p:txEl>
-                                              <p:pRg st="2" end="2"/>
+                                              <p:pRg st="6" end="6"/>
                                             </p:txEl>
                                           </p:spTgt>
                                         </p:tgtEl>
@@ -10026,50 +10523,7 @@
                                         <p:tgtEl>
                                           <p:spTgt spid="3">
                                             <p:txEl>
-                                              <p:pRg st="2" end="2"/>
-                                            </p:txEl>
-                                          </p:spTgt>
-                                        </p:tgtEl>
-                                      </p:cBhvr>
-                                    </p:animEffect>
-                                  </p:childTnLst>
-                                </p:cTn>
-                              </p:par>
-                              <p:par>
-                                <p:cTn id="14" presetID="10" presetClass="entr" presetSubtype="0" fill="hold" nodeType="withEffect">
-                                  <p:stCondLst>
-                                    <p:cond delay="0"/>
-                                  </p:stCondLst>
-                                  <p:childTnLst>
-                                    <p:set>
-                                      <p:cBhvr>
-                                        <p:cTn id="15" dur="1" fill="hold">
-                                          <p:stCondLst>
-                                            <p:cond delay="0"/>
-                                          </p:stCondLst>
-                                        </p:cTn>
-                                        <p:tgtEl>
-                                          <p:spTgt spid="3">
-                                            <p:txEl>
-                                              <p:pRg st="3" end="3"/>
-                                            </p:txEl>
-                                          </p:spTgt>
-                                        </p:tgtEl>
-                                        <p:attrNameLst>
-                                          <p:attrName>style.visibility</p:attrName>
-                                        </p:attrNameLst>
-                                      </p:cBhvr>
-                                      <p:to>
-                                        <p:strVal val="visible"/>
-                                      </p:to>
-                                    </p:set>
-                                    <p:animEffect transition="in" filter="fade">
-                                      <p:cBhvr>
-                                        <p:cTn id="16" dur="250"/>
-                                        <p:tgtEl>
-                                          <p:spTgt spid="3">
-                                            <p:txEl>
-                                              <p:pRg st="3" end="3"/>
+                                              <p:pRg st="6" end="6"/>
                                             </p:txEl>
                                           </p:spTgt>
                                         </p:tgtEl>
@@ -10085,19 +10539,62 @@
                     </p:cTn>
                   </p:par>
                   <p:par>
-                    <p:cTn id="17" fill="hold">
+                    <p:cTn id="14" fill="hold">
                       <p:stCondLst>
                         <p:cond delay="indefinite"/>
                       </p:stCondLst>
                       <p:childTnLst>
                         <p:par>
-                          <p:cTn id="18" fill="hold">
+                          <p:cTn id="15" fill="hold">
                             <p:stCondLst>
                               <p:cond delay="0"/>
                             </p:stCondLst>
                             <p:childTnLst>
                               <p:par>
-                                <p:cTn id="19" presetID="10" presetClass="entr" presetSubtype="0" fill="hold" nodeType="clickEffect">
+                                <p:cTn id="16" presetID="10" presetClass="entr" presetSubtype="0" fill="hold" nodeType="clickEffect">
+                                  <p:stCondLst>
+                                    <p:cond delay="0"/>
+                                  </p:stCondLst>
+                                  <p:childTnLst>
+                                    <p:set>
+                                      <p:cBhvr>
+                                        <p:cTn id="17" dur="1" fill="hold">
+                                          <p:stCondLst>
+                                            <p:cond delay="0"/>
+                                          </p:stCondLst>
+                                        </p:cTn>
+                                        <p:tgtEl>
+                                          <p:spTgt spid="3">
+                                            <p:txEl>
+                                              <p:pRg st="7" end="7"/>
+                                            </p:txEl>
+                                          </p:spTgt>
+                                        </p:tgtEl>
+                                        <p:attrNameLst>
+                                          <p:attrName>style.visibility</p:attrName>
+                                        </p:attrNameLst>
+                                      </p:cBhvr>
+                                      <p:to>
+                                        <p:strVal val="visible"/>
+                                      </p:to>
+                                    </p:set>
+                                    <p:animEffect transition="in" filter="fade">
+                                      <p:cBhvr>
+                                        <p:cTn id="18" dur="250"/>
+                                        <p:tgtEl>
+                                          <p:spTgt spid="3">
+                                            <p:txEl>
+                                              <p:pRg st="7" end="7"/>
+                                            </p:txEl>
+                                          </p:spTgt>
+                                        </p:tgtEl>
+                                      </p:cBhvr>
+                                    </p:animEffect>
+                                  </p:childTnLst>
+                                </p:cTn>
+                              </p:par>
+                              <p:par>
+                                <p:cTn id="19" presetID="10" presetClass="entr" presetSubtype="0" fill="hold" nodeType="withEffect">
                                   <p:stCondLst>
                                     <p:cond delay="0"/>
                                   </p:stCondLst>
@@ -10112,7 +10609,7 @@
                                         <p:tgtEl>
                                           <p:spTgt spid="3">
                                             <p:txEl>
-                                              <p:pRg st="4" end="4"/>
+                                              <p:pRg st="8" end="8"/>
                                             </p:txEl>
                                           </p:spTgt>
                                         </p:tgtEl>
@@ -10130,7 +10627,7 @@
                                         <p:tgtEl>
                                           <p:spTgt spid="3">
                                             <p:txEl>
-                                              <p:pRg st="4" end="4"/>
+                                              <p:pRg st="8" end="8"/>
                                             </p:txEl>
                                           </p:spTgt>
                                         </p:tgtEl>
@@ -10155,7 +10652,7 @@
                                         <p:tgtEl>
                                           <p:spTgt spid="3">
                                             <p:txEl>
-                                              <p:pRg st="5" end="5"/>
+                                              <p:pRg st="9" end="9"/>
                                             </p:txEl>
                                           </p:spTgt>
                                         </p:tgtEl>
@@ -10173,7 +10670,7 @@
                                         <p:tgtEl>
                                           <p:spTgt spid="3">
                                             <p:txEl>
-                                              <p:pRg st="5" end="5"/>
+                                              <p:pRg st="9" end="9"/>
                                             </p:txEl>
                                           </p:spTgt>
                                         </p:tgtEl>
@@ -10198,7 +10695,7 @@
                                         <p:tgtEl>
                                           <p:spTgt spid="3">
                                             <p:txEl>
-                                              <p:pRg st="6" end="6"/>
+                                              <p:pRg st="10" end="10"/>
                                             </p:txEl>
                                           </p:spTgt>
                                         </p:tgtEl>
@@ -10216,136 +10713,7 @@
                                         <p:tgtEl>
                                           <p:spTgt spid="3">
                                             <p:txEl>
-                                              <p:pRg st="6" end="6"/>
-                                            </p:txEl>
-                                          </p:spTgt>
-                                        </p:tgtEl>
-                                      </p:cBhvr>
-                                    </p:animEffect>
-                                  </p:childTnLst>
-                                </p:cTn>
-                              </p:par>
-                              <p:par>
-                                <p:cTn id="28" presetID="10" presetClass="entr" presetSubtype="0" fill="hold" nodeType="withEffect">
-                                  <p:stCondLst>
-                                    <p:cond delay="0"/>
-                                  </p:stCondLst>
-                                  <p:childTnLst>
-                                    <p:set>
-                                      <p:cBhvr>
-                                        <p:cTn id="29" dur="1" fill="hold">
-                                          <p:stCondLst>
-                                            <p:cond delay="0"/>
-                                          </p:stCondLst>
-                                        </p:cTn>
-                                        <p:tgtEl>
-                                          <p:spTgt spid="3">
-                                            <p:txEl>
-                                              <p:pRg st="7" end="7"/>
-                                            </p:txEl>
-                                          </p:spTgt>
-                                        </p:tgtEl>
-                                        <p:attrNameLst>
-                                          <p:attrName>style.visibility</p:attrName>
-                                        </p:attrNameLst>
-                                      </p:cBhvr>
-                                      <p:to>
-                                        <p:strVal val="visible"/>
-                                      </p:to>
-                                    </p:set>
-                                    <p:animEffect transition="in" filter="fade">
-                                      <p:cBhvr>
-                                        <p:cTn id="30" dur="250"/>
-                                        <p:tgtEl>
-                                          <p:spTgt spid="3">
-                                            <p:txEl>
-                                              <p:pRg st="7" end="7"/>
-                                            </p:txEl>
-                                          </p:spTgt>
-                                        </p:tgtEl>
-                                      </p:cBhvr>
-                                    </p:animEffect>
-                                  </p:childTnLst>
-                                </p:cTn>
-                              </p:par>
-                              <p:par>
-                                <p:cTn id="31" presetID="10" presetClass="entr" presetSubtype="0" fill="hold" nodeType="withEffect">
-                                  <p:stCondLst>
-                                    <p:cond delay="0"/>
-                                  </p:stCondLst>
-                                  <p:childTnLst>
-                                    <p:set>
-                                      <p:cBhvr>
-                                        <p:cTn id="32" dur="1" fill="hold">
-                                          <p:stCondLst>
-                                            <p:cond delay="0"/>
-                                          </p:stCondLst>
-                                        </p:cTn>
-                                        <p:tgtEl>
-                                          <p:spTgt spid="3">
-                                            <p:txEl>
-                                              <p:pRg st="8" end="8"/>
-                                            </p:txEl>
-                                          </p:spTgt>
-                                        </p:tgtEl>
-                                        <p:attrNameLst>
-                                          <p:attrName>style.visibility</p:attrName>
-                                        </p:attrNameLst>
-                                      </p:cBhvr>
-                                      <p:to>
-                                        <p:strVal val="visible"/>
-                                      </p:to>
-                                    </p:set>
-                                    <p:animEffect transition="in" filter="fade">
-                                      <p:cBhvr>
-                                        <p:cTn id="33" dur="250"/>
-                                        <p:tgtEl>
-                                          <p:spTgt spid="3">
-                                            <p:txEl>
-                                              <p:pRg st="8" end="8"/>
-                                            </p:txEl>
-                                          </p:spTgt>
-                                        </p:tgtEl>
-                                      </p:cBhvr>
-                                    </p:animEffect>
-                                  </p:childTnLst>
-                                </p:cTn>
-                              </p:par>
-                              <p:par>
-                                <p:cTn id="34" presetID="10" presetClass="entr" presetSubtype="0" fill="hold" nodeType="withEffect">
-                                  <p:stCondLst>
-                                    <p:cond delay="0"/>
-                                  </p:stCondLst>
-                                  <p:childTnLst>
-                                    <p:set>
-                                      <p:cBhvr>
-                                        <p:cTn id="35" dur="1" fill="hold">
-                                          <p:stCondLst>
-                                            <p:cond delay="0"/>
-                                          </p:stCondLst>
-                                        </p:cTn>
-                                        <p:tgtEl>
-                                          <p:spTgt spid="3">
-                                            <p:txEl>
-                                              <p:pRg st="9" end="9"/>
-                                            </p:txEl>
-                                          </p:spTgt>
-                                        </p:tgtEl>
-                                        <p:attrNameLst>
-                                          <p:attrName>style.visibility</p:attrName>
-                                        </p:attrNameLst>
-                                      </p:cBhvr>
-                                      <p:to>
-                                        <p:strVal val="visible"/>
-                                      </p:to>
-                                    </p:set>
-                                    <p:animEffect transition="in" filter="fade">
-                                      <p:cBhvr>
-                                        <p:cTn id="36" dur="250"/>
-                                        <p:tgtEl>
-                                          <p:spTgt spid="3">
-                                            <p:txEl>
-                                              <p:pRg st="9" end="9"/>
+                                              <p:pRg st="10" end="10"/>
                                             </p:txEl>
                                           </p:spTgt>
                                         </p:tgtEl>

--- a/slides/13_T2TRG_IETF102_W3C-WoT-Update.pptx
+++ b/slides/13_T2TRG_IETF102_W3C-WoT-Update.pptx
@@ -14220,11 +14220,15 @@
           <a:p>
             <a:r>
               <a:rPr lang="en-US" dirty="0"/>
-              <a:t>W3C </a:t>
+              <a:t>W3C Web of Things – </a:t>
             </a:r>
             <a:r>
               <a:rPr lang="en-US" dirty="0" smtClean="0"/>
-              <a:t>WoT Approach – Batteries Included</a:t>
+              <a:t>Batteries </a:t>
+            </a:r>
+            <a:r>
+              <a:rPr lang="en-US" dirty="0" smtClean="0"/>
+              <a:t>Included</a:t>
             </a:r>
             <a:endParaRPr lang="en-US" dirty="0"/>
           </a:p>
@@ -16432,217 +16436,9 @@
   <p:timing>
     <p:tnLst>
       <p:par>
-        <p:cTn id="1" dur="indefinite" restart="never" nodeType="tmRoot">
-          <p:childTnLst>
-            <p:seq concurrent="1" nextAc="seek">
-              <p:cTn id="2" dur="indefinite" nodeType="mainSeq">
-                <p:childTnLst>
-                  <p:par>
-                    <p:cTn id="3" fill="hold">
-                      <p:stCondLst>
-                        <p:cond delay="indefinite"/>
-                        <p:cond evt="onBegin" delay="0">
-                          <p:tn val="2"/>
-                        </p:cond>
-                      </p:stCondLst>
-                      <p:childTnLst>
-                        <p:par>
-                          <p:cTn id="4" fill="hold">
-                            <p:stCondLst>
-                              <p:cond delay="0"/>
-                            </p:stCondLst>
-                            <p:childTnLst>
-                              <p:par>
-                                <p:cTn id="5" presetID="10" presetClass="entr" presetSubtype="0" fill="hold" grpId="0" nodeType="withEffect">
-                                  <p:stCondLst>
-                                    <p:cond delay="0"/>
-                                  </p:stCondLst>
-                                  <p:childTnLst>
-                                    <p:set>
-                                      <p:cBhvr>
-                                        <p:cTn id="6" dur="1" fill="hold">
-                                          <p:stCondLst>
-                                            <p:cond delay="0"/>
-                                          </p:stCondLst>
-                                        </p:cTn>
-                                        <p:tgtEl>
-                                          <p:spTgt spid="33"/>
-                                        </p:tgtEl>
-                                        <p:attrNameLst>
-                                          <p:attrName>style.visibility</p:attrName>
-                                        </p:attrNameLst>
-                                      </p:cBhvr>
-                                      <p:to>
-                                        <p:strVal val="visible"/>
-                                      </p:to>
-                                    </p:set>
-                                    <p:animEffect transition="in" filter="fade">
-                                      <p:cBhvr>
-                                        <p:cTn id="7" dur="250"/>
-                                        <p:tgtEl>
-                                          <p:spTgt spid="33"/>
-                                        </p:tgtEl>
-                                      </p:cBhvr>
-                                    </p:animEffect>
-                                  </p:childTnLst>
-                                </p:cTn>
-                              </p:par>
-                              <p:par>
-                                <p:cTn id="8" presetID="10" presetClass="entr" presetSubtype="0" fill="hold" grpId="0" nodeType="withEffect">
-                                  <p:stCondLst>
-                                    <p:cond delay="0"/>
-                                  </p:stCondLst>
-                                  <p:childTnLst>
-                                    <p:set>
-                                      <p:cBhvr>
-                                        <p:cTn id="9" dur="1" fill="hold">
-                                          <p:stCondLst>
-                                            <p:cond delay="0"/>
-                                          </p:stCondLst>
-                                        </p:cTn>
-                                        <p:tgtEl>
-                                          <p:spTgt spid="48"/>
-                                        </p:tgtEl>
-                                        <p:attrNameLst>
-                                          <p:attrName>style.visibility</p:attrName>
-                                        </p:attrNameLst>
-                                      </p:cBhvr>
-                                      <p:to>
-                                        <p:strVal val="visible"/>
-                                      </p:to>
-                                    </p:set>
-                                    <p:animEffect transition="in" filter="fade">
-                                      <p:cBhvr>
-                                        <p:cTn id="10" dur="250"/>
-                                        <p:tgtEl>
-                                          <p:spTgt spid="48"/>
-                                        </p:tgtEl>
-                                      </p:cBhvr>
-                                    </p:animEffect>
-                                  </p:childTnLst>
-                                </p:cTn>
-                              </p:par>
-                              <p:par>
-                                <p:cTn id="11" presetID="10" presetClass="entr" presetSubtype="0" fill="hold" grpId="0" nodeType="withEffect">
-                                  <p:stCondLst>
-                                    <p:cond delay="0"/>
-                                  </p:stCondLst>
-                                  <p:childTnLst>
-                                    <p:set>
-                                      <p:cBhvr>
-                                        <p:cTn id="12" dur="1" fill="hold">
-                                          <p:stCondLst>
-                                            <p:cond delay="0"/>
-                                          </p:stCondLst>
-                                        </p:cTn>
-                                        <p:tgtEl>
-                                          <p:spTgt spid="47"/>
-                                        </p:tgtEl>
-                                        <p:attrNameLst>
-                                          <p:attrName>style.visibility</p:attrName>
-                                        </p:attrNameLst>
-                                      </p:cBhvr>
-                                      <p:to>
-                                        <p:strVal val="visible"/>
-                                      </p:to>
-                                    </p:set>
-                                    <p:animEffect transition="in" filter="fade">
-                                      <p:cBhvr>
-                                        <p:cTn id="13" dur="250"/>
-                                        <p:tgtEl>
-                                          <p:spTgt spid="47"/>
-                                        </p:tgtEl>
-                                      </p:cBhvr>
-                                    </p:animEffect>
-                                  </p:childTnLst>
-                                </p:cTn>
-                              </p:par>
-                            </p:childTnLst>
-                          </p:cTn>
-                        </p:par>
-                      </p:childTnLst>
-                    </p:cTn>
-                  </p:par>
-                  <p:par>
-                    <p:cTn id="14" fill="hold">
-                      <p:stCondLst>
-                        <p:cond delay="indefinite"/>
-                      </p:stCondLst>
-                      <p:childTnLst>
-                        <p:par>
-                          <p:cTn id="15" fill="hold">
-                            <p:stCondLst>
-                              <p:cond delay="0"/>
-                            </p:stCondLst>
-                            <p:childTnLst>
-                              <p:par>
-                                <p:cTn id="16" presetID="10" presetClass="entr" presetSubtype="0" fill="hold" grpId="0" nodeType="clickEffect">
-                                  <p:stCondLst>
-                                    <p:cond delay="0"/>
-                                  </p:stCondLst>
-                                  <p:childTnLst>
-                                    <p:set>
-                                      <p:cBhvr>
-                                        <p:cTn id="17" dur="1" fill="hold">
-                                          <p:stCondLst>
-                                            <p:cond delay="0"/>
-                                          </p:stCondLst>
-                                        </p:cTn>
-                                        <p:tgtEl>
-                                          <p:spTgt spid="49"/>
-                                        </p:tgtEl>
-                                        <p:attrNameLst>
-                                          <p:attrName>style.visibility</p:attrName>
-                                        </p:attrNameLst>
-                                      </p:cBhvr>
-                                      <p:to>
-                                        <p:strVal val="visible"/>
-                                      </p:to>
-                                    </p:set>
-                                    <p:animEffect transition="in" filter="fade">
-                                      <p:cBhvr>
-                                        <p:cTn id="18" dur="250"/>
-                                        <p:tgtEl>
-                                          <p:spTgt spid="49"/>
-                                        </p:tgtEl>
-                                      </p:cBhvr>
-                                    </p:animEffect>
-                                  </p:childTnLst>
-                                </p:cTn>
-                              </p:par>
-                            </p:childTnLst>
-                          </p:cTn>
-                        </p:par>
-                      </p:childTnLst>
-                    </p:cTn>
-                  </p:par>
-                </p:childTnLst>
-              </p:cTn>
-              <p:prevCondLst>
-                <p:cond evt="onPrev" delay="0">
-                  <p:tgtEl>
-                    <p:sldTgt/>
-                  </p:tgtEl>
-                </p:cond>
-              </p:prevCondLst>
-              <p:nextCondLst>
-                <p:cond evt="onNext" delay="0">
-                  <p:tgtEl>
-                    <p:sldTgt/>
-                  </p:tgtEl>
-                </p:cond>
-              </p:nextCondLst>
-            </p:seq>
-          </p:childTnLst>
-        </p:cTn>
+        <p:cTn id="1" dur="indefinite" restart="never" nodeType="tmRoot"/>
       </p:par>
     </p:tnLst>
-    <p:bldLst>
-      <p:bldP spid="49" grpId="0" animBg="1"/>
-      <p:bldP spid="33" grpId="0"/>
-      <p:bldP spid="47" grpId="0"/>
-      <p:bldP spid="48" grpId="0" animBg="1"/>
-    </p:bldLst>
   </p:timing>
 </p:sld>
 </file>

--- a/slides/13_T2TRG_IETF102_W3C-WoT-Update.pptx
+++ b/slides/13_T2TRG_IETF102_W3C-WoT-Update.pptx
@@ -7268,7 +7268,7 @@
               <a:buNone/>
             </a:pPr>
             <a:r>
-              <a:rPr lang="en-US" sz="1400" dirty="0" err="1">
+              <a:rPr lang="en-US" sz="1400" dirty="0" err="1" smtClean="0">
                 <a:solidFill>
                   <a:srgbClr val="000000"/>
                 </a:solidFill>
@@ -7279,7 +7279,7 @@
               <a:t>WoT.fetch</a:t>
             </a:r>
             <a:r>
-              <a:rPr lang="en-US" sz="1400" dirty="0">
+              <a:rPr lang="en-US" sz="1400" dirty="0" smtClean="0">
                 <a:solidFill>
                   <a:srgbClr val="000000"/>
                 </a:solidFill>
@@ -7290,7 +7290,7 @@
               <a:t>(</a:t>
             </a:r>
             <a:r>
-              <a:rPr lang="en-US" sz="1400" dirty="0">
+              <a:rPr lang="en-US" sz="1400" dirty="0" smtClean="0">
                 <a:solidFill>
                   <a:srgbClr val="A31515"/>
                 </a:solidFill>
@@ -7298,19 +7298,30 @@
                 <a:ea typeface="Times New Roman"/>
                 <a:cs typeface="Times New Roman"/>
               </a:rPr>
-              <a:t>"http://localhost:8080/counter</a:t>
+              <a:t>"http://localhost:8080/counter"</a:t>
             </a:r>
             <a:r>
               <a:rPr lang="en-US" sz="1400" dirty="0" smtClean="0">
                 <a:solidFill>
-                  <a:srgbClr val="A31515"/>
+                  <a:srgbClr val="000000"/>
                 </a:solidFill>
                 <a:latin typeface="Consolas"/>
                 <a:ea typeface="Times New Roman"/>
                 <a:cs typeface="Times New Roman"/>
               </a:rPr>
-              <a:t>"</a:t>
-            </a:r>
+              <a:t>)</a:t>
+            </a:r>
+          </a:p>
+          <a:p>
+            <a:pPr marL="0" indent="0">
+              <a:spcBef>
+                <a:spcPts val="0"/>
+              </a:spcBef>
+              <a:spcAft>
+                <a:spcPts val="0"/>
+              </a:spcAft>
+              <a:buNone/>
+            </a:pPr>
             <a:r>
               <a:rPr lang="en-US" sz="1400" dirty="0" smtClean="0">
                 <a:solidFill>
@@ -7320,32 +7331,21 @@
                 <a:ea typeface="Times New Roman"/>
                 <a:cs typeface="Times New Roman"/>
               </a:rPr>
-              <a:t>)</a:t>
-            </a:r>
-          </a:p>
-          <a:p>
-            <a:pPr marL="0" indent="0">
-              <a:spcBef>
-                <a:spcPts val="0"/>
-              </a:spcBef>
-              <a:spcAft>
-                <a:spcPts val="0"/>
-              </a:spcAft>
-              <a:buNone/>
-            </a:pPr>
+              <a:t>  .then(td </a:t>
+            </a:r>
             <a:r>
               <a:rPr lang="en-US" sz="1400" dirty="0" smtClean="0">
                 <a:solidFill>
-                  <a:srgbClr val="000000"/>
+                  <a:srgbClr val="0000FF"/>
                 </a:solidFill>
                 <a:latin typeface="Consolas"/>
                 <a:ea typeface="Times New Roman"/>
                 <a:cs typeface="Times New Roman"/>
               </a:rPr>
-              <a:t>  .</a:t>
-            </a:r>
-            <a:r>
-              <a:rPr lang="en-US" sz="1400" dirty="0">
+              <a:t>=&gt;</a:t>
+            </a:r>
+            <a:r>
+              <a:rPr lang="en-US" sz="1400" dirty="0" smtClean="0">
                 <a:solidFill>
                   <a:srgbClr val="000000"/>
                 </a:solidFill>
@@ -7353,31 +7353,9 @@
                 <a:ea typeface="Times New Roman"/>
                 <a:cs typeface="Times New Roman"/>
               </a:rPr>
-              <a:t>then(td </a:t>
-            </a:r>
-            <a:r>
-              <a:rPr lang="en-US" sz="1400" dirty="0">
-                <a:solidFill>
-                  <a:srgbClr val="0000FF"/>
-                </a:solidFill>
-                <a:latin typeface="Consolas"/>
-                <a:ea typeface="Times New Roman"/>
-                <a:cs typeface="Times New Roman"/>
-              </a:rPr>
-              <a:t>=&gt;</a:t>
-            </a:r>
-            <a:r>
-              <a:rPr lang="en-US" sz="1400" dirty="0">
-                <a:solidFill>
-                  <a:srgbClr val="000000"/>
-                </a:solidFill>
-                <a:latin typeface="Consolas"/>
-                <a:ea typeface="Times New Roman"/>
-                <a:cs typeface="Times New Roman"/>
-              </a:rPr>
               <a:t> {</a:t>
             </a:r>
-            <a:endParaRPr lang="en-US" sz="1400" dirty="0">
+            <a:endParaRPr lang="en-US" sz="1400" dirty="0" smtClean="0">
               <a:latin typeface="Arial"/>
               <a:ea typeface="Calibri"/>
               <a:cs typeface="Times New Roman"/>
@@ -7394,7 +7372,7 @@
               <a:buNone/>
             </a:pPr>
             <a:r>
-              <a:rPr lang="en-US" sz="1400" dirty="0">
+              <a:rPr lang="en-US" sz="1400" dirty="0" smtClean="0">
                 <a:solidFill>
                   <a:srgbClr val="000000"/>
                 </a:solidFill>
@@ -7404,7 +7382,7 @@
               </a:rPr>
               <a:t> </a:t>
             </a:r>
-            <a:endParaRPr lang="en-US" sz="1400" dirty="0">
+            <a:endParaRPr lang="en-US" sz="1400" dirty="0" smtClean="0">
               <a:latin typeface="Arial"/>
               <a:ea typeface="Calibri"/>
               <a:cs typeface="Times New Roman"/>
@@ -7421,7 +7399,7 @@
               <a:buNone/>
             </a:pPr>
             <a:r>
-              <a:rPr lang="en-US" sz="1400" dirty="0">
+              <a:rPr lang="en-US" sz="1400" dirty="0" smtClean="0">
                 <a:solidFill>
                   <a:srgbClr val="000000"/>
                 </a:solidFill>
@@ -7429,32 +7407,32 @@
                 <a:ea typeface="Times New Roman"/>
                 <a:cs typeface="Times New Roman"/>
               </a:rPr>
-              <a:t>  </a:t>
+              <a:t>    </a:t>
             </a:r>
             <a:r>
               <a:rPr lang="en-US" sz="1400" dirty="0" smtClean="0">
                 <a:solidFill>
-                  <a:srgbClr val="000000"/>
+                  <a:srgbClr val="0000FF"/>
                 </a:solidFill>
                 <a:latin typeface="Consolas"/>
                 <a:ea typeface="Times New Roman"/>
                 <a:cs typeface="Times New Roman"/>
               </a:rPr>
-              <a:t>  </a:t>
+              <a:t>let</a:t>
             </a:r>
             <a:r>
               <a:rPr lang="en-US" sz="1400" dirty="0" smtClean="0">
                 <a:solidFill>
-                  <a:srgbClr val="0000FF"/>
+                  <a:srgbClr val="000000"/>
                 </a:solidFill>
                 <a:latin typeface="Consolas"/>
                 <a:ea typeface="Times New Roman"/>
                 <a:cs typeface="Times New Roman"/>
               </a:rPr>
-              <a:t>let</a:t>
-            </a:r>
-            <a:r>
-              <a:rPr lang="en-US" sz="1400" dirty="0" smtClean="0">
+              <a:t> thing = </a:t>
+            </a:r>
+            <a:r>
+              <a:rPr lang="en-US" sz="1400" dirty="0" err="1" smtClean="0">
                 <a:solidFill>
                   <a:srgbClr val="000000"/>
                 </a:solidFill>
@@ -7462,10 +7440,10 @@
                 <a:ea typeface="Times New Roman"/>
                 <a:cs typeface="Times New Roman"/>
               </a:rPr>
-              <a:t> </a:t>
-            </a:r>
-            <a:r>
-              <a:rPr lang="en-US" sz="1400" dirty="0">
+              <a:t>WoT.consume</a:t>
+            </a:r>
+            <a:r>
+              <a:rPr lang="en-US" sz="1400" dirty="0" smtClean="0">
                 <a:solidFill>
                   <a:srgbClr val="000000"/>
                 </a:solidFill>
@@ -7473,31 +7451,9 @@
                 <a:ea typeface="Times New Roman"/>
                 <a:cs typeface="Times New Roman"/>
               </a:rPr>
-              <a:t>thing = </a:t>
-            </a:r>
-            <a:r>
-              <a:rPr lang="en-US" sz="1400" dirty="0" err="1">
-                <a:solidFill>
-                  <a:srgbClr val="000000"/>
-                </a:solidFill>
-                <a:latin typeface="Consolas"/>
-                <a:ea typeface="Times New Roman"/>
-                <a:cs typeface="Times New Roman"/>
-              </a:rPr>
-              <a:t>WoT.consume</a:t>
-            </a:r>
-            <a:r>
-              <a:rPr lang="en-US" sz="1400" dirty="0">
-                <a:solidFill>
-                  <a:srgbClr val="000000"/>
-                </a:solidFill>
-                <a:latin typeface="Consolas"/>
-                <a:ea typeface="Times New Roman"/>
-                <a:cs typeface="Times New Roman"/>
-              </a:rPr>
               <a:t>(td);</a:t>
             </a:r>
-            <a:endParaRPr lang="en-US" sz="1400" dirty="0">
+            <a:endParaRPr lang="en-US" sz="1400" dirty="0" smtClean="0">
               <a:latin typeface="Arial"/>
               <a:ea typeface="Calibri"/>
               <a:cs typeface="Times New Roman"/>
@@ -7514,7 +7470,7 @@
               <a:buNone/>
             </a:pPr>
             <a:r>
-              <a:rPr lang="en-US" sz="1400" dirty="0">
+              <a:rPr lang="en-US" sz="1400" dirty="0" smtClean="0">
                 <a:solidFill>
                   <a:srgbClr val="000000"/>
                 </a:solidFill>
@@ -7524,6 +7480,456 @@
               </a:rPr>
               <a:t> </a:t>
             </a:r>
+          </a:p>
+          <a:p>
+            <a:pPr marL="0" indent="0">
+              <a:spcBef>
+                <a:spcPts val="0"/>
+              </a:spcBef>
+              <a:spcAft>
+                <a:spcPts val="0"/>
+              </a:spcAft>
+              <a:buNone/>
+            </a:pPr>
+            <a:r>
+              <a:rPr lang="en-US" sz="1400" dirty="0" smtClean="0">
+                <a:solidFill>
+                  <a:srgbClr val="000000"/>
+                </a:solidFill>
+                <a:latin typeface="Consolas"/>
+                <a:ea typeface="Calibri"/>
+                <a:cs typeface="Times New Roman"/>
+              </a:rPr>
+              <a:t>    </a:t>
+            </a:r>
+            <a:r>
+              <a:rPr lang="en-US" sz="1400" dirty="0" smtClean="0">
+                <a:solidFill>
+                  <a:srgbClr val="008000"/>
+                </a:solidFill>
+                <a:latin typeface="Consolas"/>
+                <a:ea typeface="Times New Roman"/>
+                <a:cs typeface="Times New Roman"/>
+              </a:rPr>
+              <a:t>// introspection had to parse td</a:t>
+            </a:r>
+          </a:p>
+          <a:p>
+            <a:pPr marL="0" indent="0">
+              <a:spcBef>
+                <a:spcPts val="0"/>
+              </a:spcBef>
+              <a:spcAft>
+                <a:spcPts val="0"/>
+              </a:spcAft>
+              <a:buNone/>
+            </a:pPr>
+            <a:r>
+              <a:rPr lang="en-US" sz="1400" dirty="0" smtClean="0">
+                <a:solidFill>
+                  <a:srgbClr val="008000"/>
+                </a:solidFill>
+                <a:latin typeface="Consolas"/>
+                <a:ea typeface="Times New Roman"/>
+                <a:cs typeface="Times New Roman"/>
+              </a:rPr>
+              <a:t>    // in application code</a:t>
+            </a:r>
+            <a:endParaRPr lang="en-US" sz="1400" dirty="0" smtClean="0">
+              <a:solidFill>
+                <a:srgbClr val="000000"/>
+              </a:solidFill>
+              <a:latin typeface="Consolas"/>
+              <a:ea typeface="Calibri"/>
+              <a:cs typeface="Times New Roman"/>
+            </a:endParaRPr>
+          </a:p>
+          <a:p>
+            <a:pPr marL="0" indent="0">
+              <a:spcBef>
+                <a:spcPts val="0"/>
+              </a:spcBef>
+              <a:spcAft>
+                <a:spcPts val="0"/>
+              </a:spcAft>
+              <a:buNone/>
+            </a:pPr>
+            <a:endParaRPr lang="en-US" sz="1400" dirty="0" smtClean="0">
+              <a:latin typeface="Arial"/>
+              <a:ea typeface="Calibri"/>
+              <a:cs typeface="Times New Roman"/>
+            </a:endParaRPr>
+          </a:p>
+          <a:p>
+            <a:pPr marL="0" indent="0">
+              <a:spcBef>
+                <a:spcPts val="0"/>
+              </a:spcBef>
+              <a:spcAft>
+                <a:spcPts val="0"/>
+              </a:spcAft>
+              <a:buNone/>
+            </a:pPr>
+            <a:r>
+              <a:rPr lang="en-US" sz="1400" dirty="0" smtClean="0">
+                <a:solidFill>
+                  <a:srgbClr val="000000"/>
+                </a:solidFill>
+                <a:latin typeface="Consolas"/>
+                <a:ea typeface="Times New Roman"/>
+                <a:cs typeface="Times New Roman"/>
+              </a:rPr>
+              <a:t>    </a:t>
+            </a:r>
+            <a:r>
+              <a:rPr lang="en-US" sz="1400" dirty="0" err="1" smtClean="0">
+                <a:solidFill>
+                  <a:srgbClr val="000000"/>
+                </a:solidFill>
+                <a:latin typeface="Consolas"/>
+                <a:ea typeface="Times New Roman"/>
+                <a:cs typeface="Times New Roman"/>
+              </a:rPr>
+              <a:t>thing.readProperty</a:t>
+            </a:r>
+            <a:r>
+              <a:rPr lang="en-US" sz="1400" dirty="0" smtClean="0">
+                <a:solidFill>
+                  <a:srgbClr val="000000"/>
+                </a:solidFill>
+                <a:latin typeface="Consolas"/>
+                <a:ea typeface="Times New Roman"/>
+                <a:cs typeface="Times New Roman"/>
+              </a:rPr>
+              <a:t>(</a:t>
+            </a:r>
+            <a:r>
+              <a:rPr lang="en-US" sz="1400" dirty="0" smtClean="0">
+                <a:solidFill>
+                  <a:srgbClr val="A31515"/>
+                </a:solidFill>
+                <a:latin typeface="Consolas"/>
+                <a:ea typeface="Times New Roman"/>
+                <a:cs typeface="Times New Roman"/>
+              </a:rPr>
+              <a:t>"count"</a:t>
+            </a:r>
+            <a:r>
+              <a:rPr lang="en-US" sz="1400" dirty="0" smtClean="0">
+                <a:solidFill>
+                  <a:srgbClr val="000000"/>
+                </a:solidFill>
+                <a:latin typeface="Consolas"/>
+                <a:ea typeface="Times New Roman"/>
+                <a:cs typeface="Times New Roman"/>
+              </a:rPr>
+              <a:t>)</a:t>
+            </a:r>
+            <a:endParaRPr lang="en-US" sz="1400" dirty="0" smtClean="0">
+              <a:latin typeface="Arial"/>
+              <a:ea typeface="Calibri"/>
+              <a:cs typeface="Times New Roman"/>
+            </a:endParaRPr>
+          </a:p>
+          <a:p>
+            <a:pPr marL="0" indent="0">
+              <a:spcBef>
+                <a:spcPts val="0"/>
+              </a:spcBef>
+              <a:spcAft>
+                <a:spcPts val="0"/>
+              </a:spcAft>
+              <a:buNone/>
+            </a:pPr>
+            <a:r>
+              <a:rPr lang="en-US" sz="1400" dirty="0" smtClean="0">
+                <a:solidFill>
+                  <a:srgbClr val="000000"/>
+                </a:solidFill>
+                <a:latin typeface="Consolas"/>
+                <a:ea typeface="Times New Roman"/>
+                <a:cs typeface="Times New Roman"/>
+              </a:rPr>
+              <a:t>      .then(res </a:t>
+            </a:r>
+            <a:r>
+              <a:rPr lang="en-US" sz="1400" dirty="0" smtClean="0">
+                <a:solidFill>
+                  <a:srgbClr val="0000FF"/>
+                </a:solidFill>
+                <a:latin typeface="Consolas"/>
+                <a:ea typeface="Times New Roman"/>
+                <a:cs typeface="Times New Roman"/>
+              </a:rPr>
+              <a:t>=&gt;</a:t>
+            </a:r>
+            <a:r>
+              <a:rPr lang="en-US" sz="1400" dirty="0" smtClean="0">
+                <a:solidFill>
+                  <a:srgbClr val="000000"/>
+                </a:solidFill>
+                <a:latin typeface="Consolas"/>
+                <a:ea typeface="Times New Roman"/>
+                <a:cs typeface="Times New Roman"/>
+              </a:rPr>
+              <a:t> {</a:t>
+            </a:r>
+            <a:endParaRPr lang="en-US" sz="1400" dirty="0" smtClean="0">
+              <a:latin typeface="Arial"/>
+              <a:ea typeface="Calibri"/>
+              <a:cs typeface="Times New Roman"/>
+            </a:endParaRPr>
+          </a:p>
+          <a:p>
+            <a:pPr marL="0" indent="0">
+              <a:spcBef>
+                <a:spcPts val="0"/>
+              </a:spcBef>
+              <a:spcAft>
+                <a:spcPts val="0"/>
+              </a:spcAft>
+              <a:buNone/>
+            </a:pPr>
+            <a:r>
+              <a:rPr lang="en-US" sz="1400" dirty="0" smtClean="0">
+                <a:solidFill>
+                  <a:srgbClr val="000000"/>
+                </a:solidFill>
+                <a:latin typeface="Consolas"/>
+                <a:ea typeface="Times New Roman"/>
+                <a:cs typeface="Times New Roman"/>
+              </a:rPr>
+              <a:t>        console.info(</a:t>
+            </a:r>
+            <a:r>
+              <a:rPr lang="en-US" sz="1400" dirty="0" smtClean="0">
+                <a:solidFill>
+                  <a:srgbClr val="A31515"/>
+                </a:solidFill>
+                <a:latin typeface="Consolas"/>
+                <a:ea typeface="Times New Roman"/>
+                <a:cs typeface="Times New Roman"/>
+              </a:rPr>
+              <a:t>"count value is"</a:t>
+            </a:r>
+            <a:r>
+              <a:rPr lang="en-US" sz="1400" dirty="0" smtClean="0">
+                <a:solidFill>
+                  <a:srgbClr val="000000"/>
+                </a:solidFill>
+                <a:latin typeface="Consolas"/>
+                <a:ea typeface="Times New Roman"/>
+                <a:cs typeface="Times New Roman"/>
+              </a:rPr>
+              <a:t>, res);</a:t>
+            </a:r>
+            <a:endParaRPr lang="en-US" sz="1400" dirty="0" smtClean="0">
+              <a:latin typeface="Arial"/>
+              <a:ea typeface="Calibri"/>
+              <a:cs typeface="Times New Roman"/>
+            </a:endParaRPr>
+          </a:p>
+          <a:p>
+            <a:pPr marL="0" indent="0">
+              <a:spcBef>
+                <a:spcPts val="0"/>
+              </a:spcBef>
+              <a:spcAft>
+                <a:spcPts val="0"/>
+              </a:spcAft>
+              <a:buNone/>
+            </a:pPr>
+            <a:r>
+              <a:rPr lang="en-US" sz="1400" dirty="0" smtClean="0">
+                <a:solidFill>
+                  <a:srgbClr val="000000"/>
+                </a:solidFill>
+                <a:latin typeface="Consolas"/>
+                <a:ea typeface="Times New Roman"/>
+                <a:cs typeface="Times New Roman"/>
+              </a:rPr>
+              <a:t>      })</a:t>
+            </a:r>
+            <a:endParaRPr lang="en-US" sz="1400" dirty="0" smtClean="0">
+              <a:latin typeface="Arial"/>
+              <a:ea typeface="Calibri"/>
+              <a:cs typeface="Times New Roman"/>
+            </a:endParaRPr>
+          </a:p>
+          <a:p>
+            <a:pPr marL="0" indent="0">
+              <a:spcBef>
+                <a:spcPts val="0"/>
+              </a:spcBef>
+              <a:spcAft>
+                <a:spcPts val="0"/>
+              </a:spcAft>
+              <a:buNone/>
+            </a:pPr>
+            <a:r>
+              <a:rPr lang="en-US" sz="1400" dirty="0" smtClean="0">
+                <a:solidFill>
+                  <a:srgbClr val="000000"/>
+                </a:solidFill>
+                <a:latin typeface="Consolas"/>
+                <a:ea typeface="Times New Roman"/>
+                <a:cs typeface="Times New Roman"/>
+              </a:rPr>
+              <a:t>      .catch(err </a:t>
+            </a:r>
+            <a:r>
+              <a:rPr lang="en-US" sz="1400" dirty="0" smtClean="0">
+                <a:solidFill>
+                  <a:srgbClr val="0000FF"/>
+                </a:solidFill>
+                <a:latin typeface="Consolas"/>
+                <a:ea typeface="Times New Roman"/>
+                <a:cs typeface="Times New Roman"/>
+              </a:rPr>
+              <a:t>=&gt;</a:t>
+            </a:r>
+            <a:r>
+              <a:rPr lang="en-US" sz="1400" dirty="0" smtClean="0">
+                <a:solidFill>
+                  <a:srgbClr val="000000"/>
+                </a:solidFill>
+                <a:latin typeface="Consolas"/>
+                <a:ea typeface="Times New Roman"/>
+                <a:cs typeface="Times New Roman"/>
+              </a:rPr>
+              <a:t> { </a:t>
+            </a:r>
+            <a:r>
+              <a:rPr lang="en-US" sz="1400" dirty="0" err="1" smtClean="0">
+                <a:solidFill>
+                  <a:srgbClr val="000000"/>
+                </a:solidFill>
+                <a:latin typeface="Consolas"/>
+                <a:ea typeface="Times New Roman"/>
+                <a:cs typeface="Times New Roman"/>
+              </a:rPr>
+              <a:t>console.error</a:t>
+            </a:r>
+            <a:r>
+              <a:rPr lang="en-US" sz="1400" dirty="0" smtClean="0">
+                <a:solidFill>
+                  <a:srgbClr val="000000"/>
+                </a:solidFill>
+                <a:latin typeface="Consolas"/>
+                <a:ea typeface="Times New Roman"/>
+                <a:cs typeface="Times New Roman"/>
+              </a:rPr>
+              <a:t>(err); });</a:t>
+            </a:r>
+            <a:endParaRPr lang="en-US" sz="1400" dirty="0" smtClean="0">
+              <a:latin typeface="Arial"/>
+              <a:ea typeface="Calibri"/>
+              <a:cs typeface="Times New Roman"/>
+            </a:endParaRPr>
+          </a:p>
+          <a:p>
+            <a:pPr marL="0" indent="0">
+              <a:spcBef>
+                <a:spcPts val="0"/>
+              </a:spcBef>
+              <a:spcAft>
+                <a:spcPts val="0"/>
+              </a:spcAft>
+              <a:buNone/>
+            </a:pPr>
+            <a:r>
+              <a:rPr lang="en-US" sz="1400" dirty="0" smtClean="0">
+                <a:solidFill>
+                  <a:srgbClr val="000000"/>
+                </a:solidFill>
+                <a:latin typeface="Consolas"/>
+                <a:ea typeface="Times New Roman"/>
+                <a:cs typeface="Times New Roman"/>
+              </a:rPr>
+              <a:t> </a:t>
+            </a:r>
+            <a:endParaRPr lang="en-US" sz="1400" dirty="0" smtClean="0">
+              <a:latin typeface="Arial"/>
+              <a:ea typeface="Calibri"/>
+              <a:cs typeface="Times New Roman"/>
+            </a:endParaRPr>
+          </a:p>
+          <a:p>
+            <a:pPr marL="0" indent="0">
+              <a:spcBef>
+                <a:spcPts val="0"/>
+              </a:spcBef>
+              <a:spcAft>
+                <a:spcPts val="0"/>
+              </a:spcAft>
+              <a:buNone/>
+            </a:pPr>
+            <a:r>
+              <a:rPr lang="en-US" sz="1400" dirty="0" smtClean="0">
+                <a:solidFill>
+                  <a:srgbClr val="000000"/>
+                </a:solidFill>
+                <a:latin typeface="Consolas"/>
+                <a:ea typeface="Times New Roman"/>
+                <a:cs typeface="Times New Roman"/>
+              </a:rPr>
+              <a:t>    </a:t>
+            </a:r>
+            <a:r>
+              <a:rPr lang="en-US" sz="1400" dirty="0" err="1" smtClean="0">
+                <a:solidFill>
+                  <a:srgbClr val="000000"/>
+                </a:solidFill>
+                <a:latin typeface="Consolas"/>
+                <a:ea typeface="Times New Roman"/>
+                <a:cs typeface="Times New Roman"/>
+              </a:rPr>
+              <a:t>thing.invokeAction</a:t>
+            </a:r>
+            <a:r>
+              <a:rPr lang="en-US" sz="1400" dirty="0" smtClean="0">
+                <a:solidFill>
+                  <a:srgbClr val="000000"/>
+                </a:solidFill>
+                <a:latin typeface="Consolas"/>
+                <a:ea typeface="Times New Roman"/>
+                <a:cs typeface="Times New Roman"/>
+              </a:rPr>
+              <a:t>(</a:t>
+            </a:r>
+            <a:r>
+              <a:rPr lang="en-US" sz="1400" dirty="0" smtClean="0">
+                <a:solidFill>
+                  <a:srgbClr val="A31515"/>
+                </a:solidFill>
+                <a:latin typeface="Consolas"/>
+                <a:ea typeface="Times New Roman"/>
+                <a:cs typeface="Times New Roman"/>
+              </a:rPr>
+              <a:t>"increment"</a:t>
+            </a:r>
+            <a:r>
+              <a:rPr lang="en-US" sz="1400" dirty="0" smtClean="0">
+                <a:solidFill>
+                  <a:srgbClr val="000000"/>
+                </a:solidFill>
+                <a:latin typeface="Consolas"/>
+                <a:ea typeface="Times New Roman"/>
+                <a:cs typeface="Times New Roman"/>
+              </a:rPr>
+              <a:t>);</a:t>
+            </a:r>
+          </a:p>
+          <a:p>
+            <a:pPr marL="0" indent="0">
+              <a:spcBef>
+                <a:spcPts val="0"/>
+              </a:spcBef>
+              <a:spcAft>
+                <a:spcPts val="0"/>
+              </a:spcAft>
+              <a:buNone/>
+            </a:pPr>
             <a:endParaRPr lang="en-US" sz="1400" dirty="0" smtClean="0">
               <a:solidFill>
                 <a:srgbClr val="000000"/>
@@ -7544,7 +7950,7 @@
               <a:buNone/>
             </a:pPr>
             <a:r>
-              <a:rPr lang="de-DE" sz="1400" dirty="0" smtClean="0">
+              <a:rPr lang="en-US" sz="1400" dirty="0" smtClean="0">
                 <a:solidFill>
                   <a:srgbClr val="000000"/>
                 </a:solidFill>
@@ -7552,100 +7958,65 @@
                 <a:ea typeface="Calibri"/>
                 <a:cs typeface="Times New Roman"/>
               </a:rPr>
-              <a:t>    </a:t>
-            </a:r>
-            <a:r>
-              <a:rPr lang="en-US" sz="1400" dirty="0">
-                <a:solidFill>
-                  <a:srgbClr val="008000"/>
+              <a:t>  })</a:t>
+            </a:r>
+          </a:p>
+          <a:p>
+            <a:pPr marL="0" indent="0">
+              <a:spcBef>
+                <a:spcPts val="0"/>
+              </a:spcBef>
+              <a:spcAft>
+                <a:spcPts val="0"/>
+              </a:spcAft>
+              <a:buNone/>
+            </a:pPr>
+            <a:r>
+              <a:rPr lang="en-US" sz="1400" dirty="0" smtClean="0">
+                <a:solidFill>
+                  <a:srgbClr val="000000"/>
                 </a:solidFill>
                 <a:latin typeface="Consolas"/>
                 <a:ea typeface="Times New Roman"/>
                 <a:cs typeface="Times New Roman"/>
               </a:rPr>
-              <a:t>// </a:t>
+              <a:t>  .catch(err </a:t>
             </a:r>
             <a:r>
               <a:rPr lang="en-US" sz="1400" dirty="0" smtClean="0">
                 <a:solidFill>
-                  <a:srgbClr val="008000"/>
+                  <a:srgbClr val="0000FF"/>
                 </a:solidFill>
                 <a:latin typeface="Consolas"/>
                 <a:ea typeface="Times New Roman"/>
                 <a:cs typeface="Times New Roman"/>
               </a:rPr>
-              <a:t>introspection had to parse td</a:t>
-            </a:r>
-          </a:p>
-          <a:p>
-            <a:pPr marL="0" indent="0">
-              <a:spcBef>
-                <a:spcPts val="0"/>
-              </a:spcBef>
-              <a:spcAft>
-                <a:spcPts val="0"/>
-              </a:spcAft>
-              <a:buNone/>
-            </a:pPr>
-            <a:r>
-              <a:rPr lang="en-US" sz="1400" dirty="0">
-                <a:solidFill>
-                  <a:srgbClr val="008000"/>
+              <a:t>=&gt;</a:t>
+            </a:r>
+            <a:r>
+              <a:rPr lang="en-US" sz="1400" dirty="0" smtClean="0">
+                <a:solidFill>
+                  <a:srgbClr val="000000"/>
                 </a:solidFill>
                 <a:latin typeface="Consolas"/>
                 <a:ea typeface="Times New Roman"/>
                 <a:cs typeface="Times New Roman"/>
               </a:rPr>
-              <a:t> </a:t>
-            </a:r>
-            <a:r>
-              <a:rPr lang="en-US" sz="1400" dirty="0" smtClean="0">
-                <a:solidFill>
-                  <a:srgbClr val="008000"/>
+              <a:t> { </a:t>
+            </a:r>
+            <a:r>
+              <a:rPr lang="en-US" sz="1400" dirty="0" err="1" smtClean="0">
+                <a:solidFill>
+                  <a:srgbClr val="000000"/>
                 </a:solidFill>
                 <a:latin typeface="Consolas"/>
                 <a:ea typeface="Times New Roman"/>
                 <a:cs typeface="Times New Roman"/>
               </a:rPr>
-              <a:t>   // in application code</a:t>
-            </a:r>
-            <a:endParaRPr lang="de-DE" sz="1400" dirty="0" smtClean="0">
-              <a:solidFill>
-                <a:srgbClr val="000000"/>
-              </a:solidFill>
-              <a:latin typeface="Consolas"/>
-              <a:ea typeface="Calibri"/>
-              <a:cs typeface="Times New Roman"/>
-            </a:endParaRPr>
-          </a:p>
-          <a:p>
-            <a:pPr marL="0" indent="0">
-              <a:spcBef>
-                <a:spcPts val="0"/>
-              </a:spcBef>
-              <a:spcAft>
-                <a:spcPts val="0"/>
-              </a:spcAft>
-              <a:buNone/>
-            </a:pPr>
-            <a:endParaRPr lang="en-US" sz="1400" dirty="0">
-              <a:latin typeface="Arial"/>
-              <a:ea typeface="Calibri"/>
-              <a:cs typeface="Times New Roman"/>
-            </a:endParaRPr>
-          </a:p>
-          <a:p>
-            <a:pPr marL="0" indent="0">
-              <a:spcBef>
-                <a:spcPts val="0"/>
-              </a:spcBef>
-              <a:spcAft>
-                <a:spcPts val="0"/>
-              </a:spcAft>
-              <a:buNone/>
-            </a:pPr>
-            <a:r>
-              <a:rPr lang="en-US" sz="1400" dirty="0">
+              <a:t>console.error</a:t>
+            </a:r>
+            <a:r>
+              <a:rPr lang="en-US" sz="1400" dirty="0" smtClean="0">
                 <a:solidFill>
                   <a:srgbClr val="000000"/>
                 </a:solidFill>
@@ -7653,600 +8024,7 @@
                 <a:ea typeface="Times New Roman"/>
                 <a:cs typeface="Times New Roman"/>
               </a:rPr>
-              <a:t>  </a:t>
-            </a:r>
-            <a:r>
-              <a:rPr lang="en-US" sz="1400" dirty="0" smtClean="0">
-                <a:solidFill>
-                  <a:srgbClr val="000000"/>
-                </a:solidFill>
-                <a:latin typeface="Consolas"/>
-                <a:ea typeface="Times New Roman"/>
-                <a:cs typeface="Times New Roman"/>
-              </a:rPr>
-              <a:t>  </a:t>
-            </a:r>
-            <a:r>
-              <a:rPr lang="en-US" sz="1400" dirty="0" err="1" smtClean="0">
-                <a:solidFill>
-                  <a:srgbClr val="000000"/>
-                </a:solidFill>
-                <a:latin typeface="Consolas"/>
-                <a:ea typeface="Times New Roman"/>
-                <a:cs typeface="Times New Roman"/>
-              </a:rPr>
-              <a:t>thing.readProperty</a:t>
-            </a:r>
-            <a:r>
-              <a:rPr lang="en-US" sz="1400" dirty="0">
-                <a:solidFill>
-                  <a:srgbClr val="000000"/>
-                </a:solidFill>
-                <a:latin typeface="Consolas"/>
-                <a:ea typeface="Times New Roman"/>
-                <a:cs typeface="Times New Roman"/>
-              </a:rPr>
-              <a:t>(</a:t>
-            </a:r>
-            <a:r>
-              <a:rPr lang="en-US" sz="1400" dirty="0">
-                <a:solidFill>
-                  <a:srgbClr val="A31515"/>
-                </a:solidFill>
-                <a:latin typeface="Consolas"/>
-                <a:ea typeface="Times New Roman"/>
-                <a:cs typeface="Times New Roman"/>
-              </a:rPr>
-              <a:t>"count"</a:t>
-            </a:r>
-            <a:r>
-              <a:rPr lang="en-US" sz="1400" dirty="0">
-                <a:solidFill>
-                  <a:srgbClr val="000000"/>
-                </a:solidFill>
-                <a:latin typeface="Consolas"/>
-                <a:ea typeface="Times New Roman"/>
-                <a:cs typeface="Times New Roman"/>
-              </a:rPr>
-              <a:t>)</a:t>
-            </a:r>
-            <a:endParaRPr lang="en-US" sz="1400" dirty="0">
-              <a:latin typeface="Arial"/>
-              <a:ea typeface="Calibri"/>
-              <a:cs typeface="Times New Roman"/>
-            </a:endParaRPr>
-          </a:p>
-          <a:p>
-            <a:pPr marL="0" indent="0">
-              <a:spcBef>
-                <a:spcPts val="0"/>
-              </a:spcBef>
-              <a:spcAft>
-                <a:spcPts val="0"/>
-              </a:spcAft>
-              <a:buNone/>
-            </a:pPr>
-            <a:r>
-              <a:rPr lang="en-US" sz="1400" dirty="0">
-                <a:solidFill>
-                  <a:srgbClr val="000000"/>
-                </a:solidFill>
-                <a:latin typeface="Consolas"/>
-                <a:ea typeface="Times New Roman"/>
-                <a:cs typeface="Times New Roman"/>
-              </a:rPr>
-              <a:t>    </a:t>
-            </a:r>
-            <a:r>
-              <a:rPr lang="en-US" sz="1400" dirty="0" smtClean="0">
-                <a:solidFill>
-                  <a:srgbClr val="000000"/>
-                </a:solidFill>
-                <a:latin typeface="Consolas"/>
-                <a:ea typeface="Times New Roman"/>
-                <a:cs typeface="Times New Roman"/>
-              </a:rPr>
-              <a:t>  .</a:t>
-            </a:r>
-            <a:r>
-              <a:rPr lang="en-US" sz="1400" dirty="0">
-                <a:solidFill>
-                  <a:srgbClr val="000000"/>
-                </a:solidFill>
-                <a:latin typeface="Consolas"/>
-                <a:ea typeface="Times New Roman"/>
-                <a:cs typeface="Times New Roman"/>
-              </a:rPr>
-              <a:t>then(res </a:t>
-            </a:r>
-            <a:r>
-              <a:rPr lang="en-US" sz="1400" dirty="0">
-                <a:solidFill>
-                  <a:srgbClr val="0000FF"/>
-                </a:solidFill>
-                <a:latin typeface="Consolas"/>
-                <a:ea typeface="Times New Roman"/>
-                <a:cs typeface="Times New Roman"/>
-              </a:rPr>
-              <a:t>=&gt;</a:t>
-            </a:r>
-            <a:r>
-              <a:rPr lang="en-US" sz="1400" dirty="0">
-                <a:solidFill>
-                  <a:srgbClr val="000000"/>
-                </a:solidFill>
-                <a:latin typeface="Consolas"/>
-                <a:ea typeface="Times New Roman"/>
-                <a:cs typeface="Times New Roman"/>
-              </a:rPr>
-              <a:t> {</a:t>
-            </a:r>
-            <a:endParaRPr lang="en-US" sz="1400" dirty="0">
-              <a:latin typeface="Arial"/>
-              <a:ea typeface="Calibri"/>
-              <a:cs typeface="Times New Roman"/>
-            </a:endParaRPr>
-          </a:p>
-          <a:p>
-            <a:pPr marL="0" indent="0">
-              <a:spcBef>
-                <a:spcPts val="0"/>
-              </a:spcBef>
-              <a:spcAft>
-                <a:spcPts val="0"/>
-              </a:spcAft>
-              <a:buNone/>
-            </a:pPr>
-            <a:r>
-              <a:rPr lang="en-US" sz="1400" dirty="0">
-                <a:solidFill>
-                  <a:srgbClr val="000000"/>
-                </a:solidFill>
-                <a:latin typeface="Consolas"/>
-                <a:ea typeface="Times New Roman"/>
-                <a:cs typeface="Times New Roman"/>
-              </a:rPr>
-              <a:t>      </a:t>
-            </a:r>
-            <a:r>
-              <a:rPr lang="en-US" sz="1400" dirty="0" smtClean="0">
-                <a:solidFill>
-                  <a:srgbClr val="000000"/>
-                </a:solidFill>
-                <a:latin typeface="Consolas"/>
-                <a:ea typeface="Times New Roman"/>
-                <a:cs typeface="Times New Roman"/>
-              </a:rPr>
-              <a:t>  console.info</a:t>
-            </a:r>
-            <a:r>
-              <a:rPr lang="en-US" sz="1400" dirty="0">
-                <a:solidFill>
-                  <a:srgbClr val="000000"/>
-                </a:solidFill>
-                <a:latin typeface="Consolas"/>
-                <a:ea typeface="Times New Roman"/>
-                <a:cs typeface="Times New Roman"/>
-              </a:rPr>
-              <a:t>(</a:t>
-            </a:r>
-            <a:r>
-              <a:rPr lang="en-US" sz="1400" dirty="0">
-                <a:solidFill>
-                  <a:srgbClr val="A31515"/>
-                </a:solidFill>
-                <a:latin typeface="Consolas"/>
-                <a:ea typeface="Times New Roman"/>
-                <a:cs typeface="Times New Roman"/>
-              </a:rPr>
-              <a:t>"count value is"</a:t>
-            </a:r>
-            <a:r>
-              <a:rPr lang="en-US" sz="1400" dirty="0">
-                <a:solidFill>
-                  <a:srgbClr val="000000"/>
-                </a:solidFill>
-                <a:latin typeface="Consolas"/>
-                <a:ea typeface="Times New Roman"/>
-                <a:cs typeface="Times New Roman"/>
-              </a:rPr>
-              <a:t>, res);</a:t>
-            </a:r>
-            <a:endParaRPr lang="en-US" sz="1400" dirty="0">
-              <a:latin typeface="Arial"/>
-              <a:ea typeface="Calibri"/>
-              <a:cs typeface="Times New Roman"/>
-            </a:endParaRPr>
-          </a:p>
-          <a:p>
-            <a:pPr marL="0" indent="0">
-              <a:spcBef>
-                <a:spcPts val="0"/>
-              </a:spcBef>
-              <a:spcAft>
-                <a:spcPts val="0"/>
-              </a:spcAft>
-              <a:buNone/>
-            </a:pPr>
-            <a:r>
-              <a:rPr lang="en-US" sz="1400" dirty="0">
-                <a:solidFill>
-                  <a:srgbClr val="000000"/>
-                </a:solidFill>
-                <a:latin typeface="Consolas"/>
-                <a:ea typeface="Times New Roman"/>
-                <a:cs typeface="Times New Roman"/>
-              </a:rPr>
-              <a:t>    </a:t>
-            </a:r>
-            <a:r>
-              <a:rPr lang="en-US" sz="1400" dirty="0" smtClean="0">
-                <a:solidFill>
-                  <a:srgbClr val="000000"/>
-                </a:solidFill>
-                <a:latin typeface="Consolas"/>
-                <a:ea typeface="Times New Roman"/>
-                <a:cs typeface="Times New Roman"/>
-              </a:rPr>
-              <a:t>  })</a:t>
-            </a:r>
-            <a:endParaRPr lang="en-US" sz="1400" dirty="0">
-              <a:latin typeface="Arial"/>
-              <a:ea typeface="Calibri"/>
-              <a:cs typeface="Times New Roman"/>
-            </a:endParaRPr>
-          </a:p>
-          <a:p>
-            <a:pPr marL="0" indent="0">
-              <a:spcBef>
-                <a:spcPts val="0"/>
-              </a:spcBef>
-              <a:spcAft>
-                <a:spcPts val="0"/>
-              </a:spcAft>
-              <a:buNone/>
-            </a:pPr>
-            <a:r>
-              <a:rPr lang="en-US" sz="1400" dirty="0">
-                <a:solidFill>
-                  <a:srgbClr val="000000"/>
-                </a:solidFill>
-                <a:latin typeface="Consolas"/>
-                <a:ea typeface="Times New Roman"/>
-                <a:cs typeface="Times New Roman"/>
-              </a:rPr>
-              <a:t>    </a:t>
-            </a:r>
-            <a:r>
-              <a:rPr lang="en-US" sz="1400" dirty="0" smtClean="0">
-                <a:solidFill>
-                  <a:srgbClr val="000000"/>
-                </a:solidFill>
-                <a:latin typeface="Consolas"/>
-                <a:ea typeface="Times New Roman"/>
-                <a:cs typeface="Times New Roman"/>
-              </a:rPr>
-              <a:t>  .</a:t>
-            </a:r>
-            <a:r>
-              <a:rPr lang="en-US" sz="1400" dirty="0">
-                <a:solidFill>
-                  <a:srgbClr val="000000"/>
-                </a:solidFill>
-                <a:latin typeface="Consolas"/>
-                <a:ea typeface="Times New Roman"/>
-                <a:cs typeface="Times New Roman"/>
-              </a:rPr>
-              <a:t>catch(err </a:t>
-            </a:r>
-            <a:r>
-              <a:rPr lang="en-US" sz="1400" dirty="0">
-                <a:solidFill>
-                  <a:srgbClr val="0000FF"/>
-                </a:solidFill>
-                <a:latin typeface="Consolas"/>
-                <a:ea typeface="Times New Roman"/>
-                <a:cs typeface="Times New Roman"/>
-              </a:rPr>
-              <a:t>=&gt;</a:t>
-            </a:r>
-            <a:r>
-              <a:rPr lang="en-US" sz="1400" dirty="0">
-                <a:solidFill>
-                  <a:srgbClr val="000000"/>
-                </a:solidFill>
-                <a:latin typeface="Consolas"/>
-                <a:ea typeface="Times New Roman"/>
-                <a:cs typeface="Times New Roman"/>
-              </a:rPr>
-              <a:t> { </a:t>
-            </a:r>
-            <a:r>
-              <a:rPr lang="en-US" sz="1400" dirty="0" err="1">
-                <a:solidFill>
-                  <a:srgbClr val="000000"/>
-                </a:solidFill>
-                <a:latin typeface="Consolas"/>
-                <a:ea typeface="Times New Roman"/>
-                <a:cs typeface="Times New Roman"/>
-              </a:rPr>
-              <a:t>console.error</a:t>
-            </a:r>
-            <a:r>
-              <a:rPr lang="en-US" sz="1400" dirty="0">
-                <a:solidFill>
-                  <a:srgbClr val="000000"/>
-                </a:solidFill>
-                <a:latin typeface="Consolas"/>
-                <a:ea typeface="Times New Roman"/>
-                <a:cs typeface="Times New Roman"/>
-              </a:rPr>
               <a:t>(err); });</a:t>
-            </a:r>
-            <a:endParaRPr lang="en-US" sz="1400" dirty="0">
-              <a:latin typeface="Arial"/>
-              <a:ea typeface="Calibri"/>
-              <a:cs typeface="Times New Roman"/>
-            </a:endParaRPr>
-          </a:p>
-          <a:p>
-            <a:pPr marL="0" indent="0">
-              <a:spcBef>
-                <a:spcPts val="0"/>
-              </a:spcBef>
-              <a:spcAft>
-                <a:spcPts val="0"/>
-              </a:spcAft>
-              <a:buNone/>
-            </a:pPr>
-            <a:r>
-              <a:rPr lang="en-US" sz="1400" dirty="0">
-                <a:solidFill>
-                  <a:srgbClr val="000000"/>
-                </a:solidFill>
-                <a:latin typeface="Consolas"/>
-                <a:ea typeface="Times New Roman"/>
-                <a:cs typeface="Times New Roman"/>
-              </a:rPr>
-              <a:t> </a:t>
-            </a:r>
-            <a:endParaRPr lang="en-US" sz="1400" dirty="0">
-              <a:latin typeface="Arial"/>
-              <a:ea typeface="Calibri"/>
-              <a:cs typeface="Times New Roman"/>
-            </a:endParaRPr>
-          </a:p>
-          <a:p>
-            <a:pPr marL="0" indent="0">
-              <a:spcBef>
-                <a:spcPts val="0"/>
-              </a:spcBef>
-              <a:spcAft>
-                <a:spcPts val="0"/>
-              </a:spcAft>
-              <a:buNone/>
-            </a:pPr>
-            <a:r>
-              <a:rPr lang="en-US" sz="1400" dirty="0">
-                <a:solidFill>
-                  <a:srgbClr val="000000"/>
-                </a:solidFill>
-                <a:latin typeface="Consolas"/>
-                <a:ea typeface="Times New Roman"/>
-                <a:cs typeface="Times New Roman"/>
-              </a:rPr>
-              <a:t>  </a:t>
-            </a:r>
-            <a:r>
-              <a:rPr lang="en-US" sz="1400" dirty="0" smtClean="0">
-                <a:solidFill>
-                  <a:srgbClr val="000000"/>
-                </a:solidFill>
-                <a:latin typeface="Consolas"/>
-                <a:ea typeface="Times New Roman"/>
-                <a:cs typeface="Times New Roman"/>
-              </a:rPr>
-              <a:t>  </a:t>
-            </a:r>
-            <a:r>
-              <a:rPr lang="en-US" sz="1400" dirty="0" err="1" smtClean="0">
-                <a:solidFill>
-                  <a:srgbClr val="000000"/>
-                </a:solidFill>
-                <a:latin typeface="Consolas"/>
-                <a:ea typeface="Times New Roman"/>
-                <a:cs typeface="Times New Roman"/>
-              </a:rPr>
-              <a:t>thing.invokeAction</a:t>
-            </a:r>
-            <a:r>
-              <a:rPr lang="en-US" sz="1400" dirty="0">
-                <a:solidFill>
-                  <a:srgbClr val="000000"/>
-                </a:solidFill>
-                <a:latin typeface="Consolas"/>
-                <a:ea typeface="Times New Roman"/>
-                <a:cs typeface="Times New Roman"/>
-              </a:rPr>
-              <a:t>(</a:t>
-            </a:r>
-            <a:r>
-              <a:rPr lang="en-US" sz="1400" dirty="0">
-                <a:solidFill>
-                  <a:srgbClr val="A31515"/>
-                </a:solidFill>
-                <a:latin typeface="Consolas"/>
-                <a:ea typeface="Times New Roman"/>
-                <a:cs typeface="Times New Roman"/>
-              </a:rPr>
-              <a:t>"increment</a:t>
-            </a:r>
-            <a:r>
-              <a:rPr lang="en-US" sz="1400" dirty="0" smtClean="0">
-                <a:solidFill>
-                  <a:srgbClr val="A31515"/>
-                </a:solidFill>
-                <a:latin typeface="Consolas"/>
-                <a:ea typeface="Times New Roman"/>
-                <a:cs typeface="Times New Roman"/>
-              </a:rPr>
-              <a:t>"</a:t>
-            </a:r>
-            <a:r>
-              <a:rPr lang="en-US" sz="1400" dirty="0" smtClean="0">
-                <a:solidFill>
-                  <a:srgbClr val="000000"/>
-                </a:solidFill>
-                <a:latin typeface="Consolas"/>
-                <a:ea typeface="Times New Roman"/>
-                <a:cs typeface="Times New Roman"/>
-              </a:rPr>
-              <a:t>);</a:t>
-            </a:r>
-            <a:endParaRPr lang="en-US" sz="1400" dirty="0">
-              <a:solidFill>
-                <a:srgbClr val="000000"/>
-              </a:solidFill>
-              <a:latin typeface="Consolas"/>
-              <a:ea typeface="Times New Roman"/>
-              <a:cs typeface="Times New Roman"/>
-            </a:endParaRPr>
-          </a:p>
-          <a:p>
-            <a:pPr marL="0" indent="0">
-              <a:spcBef>
-                <a:spcPts val="0"/>
-              </a:spcBef>
-              <a:spcAft>
-                <a:spcPts val="0"/>
-              </a:spcAft>
-              <a:buNone/>
-            </a:pPr>
-            <a:endParaRPr lang="en-US" sz="1400" dirty="0">
-              <a:solidFill>
-                <a:srgbClr val="000000"/>
-              </a:solidFill>
-              <a:latin typeface="Consolas"/>
-              <a:ea typeface="Times New Roman"/>
-              <a:cs typeface="Times New Roman"/>
-            </a:endParaRPr>
-          </a:p>
-          <a:p>
-            <a:pPr marL="0" indent="0">
-              <a:spcBef>
-                <a:spcPts val="0"/>
-              </a:spcBef>
-              <a:spcAft>
-                <a:spcPts val="0"/>
-              </a:spcAft>
-              <a:buNone/>
-            </a:pPr>
-            <a:r>
-              <a:rPr lang="de-DE" sz="1400" dirty="0" smtClean="0">
-                <a:solidFill>
-                  <a:srgbClr val="000000"/>
-                </a:solidFill>
-                <a:latin typeface="Consolas"/>
-                <a:ea typeface="Calibri"/>
-                <a:cs typeface="Times New Roman"/>
-              </a:rPr>
-              <a:t>  })</a:t>
-            </a:r>
-            <a:endParaRPr lang="de-DE" sz="1400" dirty="0">
-              <a:solidFill>
-                <a:srgbClr val="000000"/>
-              </a:solidFill>
-              <a:latin typeface="Consolas"/>
-              <a:ea typeface="Calibri"/>
-              <a:cs typeface="Times New Roman"/>
-            </a:endParaRPr>
-          </a:p>
-          <a:p>
-            <a:pPr marL="0" indent="0">
-              <a:spcBef>
-                <a:spcPts val="0"/>
-              </a:spcBef>
-              <a:spcAft>
-                <a:spcPts val="0"/>
-              </a:spcAft>
-              <a:buNone/>
-            </a:pPr>
-            <a:r>
-              <a:rPr lang="en-US" sz="1400" dirty="0" smtClean="0">
-                <a:solidFill>
-                  <a:srgbClr val="000000"/>
-                </a:solidFill>
-                <a:latin typeface="Consolas"/>
-                <a:ea typeface="Times New Roman"/>
-                <a:cs typeface="Times New Roman"/>
-              </a:rPr>
-              <a:t>  .</a:t>
-            </a:r>
-            <a:r>
-              <a:rPr lang="en-US" sz="1400" dirty="0">
-                <a:solidFill>
-                  <a:srgbClr val="000000"/>
-                </a:solidFill>
-                <a:latin typeface="Consolas"/>
-                <a:ea typeface="Times New Roman"/>
-                <a:cs typeface="Times New Roman"/>
-              </a:rPr>
-              <a:t>catch(err </a:t>
-            </a:r>
-            <a:r>
-              <a:rPr lang="en-US" sz="1400" dirty="0">
-                <a:solidFill>
-                  <a:srgbClr val="0000FF"/>
-                </a:solidFill>
-                <a:latin typeface="Consolas"/>
-                <a:ea typeface="Times New Roman"/>
-                <a:cs typeface="Times New Roman"/>
-              </a:rPr>
-              <a:t>=&gt;</a:t>
-            </a:r>
-            <a:r>
-              <a:rPr lang="en-US" sz="1400" dirty="0">
-                <a:solidFill>
-                  <a:srgbClr val="000000"/>
-                </a:solidFill>
-                <a:latin typeface="Consolas"/>
-                <a:ea typeface="Times New Roman"/>
-                <a:cs typeface="Times New Roman"/>
-              </a:rPr>
-              <a:t> { </a:t>
-            </a:r>
-            <a:r>
-              <a:rPr lang="en-US" sz="1400" dirty="0" err="1">
-                <a:solidFill>
-                  <a:srgbClr val="000000"/>
-                </a:solidFill>
-                <a:latin typeface="Consolas"/>
-                <a:ea typeface="Times New Roman"/>
-                <a:cs typeface="Times New Roman"/>
-              </a:rPr>
-              <a:t>console.error</a:t>
-            </a:r>
-            <a:r>
-              <a:rPr lang="en-US" sz="1400" dirty="0">
-                <a:solidFill>
-                  <a:srgbClr val="000000"/>
-                </a:solidFill>
-                <a:latin typeface="Consolas"/>
-                <a:ea typeface="Times New Roman"/>
-                <a:cs typeface="Times New Roman"/>
-              </a:rPr>
-              <a:t>(err); </a:t>
-            </a:r>
-            <a:r>
-              <a:rPr lang="en-US" sz="1400" dirty="0" smtClean="0">
-                <a:solidFill>
-                  <a:srgbClr val="000000"/>
-                </a:solidFill>
-                <a:latin typeface="Consolas"/>
-                <a:ea typeface="Times New Roman"/>
-                <a:cs typeface="Times New Roman"/>
-              </a:rPr>
-              <a:t>});</a:t>
             </a:r>
             <a:endParaRPr lang="en-US" sz="1400" dirty="0">
               <a:latin typeface="Arial"/>
@@ -8288,7 +8066,7 @@
               <a:buNone/>
             </a:pPr>
             <a:r>
-              <a:rPr lang="en-US" sz="1400" dirty="0" err="1">
+              <a:rPr lang="en-US" sz="1400" dirty="0" err="1" smtClean="0">
                 <a:solidFill>
                   <a:srgbClr val="000000"/>
                 </a:solidFill>
@@ -8299,7 +8077,7 @@
               <a:t>WoT.fetch</a:t>
             </a:r>
             <a:r>
-              <a:rPr lang="en-US" sz="1400" dirty="0">
+              <a:rPr lang="en-US" sz="1400" dirty="0" smtClean="0">
                 <a:solidFill>
                   <a:srgbClr val="000000"/>
                 </a:solidFill>
@@ -8310,7 +8088,7 @@
               <a:t>(</a:t>
             </a:r>
             <a:r>
-              <a:rPr lang="en-US" sz="1400" dirty="0">
+              <a:rPr lang="en-US" sz="1400" dirty="0" smtClean="0">
                 <a:solidFill>
                   <a:srgbClr val="A31515"/>
                 </a:solidFill>
@@ -8318,19 +8096,30 @@
                 <a:ea typeface="Times New Roman"/>
                 <a:cs typeface="Times New Roman"/>
               </a:rPr>
-              <a:t>"http://localhost:8080/counter</a:t>
+              <a:t>"http://localhost:8080/counter"</a:t>
             </a:r>
             <a:r>
               <a:rPr lang="en-US" sz="1400" dirty="0" smtClean="0">
                 <a:solidFill>
-                  <a:srgbClr val="A31515"/>
+                  <a:srgbClr val="000000"/>
                 </a:solidFill>
                 <a:latin typeface="Consolas"/>
                 <a:ea typeface="Times New Roman"/>
                 <a:cs typeface="Times New Roman"/>
               </a:rPr>
-              <a:t>"</a:t>
-            </a:r>
+              <a:t>)</a:t>
+            </a:r>
+          </a:p>
+          <a:p>
+            <a:pPr marL="0" indent="0">
+              <a:spcBef>
+                <a:spcPts val="0"/>
+              </a:spcBef>
+              <a:spcAft>
+                <a:spcPts val="0"/>
+              </a:spcAft>
+              <a:buNone/>
+            </a:pPr>
             <a:r>
               <a:rPr lang="en-US" sz="1400" dirty="0" smtClean="0">
                 <a:solidFill>
@@ -8340,32 +8129,21 @@
                 <a:ea typeface="Times New Roman"/>
                 <a:cs typeface="Times New Roman"/>
               </a:rPr>
-              <a:t>)</a:t>
-            </a:r>
-          </a:p>
-          <a:p>
-            <a:pPr marL="0" indent="0">
-              <a:spcBef>
-                <a:spcPts val="0"/>
-              </a:spcBef>
-              <a:spcAft>
-                <a:spcPts val="0"/>
-              </a:spcAft>
-              <a:buNone/>
-            </a:pPr>
+              <a:t>  .then(td </a:t>
+            </a:r>
             <a:r>
               <a:rPr lang="en-US" sz="1400" dirty="0" smtClean="0">
                 <a:solidFill>
-                  <a:srgbClr val="000000"/>
+                  <a:srgbClr val="0000FF"/>
                 </a:solidFill>
                 <a:latin typeface="Consolas"/>
                 <a:ea typeface="Times New Roman"/>
                 <a:cs typeface="Times New Roman"/>
               </a:rPr>
-              <a:t>  .</a:t>
-            </a:r>
-            <a:r>
-              <a:rPr lang="en-US" sz="1400" dirty="0">
+              <a:t>=&gt;</a:t>
+            </a:r>
+            <a:r>
+              <a:rPr lang="en-US" sz="1400" dirty="0" smtClean="0">
                 <a:solidFill>
                   <a:srgbClr val="000000"/>
                 </a:solidFill>
@@ -8373,31 +8151,9 @@
                 <a:ea typeface="Times New Roman"/>
                 <a:cs typeface="Times New Roman"/>
               </a:rPr>
-              <a:t>then(td </a:t>
-            </a:r>
-            <a:r>
-              <a:rPr lang="en-US" sz="1400" dirty="0">
-                <a:solidFill>
-                  <a:srgbClr val="0000FF"/>
-                </a:solidFill>
-                <a:latin typeface="Consolas"/>
-                <a:ea typeface="Times New Roman"/>
-                <a:cs typeface="Times New Roman"/>
-              </a:rPr>
-              <a:t>=&gt;</a:t>
-            </a:r>
-            <a:r>
-              <a:rPr lang="en-US" sz="1400" dirty="0">
-                <a:solidFill>
-                  <a:srgbClr val="000000"/>
-                </a:solidFill>
-                <a:latin typeface="Consolas"/>
-                <a:ea typeface="Times New Roman"/>
-                <a:cs typeface="Times New Roman"/>
-              </a:rPr>
               <a:t> {</a:t>
             </a:r>
-            <a:endParaRPr lang="en-US" sz="1400" dirty="0">
+            <a:endParaRPr lang="en-US" sz="1400" dirty="0" smtClean="0">
               <a:latin typeface="Arial"/>
               <a:ea typeface="Calibri"/>
               <a:cs typeface="Times New Roman"/>
@@ -8414,7 +8170,7 @@
               <a:buNone/>
             </a:pPr>
             <a:r>
-              <a:rPr lang="en-US" sz="1400" dirty="0">
+              <a:rPr lang="en-US" sz="1400" dirty="0" smtClean="0">
                 <a:solidFill>
                   <a:srgbClr val="000000"/>
                 </a:solidFill>
@@ -8424,7 +8180,7 @@
               </a:rPr>
               <a:t> </a:t>
             </a:r>
-            <a:endParaRPr lang="en-US" sz="1400" dirty="0">
+            <a:endParaRPr lang="en-US" sz="1400" dirty="0" smtClean="0">
               <a:latin typeface="Arial"/>
               <a:ea typeface="Calibri"/>
               <a:cs typeface="Times New Roman"/>
@@ -8441,7 +8197,7 @@
               <a:buNone/>
             </a:pPr>
             <a:r>
-              <a:rPr lang="en-US" sz="1400" dirty="0">
+              <a:rPr lang="en-US" sz="1400" dirty="0" smtClean="0">
                 <a:solidFill>
                   <a:srgbClr val="000000"/>
                 </a:solidFill>
@@ -8449,32 +8205,32 @@
                 <a:ea typeface="Times New Roman"/>
                 <a:cs typeface="Times New Roman"/>
               </a:rPr>
-              <a:t>  </a:t>
+              <a:t>    </a:t>
             </a:r>
             <a:r>
               <a:rPr lang="en-US" sz="1400" dirty="0" smtClean="0">
                 <a:solidFill>
-                  <a:srgbClr val="000000"/>
+                  <a:srgbClr val="0000FF"/>
                 </a:solidFill>
                 <a:latin typeface="Consolas"/>
                 <a:ea typeface="Times New Roman"/>
                 <a:cs typeface="Times New Roman"/>
               </a:rPr>
-              <a:t>  </a:t>
+              <a:t>let</a:t>
             </a:r>
             <a:r>
               <a:rPr lang="en-US" sz="1400" dirty="0" smtClean="0">
                 <a:solidFill>
-                  <a:srgbClr val="0000FF"/>
+                  <a:srgbClr val="000000"/>
                 </a:solidFill>
                 <a:latin typeface="Consolas"/>
                 <a:ea typeface="Times New Roman"/>
                 <a:cs typeface="Times New Roman"/>
               </a:rPr>
-              <a:t>let</a:t>
-            </a:r>
-            <a:r>
-              <a:rPr lang="en-US" sz="1400" dirty="0" smtClean="0">
+              <a:t> thing = </a:t>
+            </a:r>
+            <a:r>
+              <a:rPr lang="en-US" sz="1400" dirty="0" err="1" smtClean="0">
                 <a:solidFill>
                   <a:srgbClr val="000000"/>
                 </a:solidFill>
@@ -8482,10 +8238,10 @@
                 <a:ea typeface="Times New Roman"/>
                 <a:cs typeface="Times New Roman"/>
               </a:rPr>
-              <a:t> </a:t>
-            </a:r>
-            <a:r>
-              <a:rPr lang="en-US" sz="1400" dirty="0">
+              <a:t>WoT.consume</a:t>
+            </a:r>
+            <a:r>
+              <a:rPr lang="en-US" sz="1400" dirty="0" smtClean="0">
                 <a:solidFill>
                   <a:srgbClr val="000000"/>
                 </a:solidFill>
@@ -8493,31 +8249,9 @@
                 <a:ea typeface="Times New Roman"/>
                 <a:cs typeface="Times New Roman"/>
               </a:rPr>
-              <a:t>thing = </a:t>
-            </a:r>
-            <a:r>
-              <a:rPr lang="en-US" sz="1400" dirty="0" err="1">
-                <a:solidFill>
-                  <a:srgbClr val="000000"/>
-                </a:solidFill>
-                <a:latin typeface="Consolas"/>
-                <a:ea typeface="Times New Roman"/>
-                <a:cs typeface="Times New Roman"/>
-              </a:rPr>
-              <a:t>WoT.consume</a:t>
-            </a:r>
-            <a:r>
-              <a:rPr lang="en-US" sz="1400" dirty="0">
-                <a:solidFill>
-                  <a:srgbClr val="000000"/>
-                </a:solidFill>
-                <a:latin typeface="Consolas"/>
-                <a:ea typeface="Times New Roman"/>
-                <a:cs typeface="Times New Roman"/>
-              </a:rPr>
               <a:t>(td);</a:t>
             </a:r>
-            <a:endParaRPr lang="en-US" sz="1400" dirty="0">
+            <a:endParaRPr lang="en-US" sz="1400" dirty="0" smtClean="0">
               <a:latin typeface="Arial"/>
               <a:ea typeface="Calibri"/>
               <a:cs typeface="Times New Roman"/>
@@ -8561,40 +8295,18 @@
                 <a:ea typeface="Times New Roman"/>
                 <a:cs typeface="Times New Roman"/>
               </a:rPr>
-              <a:t>  </a:t>
-            </a:r>
-            <a:r>
-              <a:rPr lang="en-US" sz="1400" dirty="0">
-                <a:solidFill>
-                  <a:srgbClr val="000000"/>
+              <a:t>   </a:t>
+            </a:r>
+            <a:r>
+              <a:rPr lang="en-US" sz="1400" dirty="0" smtClean="0">
+                <a:solidFill>
+                  <a:srgbClr val="008000"/>
                 </a:solidFill>
                 <a:latin typeface="Consolas"/>
                 <a:ea typeface="Times New Roman"/>
                 <a:cs typeface="Times New Roman"/>
               </a:rPr>
-              <a:t> </a:t>
-            </a:r>
-            <a:r>
-              <a:rPr lang="en-US" sz="1400" dirty="0">
-                <a:solidFill>
-                  <a:srgbClr val="008000"/>
-                </a:solidFill>
-                <a:latin typeface="Consolas"/>
-                <a:ea typeface="Times New Roman"/>
-                <a:cs typeface="Times New Roman"/>
-              </a:rPr>
-              <a:t> // </a:t>
-            </a:r>
-            <a:r>
-              <a:rPr lang="en-US" sz="1400" dirty="0" smtClean="0">
-                <a:solidFill>
-                  <a:srgbClr val="008000"/>
-                </a:solidFill>
-                <a:latin typeface="Consolas"/>
-                <a:ea typeface="Times New Roman"/>
-                <a:cs typeface="Times New Roman"/>
-              </a:rPr>
-              <a:t>introspection support (type, </a:t>
+              <a:t> // introspection support (type, </a:t>
             </a:r>
             <a:r>
               <a:rPr lang="en-US" sz="1400" dirty="0" err="1" smtClean="0">
@@ -8755,20 +8467,31 @@
                 <a:ea typeface="Times New Roman"/>
                 <a:cs typeface="Times New Roman"/>
               </a:rPr>
-              <a:t>thing.properties.count.get</a:t>
-            </a:r>
-            <a:r>
-              <a:rPr lang="en-US" sz="1400" dirty="0">
-                <a:solidFill>
-                  <a:srgbClr val="000000"/>
+              <a:t>thing.properties.count.</a:t>
+            </a:r>
+            <a:r>
+              <a:rPr lang="en-US" sz="1400" dirty="0" err="1" smtClean="0">
+                <a:solidFill>
+                  <a:srgbClr val="0000FF"/>
                 </a:solidFill>
                 <a:latin typeface="Consolas"/>
                 <a:ea typeface="Times New Roman"/>
                 <a:cs typeface="Times New Roman"/>
               </a:rPr>
+              <a:t>get</a:t>
+            </a:r>
+            <a:r>
+              <a:rPr lang="en-US" sz="1400" dirty="0" smtClean="0">
+                <a:solidFill>
+                  <a:srgbClr val="000000"/>
+                </a:solidFill>
+                <a:latin typeface="Consolas"/>
+                <a:ea typeface="Times New Roman"/>
+                <a:cs typeface="Times New Roman"/>
+              </a:rPr>
               <a:t>()</a:t>
             </a:r>
-            <a:endParaRPr lang="en-US" sz="1400" dirty="0">
+            <a:endParaRPr lang="en-US" sz="1400" dirty="0" smtClean="0">
               <a:latin typeface="Arial"/>
               <a:ea typeface="Calibri"/>
               <a:cs typeface="Times New Roman"/>
@@ -8785,7 +8508,7 @@
               <a:buNone/>
             </a:pPr>
             <a:r>
-              <a:rPr lang="en-US" sz="1400" dirty="0">
+              <a:rPr lang="en-US" sz="1400" dirty="0" smtClean="0">
                 <a:solidFill>
                   <a:srgbClr val="000000"/>
                 </a:solidFill>
@@ -8793,21 +8516,21 @@
                 <a:ea typeface="Times New Roman"/>
                 <a:cs typeface="Times New Roman"/>
               </a:rPr>
-              <a:t>  </a:t>
+              <a:t>      .then(res </a:t>
             </a:r>
             <a:r>
               <a:rPr lang="en-US" sz="1400" dirty="0" smtClean="0">
                 <a:solidFill>
-                  <a:srgbClr val="000000"/>
+                  <a:srgbClr val="0000FF"/>
                 </a:solidFill>
                 <a:latin typeface="Consolas"/>
                 <a:ea typeface="Times New Roman"/>
                 <a:cs typeface="Times New Roman"/>
               </a:rPr>
-              <a:t>    </a:t>
-            </a:r>
-            <a:r>
-              <a:rPr lang="en-US" sz="1400" dirty="0">
+              <a:t>=&gt;</a:t>
+            </a:r>
+            <a:r>
+              <a:rPr lang="en-US" sz="1400" dirty="0" smtClean="0">
                 <a:solidFill>
                   <a:srgbClr val="000000"/>
                 </a:solidFill>
@@ -8815,31 +8538,9 @@
                 <a:ea typeface="Times New Roman"/>
                 <a:cs typeface="Times New Roman"/>
               </a:rPr>
-              <a:t>.then(res </a:t>
-            </a:r>
-            <a:r>
-              <a:rPr lang="en-US" sz="1400" dirty="0">
-                <a:solidFill>
-                  <a:srgbClr val="0000FF"/>
-                </a:solidFill>
-                <a:latin typeface="Consolas"/>
-                <a:ea typeface="Times New Roman"/>
-                <a:cs typeface="Times New Roman"/>
-              </a:rPr>
-              <a:t>=&gt;</a:t>
-            </a:r>
-            <a:r>
-              <a:rPr lang="en-US" sz="1400" dirty="0">
-                <a:solidFill>
-                  <a:srgbClr val="000000"/>
-                </a:solidFill>
-                <a:latin typeface="Consolas"/>
-                <a:ea typeface="Times New Roman"/>
-                <a:cs typeface="Times New Roman"/>
-              </a:rPr>
               <a:t> {</a:t>
             </a:r>
-            <a:endParaRPr lang="en-US" sz="1400" dirty="0">
+            <a:endParaRPr lang="en-US" sz="1400" dirty="0" smtClean="0">
               <a:latin typeface="Arial"/>
               <a:ea typeface="Calibri"/>
               <a:cs typeface="Times New Roman"/>
@@ -8856,7 +8557,7 @@
               <a:buNone/>
             </a:pPr>
             <a:r>
-              <a:rPr lang="en-US" sz="1400" dirty="0">
+              <a:rPr lang="en-US" sz="1400" dirty="0" smtClean="0">
                 <a:solidFill>
                   <a:srgbClr val="000000"/>
                 </a:solidFill>
@@ -8864,21 +8565,21 @@
                 <a:ea typeface="Times New Roman"/>
                 <a:cs typeface="Times New Roman"/>
               </a:rPr>
-              <a:t>    </a:t>
+              <a:t>        console.info(</a:t>
             </a:r>
             <a:r>
               <a:rPr lang="en-US" sz="1400" dirty="0" smtClean="0">
                 <a:solidFill>
-                  <a:srgbClr val="000000"/>
+                  <a:srgbClr val="A31515"/>
                 </a:solidFill>
                 <a:latin typeface="Consolas"/>
                 <a:ea typeface="Times New Roman"/>
                 <a:cs typeface="Times New Roman"/>
               </a:rPr>
-              <a:t>    </a:t>
-            </a:r>
-            <a:r>
-              <a:rPr lang="en-US" sz="1400" dirty="0">
+              <a:t>"count value is"</a:t>
+            </a:r>
+            <a:r>
+              <a:rPr lang="en-US" sz="1400" dirty="0" smtClean="0">
                 <a:solidFill>
                   <a:srgbClr val="000000"/>
                 </a:solidFill>
@@ -8886,31 +8587,9 @@
                 <a:ea typeface="Times New Roman"/>
                 <a:cs typeface="Times New Roman"/>
               </a:rPr>
-              <a:t>console.info(</a:t>
-            </a:r>
-            <a:r>
-              <a:rPr lang="en-US" sz="1400" dirty="0">
-                <a:solidFill>
-                  <a:srgbClr val="A31515"/>
-                </a:solidFill>
-                <a:latin typeface="Consolas"/>
-                <a:ea typeface="Times New Roman"/>
-                <a:cs typeface="Times New Roman"/>
-              </a:rPr>
-              <a:t>"count value is"</a:t>
-            </a:r>
-            <a:r>
-              <a:rPr lang="en-US" sz="1400" dirty="0">
-                <a:solidFill>
-                  <a:srgbClr val="000000"/>
-                </a:solidFill>
-                <a:latin typeface="Consolas"/>
-                <a:ea typeface="Times New Roman"/>
-                <a:cs typeface="Times New Roman"/>
-              </a:rPr>
               <a:t>, res);</a:t>
             </a:r>
-            <a:endParaRPr lang="en-US" sz="1400" dirty="0">
+            <a:endParaRPr lang="en-US" sz="1400" dirty="0" smtClean="0">
               <a:latin typeface="Arial"/>
               <a:ea typeface="Calibri"/>
               <a:cs typeface="Times New Roman"/>
@@ -8927,7 +8606,7 @@
               <a:buNone/>
             </a:pPr>
             <a:r>
-              <a:rPr lang="en-US" sz="1400" dirty="0">
+              <a:rPr lang="en-US" sz="1400" dirty="0" smtClean="0">
                 <a:solidFill>
                   <a:srgbClr val="000000"/>
                 </a:solidFill>
@@ -8935,31 +8614,9 @@
                 <a:ea typeface="Times New Roman"/>
                 <a:cs typeface="Times New Roman"/>
               </a:rPr>
-              <a:t>   </a:t>
-            </a:r>
-            <a:r>
-              <a:rPr lang="en-US" sz="1400" dirty="0" smtClean="0">
-                <a:solidFill>
-                  <a:srgbClr val="000000"/>
-                </a:solidFill>
-                <a:latin typeface="Consolas"/>
-                <a:ea typeface="Times New Roman"/>
-                <a:cs typeface="Times New Roman"/>
-              </a:rPr>
-              <a:t>   </a:t>
-            </a:r>
-            <a:r>
-              <a:rPr lang="en-US" sz="1400" dirty="0">
-                <a:solidFill>
-                  <a:srgbClr val="000000"/>
-                </a:solidFill>
-                <a:latin typeface="Consolas"/>
-                <a:ea typeface="Times New Roman"/>
-                <a:cs typeface="Times New Roman"/>
-              </a:rPr>
-              <a:t>})</a:t>
-            </a:r>
-            <a:endParaRPr lang="en-US" sz="1400" dirty="0">
+              <a:t>      })</a:t>
+            </a:r>
+            <a:endParaRPr lang="en-US" sz="1400" dirty="0" smtClean="0">
               <a:latin typeface="Arial"/>
               <a:ea typeface="Calibri"/>
               <a:cs typeface="Times New Roman"/>
@@ -8976,7 +8633,7 @@
               <a:buNone/>
             </a:pPr>
             <a:r>
-              <a:rPr lang="en-US" sz="1400" dirty="0">
+              <a:rPr lang="en-US" sz="1400" dirty="0" smtClean="0">
                 <a:solidFill>
                   <a:srgbClr val="000000"/>
                 </a:solidFill>
@@ -8984,21 +8641,21 @@
                 <a:ea typeface="Times New Roman"/>
                 <a:cs typeface="Times New Roman"/>
               </a:rPr>
-              <a:t>    </a:t>
+              <a:t>      .catch(err </a:t>
             </a:r>
             <a:r>
               <a:rPr lang="en-US" sz="1400" dirty="0" smtClean="0">
                 <a:solidFill>
-                  <a:srgbClr val="000000"/>
+                  <a:srgbClr val="0000FF"/>
                 </a:solidFill>
                 <a:latin typeface="Consolas"/>
                 <a:ea typeface="Times New Roman"/>
                 <a:cs typeface="Times New Roman"/>
               </a:rPr>
-              <a:t>  .</a:t>
-            </a:r>
-            <a:r>
-              <a:rPr lang="en-US" sz="1400" dirty="0">
+              <a:t>=&gt;</a:t>
+            </a:r>
+            <a:r>
+              <a:rPr lang="en-US" sz="1400" dirty="0" smtClean="0">
                 <a:solidFill>
                   <a:srgbClr val="000000"/>
                 </a:solidFill>
@@ -9006,21 +8663,21 @@
                 <a:ea typeface="Times New Roman"/>
                 <a:cs typeface="Times New Roman"/>
               </a:rPr>
-              <a:t>catch(err </a:t>
-            </a:r>
-            <a:r>
-              <a:rPr lang="en-US" sz="1400" dirty="0">
-                <a:solidFill>
-                  <a:srgbClr val="0000FF"/>
+              <a:t> { </a:t>
+            </a:r>
+            <a:r>
+              <a:rPr lang="en-US" sz="1400" dirty="0" err="1" smtClean="0">
+                <a:solidFill>
+                  <a:srgbClr val="000000"/>
                 </a:solidFill>
                 <a:latin typeface="Consolas"/>
                 <a:ea typeface="Times New Roman"/>
                 <a:cs typeface="Times New Roman"/>
               </a:rPr>
-              <a:t>=&gt;</a:t>
-            </a:r>
-            <a:r>
-              <a:rPr lang="en-US" sz="1400" dirty="0">
+              <a:t>console.error</a:t>
+            </a:r>
+            <a:r>
+              <a:rPr lang="en-US" sz="1400" dirty="0" smtClean="0">
                 <a:solidFill>
                   <a:srgbClr val="000000"/>
                 </a:solidFill>
@@ -9028,31 +8685,9 @@
                 <a:ea typeface="Times New Roman"/>
                 <a:cs typeface="Times New Roman"/>
               </a:rPr>
-              <a:t> { </a:t>
-            </a:r>
-            <a:r>
-              <a:rPr lang="en-US" sz="1400" dirty="0" err="1">
-                <a:solidFill>
-                  <a:srgbClr val="000000"/>
-                </a:solidFill>
-                <a:latin typeface="Consolas"/>
-                <a:ea typeface="Times New Roman"/>
-                <a:cs typeface="Times New Roman"/>
-              </a:rPr>
-              <a:t>console.error</a:t>
-            </a:r>
-            <a:r>
-              <a:rPr lang="en-US" sz="1400" dirty="0">
-                <a:solidFill>
-                  <a:srgbClr val="000000"/>
-                </a:solidFill>
-                <a:latin typeface="Consolas"/>
-                <a:ea typeface="Times New Roman"/>
-                <a:cs typeface="Times New Roman"/>
-              </a:rPr>
               <a:t>(err); });</a:t>
             </a:r>
-            <a:endParaRPr lang="en-US" sz="1400" dirty="0">
+            <a:endParaRPr lang="en-US" sz="1400" dirty="0" smtClean="0">
               <a:latin typeface="Arial"/>
               <a:ea typeface="Calibri"/>
               <a:cs typeface="Times New Roman"/>
@@ -9069,7 +8704,7 @@
               <a:buNone/>
             </a:pPr>
             <a:r>
-              <a:rPr lang="en-US" sz="1400" dirty="0">
+              <a:rPr lang="en-US" sz="1400" dirty="0" smtClean="0">
                 <a:solidFill>
                   <a:srgbClr val="000000"/>
                 </a:solidFill>
@@ -9079,7 +8714,7 @@
               </a:rPr>
               <a:t> </a:t>
             </a:r>
-            <a:endParaRPr lang="en-US" sz="1400" dirty="0">
+            <a:endParaRPr lang="en-US" sz="1400" dirty="0" smtClean="0">
               <a:latin typeface="Arial"/>
               <a:ea typeface="Calibri"/>
               <a:cs typeface="Times New Roman"/>
@@ -9096,7 +8731,7 @@
               <a:buNone/>
             </a:pPr>
             <a:r>
-              <a:rPr lang="en-US" sz="1400" dirty="0">
+              <a:rPr lang="en-US" sz="1400" dirty="0" smtClean="0">
                 <a:solidFill>
                   <a:srgbClr val="000000"/>
                 </a:solidFill>
@@ -9104,10 +8739,10 @@
                 <a:ea typeface="Times New Roman"/>
                 <a:cs typeface="Times New Roman"/>
               </a:rPr>
-              <a:t>  </a:t>
-            </a:r>
-            <a:r>
-              <a:rPr lang="en-US" sz="1400" dirty="0" smtClean="0">
+              <a:t>    </a:t>
+            </a:r>
+            <a:r>
+              <a:rPr lang="en-US" sz="1400" dirty="0" err="1" smtClean="0">
                 <a:solidFill>
                   <a:srgbClr val="000000"/>
                 </a:solidFill>
@@ -9115,18 +8750,18 @@
                 <a:ea typeface="Times New Roman"/>
                 <a:cs typeface="Times New Roman"/>
               </a:rPr>
-              <a:t>  </a:t>
+              <a:t>thing.actions.increment.</a:t>
             </a:r>
             <a:r>
               <a:rPr lang="en-US" sz="1400" dirty="0" err="1" smtClean="0">
                 <a:solidFill>
-                  <a:srgbClr val="000000"/>
+                  <a:srgbClr val="0000FF"/>
                 </a:solidFill>
                 <a:latin typeface="Consolas"/>
                 <a:ea typeface="Times New Roman"/>
                 <a:cs typeface="Times New Roman"/>
               </a:rPr>
-              <a:t>thing.actions.increment.invoke</a:t>
+              <a:t>invoke</a:t>
             </a:r>
             <a:r>
               <a:rPr lang="en-US" sz="1400" dirty="0" smtClean="0">
@@ -9170,7 +8805,7 @@
               <a:buNone/>
             </a:pPr>
             <a:r>
-              <a:rPr lang="de-DE" sz="1400" dirty="0" smtClean="0">
+              <a:rPr lang="en-US" sz="1400" dirty="0" smtClean="0">
                 <a:solidFill>
                   <a:srgbClr val="000000"/>
                 </a:solidFill>
@@ -9200,32 +8835,32 @@
                 <a:ea typeface="Times New Roman"/>
                 <a:cs typeface="Times New Roman"/>
               </a:rPr>
-              <a:t>  .</a:t>
-            </a:r>
-            <a:r>
-              <a:rPr lang="en-US" sz="1400" dirty="0">
-                <a:solidFill>
-                  <a:srgbClr val="000000"/>
+              <a:t>  .catch(err </a:t>
+            </a:r>
+            <a:r>
+              <a:rPr lang="en-US" sz="1400" dirty="0" smtClean="0">
+                <a:solidFill>
+                  <a:srgbClr val="0000FF"/>
                 </a:solidFill>
                 <a:latin typeface="Consolas"/>
                 <a:ea typeface="Times New Roman"/>
                 <a:cs typeface="Times New Roman"/>
               </a:rPr>
-              <a:t>catch(err </a:t>
-            </a:r>
-            <a:r>
-              <a:rPr lang="en-US" sz="1400" dirty="0">
-                <a:solidFill>
-                  <a:srgbClr val="0000FF"/>
+              <a:t>=&gt;</a:t>
+            </a:r>
+            <a:r>
+              <a:rPr lang="en-US" sz="1400" dirty="0" smtClean="0">
+                <a:solidFill>
+                  <a:srgbClr val="000000"/>
                 </a:solidFill>
                 <a:latin typeface="Consolas"/>
                 <a:ea typeface="Times New Roman"/>
                 <a:cs typeface="Times New Roman"/>
               </a:rPr>
-              <a:t>=&gt;</a:t>
-            </a:r>
-            <a:r>
-              <a:rPr lang="en-US" sz="1400" dirty="0">
+              <a:t> { </a:t>
+            </a:r>
+            <a:r>
+              <a:rPr lang="en-US" sz="1400" dirty="0" err="1" smtClean="0">
                 <a:solidFill>
                   <a:srgbClr val="000000"/>
                 </a:solidFill>
@@ -9233,21 +8868,10 @@
                 <a:ea typeface="Times New Roman"/>
                 <a:cs typeface="Times New Roman"/>
               </a:rPr>
-              <a:t> { </a:t>
-            </a:r>
-            <a:r>
-              <a:rPr lang="en-US" sz="1400" dirty="0" err="1">
-                <a:solidFill>
-                  <a:srgbClr val="000000"/>
-                </a:solidFill>
-                <a:latin typeface="Consolas"/>
-                <a:ea typeface="Times New Roman"/>
-                <a:cs typeface="Times New Roman"/>
-              </a:rPr>
               <a:t>console.error</a:t>
             </a:r>
             <a:r>
-              <a:rPr lang="en-US" sz="1400" dirty="0">
+              <a:rPr lang="en-US" sz="1400" dirty="0" smtClean="0">
                 <a:solidFill>
                   <a:srgbClr val="000000"/>
                 </a:solidFill>
@@ -9456,57 +9080,23 @@
           <a:lstStyle/>
           <a:p>
             <a:r>
-              <a:rPr lang="de-DE" dirty="0" smtClean="0"/>
+              <a:rPr lang="en-US" dirty="0" smtClean="0"/>
               <a:t>Overall</a:t>
             </a:r>
           </a:p>
           <a:p>
             <a:pPr lvl="1"/>
             <a:r>
-              <a:rPr lang="de-DE" dirty="0" err="1" smtClean="0"/>
-              <a:t>Define</a:t>
-            </a:r>
-            <a:r>
-              <a:rPr lang="de-DE" dirty="0" smtClean="0"/>
-              <a:t> </a:t>
-            </a:r>
-            <a:r>
-              <a:rPr lang="de-DE" dirty="0" err="1" smtClean="0"/>
-              <a:t>test</a:t>
-            </a:r>
-            <a:r>
-              <a:rPr lang="de-DE" dirty="0" smtClean="0"/>
-              <a:t> </a:t>
-            </a:r>
-            <a:r>
-              <a:rPr lang="de-DE" dirty="0" err="1" smtClean="0"/>
-              <a:t>cases</a:t>
-            </a:r>
-            <a:endParaRPr lang="de-DE" dirty="0" smtClean="0"/>
+              <a:rPr lang="en-US" dirty="0" smtClean="0"/>
+              <a:t>Define test cases</a:t>
+            </a:r>
           </a:p>
           <a:p>
             <a:pPr lvl="1"/>
             <a:r>
-              <a:rPr lang="de-DE" dirty="0" err="1" smtClean="0"/>
-              <a:t>Provide</a:t>
-            </a:r>
-            <a:r>
-              <a:rPr lang="de-DE" dirty="0" smtClean="0"/>
-              <a:t> </a:t>
-            </a:r>
-            <a:r>
-              <a:rPr lang="de-DE" dirty="0" err="1" smtClean="0"/>
-              <a:t>test</a:t>
-            </a:r>
-            <a:r>
-              <a:rPr lang="de-DE" dirty="0" smtClean="0"/>
-              <a:t> </a:t>
-            </a:r>
-            <a:r>
-              <a:rPr lang="de-DE" dirty="0" err="1" smtClean="0"/>
-              <a:t>suite</a:t>
-            </a:r>
-            <a:endParaRPr lang="en-US" dirty="0" smtClean="0"/>
+              <a:rPr lang="en-US" dirty="0" smtClean="0"/>
+              <a:t>Provide test suite</a:t>
+            </a:r>
           </a:p>
           <a:p>
             <a:r>
@@ -9666,11 +9256,17 @@
               </a:spcBef>
             </a:pPr>
             <a:r>
-              <a:rPr lang="en-US" dirty="0" smtClean="0"/>
+              <a:rPr lang="en-US" dirty="0" smtClean="0">
+                <a:latin typeface="Consolas" panose="020B0609020204030204" pitchFamily="49" charset="0"/>
+                <a:cs typeface="Consolas" panose="020B0609020204030204" pitchFamily="49" charset="0"/>
+              </a:rPr>
               <a:t>application/</a:t>
             </a:r>
             <a:r>
-              <a:rPr lang="en-US" dirty="0" err="1" smtClean="0"/>
+              <a:rPr lang="en-US" dirty="0" err="1" smtClean="0">
+                <a:latin typeface="Consolas" panose="020B0609020204030204" pitchFamily="49" charset="0"/>
+                <a:cs typeface="Consolas" panose="020B0609020204030204" pitchFamily="49" charset="0"/>
+              </a:rPr>
               <a:t>td+json</a:t>
             </a:r>
             <a:r>
@@ -10292,11 +9888,17 @@
               </a:spcBef>
             </a:pPr>
             <a:r>
-              <a:rPr lang="en-US" dirty="0" smtClean="0"/>
+              <a:rPr lang="en-US" dirty="0" smtClean="0">
+                <a:latin typeface="Consolas" panose="020B0609020204030204" pitchFamily="49" charset="0"/>
+                <a:cs typeface="Consolas" panose="020B0609020204030204" pitchFamily="49" charset="0"/>
+              </a:rPr>
               <a:t>application/</a:t>
             </a:r>
             <a:r>
-              <a:rPr lang="en-US" dirty="0" err="1" smtClean="0"/>
+              <a:rPr lang="en-US" dirty="0" err="1" smtClean="0">
+                <a:latin typeface="Consolas" panose="020B0609020204030204" pitchFamily="49" charset="0"/>
+                <a:cs typeface="Consolas" panose="020B0609020204030204" pitchFamily="49" charset="0"/>
+              </a:rPr>
               <a:t>wot+json</a:t>
             </a:r>
             <a:r>
@@ -10313,6 +9915,62 @@
             </a:r>
           </a:p>
           <a:p>
+            <a:pPr lvl="2">
+              <a:spcBef>
+                <a:spcPts val="600"/>
+              </a:spcBef>
+            </a:pPr>
+            <a:r>
+              <a:rPr lang="de-DE" dirty="0" smtClean="0"/>
+              <a:t>An alternative </a:t>
+            </a:r>
+            <a:r>
+              <a:rPr lang="de-DE" dirty="0" err="1" smtClean="0"/>
+              <a:t>may</a:t>
+            </a:r>
+            <a:r>
+              <a:rPr lang="de-DE" dirty="0" smtClean="0"/>
+              <a:t> </a:t>
+            </a:r>
+            <a:r>
+              <a:rPr lang="de-DE" dirty="0" err="1" smtClean="0"/>
+              <a:t>be</a:t>
+            </a:r>
+            <a:r>
+              <a:rPr lang="de-DE" dirty="0" smtClean="0"/>
+              <a:t> </a:t>
+            </a:r>
+            <a:r>
+              <a:rPr lang="de-DE" dirty="0" err="1" smtClean="0"/>
+              <a:t>CoRaL</a:t>
+            </a:r>
+            <a:r>
+              <a:rPr lang="de-DE" dirty="0" smtClean="0"/>
+              <a:t>, but </a:t>
+            </a:r>
+            <a:r>
+              <a:rPr lang="de-DE" dirty="0" err="1" smtClean="0"/>
+              <a:t>no</a:t>
+            </a:r>
+            <a:r>
+              <a:rPr lang="de-DE" dirty="0" smtClean="0"/>
+              <a:t> </a:t>
+            </a:r>
+            <a:r>
+              <a:rPr lang="de-DE" dirty="0" err="1" smtClean="0"/>
+              <a:t>analysis</a:t>
+            </a:r>
+            <a:r>
+              <a:rPr lang="de-DE" dirty="0" smtClean="0"/>
+              <a:t> so </a:t>
+            </a:r>
+            <a:r>
+              <a:rPr lang="de-DE" dirty="0" err="1" smtClean="0"/>
+              <a:t>far</a:t>
+            </a:r>
+            <a:endParaRPr lang="en-US" dirty="0" smtClean="0"/>
+          </a:p>
+          <a:p>
             <a:r>
               <a:rPr lang="en-US" dirty="0" smtClean="0"/>
               <a:t>WoT Security and Privacy</a:t>
@@ -10328,24 +9986,15 @@
           <a:p>
             <a:pPr lvl="1"/>
             <a:r>
-              <a:rPr lang="de-DE" dirty="0" err="1" smtClean="0"/>
-              <a:t>Finalize</a:t>
-            </a:r>
-            <a:r>
-              <a:rPr lang="de-DE" dirty="0" smtClean="0"/>
-              <a:t> </a:t>
-            </a:r>
-            <a:r>
-              <a:rPr lang="en-US" dirty="0"/>
-              <a:t>WoT Security and Privacy Considerations</a:t>
-            </a:r>
-            <a:endParaRPr lang="en-US" dirty="0" smtClean="0"/>
+              <a:rPr lang="en-US" dirty="0" smtClean="0"/>
+              <a:t>Finalize WG Note on “WoT Security and Privacy Considerations”</a:t>
+            </a:r>
           </a:p>
           <a:p>
             <a:pPr lvl="1"/>
             <a:r>
               <a:rPr lang="en-US" dirty="0" smtClean="0"/>
-              <a:t>Start a “living” Working Group Note on “WoT Security Best Practices”</a:t>
+              <a:t>Start a living WG Note on “WoT Security Best Practices”</a:t>
             </a:r>
           </a:p>
         </p:txBody>
@@ -10532,33 +10181,15 @@
                                   </p:childTnLst>
                                 </p:cTn>
                               </p:par>
-                            </p:childTnLst>
-                          </p:cTn>
-                        </p:par>
-                      </p:childTnLst>
-                    </p:cTn>
-                  </p:par>
-                  <p:par>
-                    <p:cTn id="14" fill="hold">
-                      <p:stCondLst>
-                        <p:cond delay="indefinite"/>
-                      </p:stCondLst>
-                      <p:childTnLst>
-                        <p:par>
-                          <p:cTn id="15" fill="hold">
-                            <p:stCondLst>
-                              <p:cond delay="0"/>
-                            </p:stCondLst>
-                            <p:childTnLst>
                               <p:par>
-                                <p:cTn id="16" presetID="10" presetClass="entr" presetSubtype="0" fill="hold" nodeType="clickEffect">
+                                <p:cTn id="14" presetID="10" presetClass="entr" presetSubtype="0" fill="hold" nodeType="withEffect">
                                   <p:stCondLst>
                                     <p:cond delay="0"/>
                                   </p:stCondLst>
                                   <p:childTnLst>
                                     <p:set>
                                       <p:cBhvr>
-                                        <p:cTn id="17" dur="1" fill="hold">
+                                        <p:cTn id="15" dur="1" fill="hold">
                                           <p:stCondLst>
                                             <p:cond delay="0"/>
                                           </p:stCondLst>
@@ -10580,7 +10211,7 @@
                                     </p:set>
                                     <p:animEffect transition="in" filter="fade">
                                       <p:cBhvr>
-                                        <p:cTn id="18" dur="250"/>
+                                        <p:cTn id="16" dur="250"/>
                                         <p:tgtEl>
                                           <p:spTgt spid="3">
                                             <p:txEl>
@@ -10593,8 +10224,26 @@
                                   </p:childTnLst>
                                 </p:cTn>
                               </p:par>
+                            </p:childTnLst>
+                          </p:cTn>
+                        </p:par>
+                      </p:childTnLst>
+                    </p:cTn>
+                  </p:par>
+                  <p:par>
+                    <p:cTn id="17" fill="hold">
+                      <p:stCondLst>
+                        <p:cond delay="indefinite"/>
+                      </p:stCondLst>
+                      <p:childTnLst>
+                        <p:par>
+                          <p:cTn id="18" fill="hold">
+                            <p:stCondLst>
+                              <p:cond delay="0"/>
+                            </p:stCondLst>
+                            <p:childTnLst>
                               <p:par>
-                                <p:cTn id="19" presetID="10" presetClass="entr" presetSubtype="0" fill="hold" nodeType="withEffect">
+                                <p:cTn id="19" presetID="10" presetClass="entr" presetSubtype="0" fill="hold" nodeType="clickEffect">
                                   <p:stCondLst>
                                     <p:cond delay="0"/>
                                   </p:stCondLst>
@@ -10714,6 +10363,49 @@
                                           <p:spTgt spid="3">
                                             <p:txEl>
                                               <p:pRg st="10" end="10"/>
+                                            </p:txEl>
+                                          </p:spTgt>
+                                        </p:tgtEl>
+                                      </p:cBhvr>
+                                    </p:animEffect>
+                                  </p:childTnLst>
+                                </p:cTn>
+                              </p:par>
+                              <p:par>
+                                <p:cTn id="28" presetID="10" presetClass="entr" presetSubtype="0" fill="hold" nodeType="withEffect">
+                                  <p:stCondLst>
+                                    <p:cond delay="0"/>
+                                  </p:stCondLst>
+                                  <p:childTnLst>
+                                    <p:set>
+                                      <p:cBhvr>
+                                        <p:cTn id="29" dur="1" fill="hold">
+                                          <p:stCondLst>
+                                            <p:cond delay="0"/>
+                                          </p:stCondLst>
+                                        </p:cTn>
+                                        <p:tgtEl>
+                                          <p:spTgt spid="3">
+                                            <p:txEl>
+                                              <p:pRg st="11" end="11"/>
+                                            </p:txEl>
+                                          </p:spTgt>
+                                        </p:tgtEl>
+                                        <p:attrNameLst>
+                                          <p:attrName>style.visibility</p:attrName>
+                                        </p:attrNameLst>
+                                      </p:cBhvr>
+                                      <p:to>
+                                        <p:strVal val="visible"/>
+                                      </p:to>
+                                    </p:set>
+                                    <p:animEffect transition="in" filter="fade">
+                                      <p:cBhvr>
+                                        <p:cTn id="30" dur="250"/>
+                                        <p:tgtEl>
+                                          <p:spTgt spid="3">
+                                            <p:txEl>
+                                              <p:pRg st="11" end="11"/>
                                             </p:txEl>
                                           </p:spTgt>
                                         </p:tgtEl>
@@ -17383,16 +17075,8 @@
           <a:lstStyle/>
           <a:p>
             <a:r>
-              <a:rPr lang="en-US" dirty="0"/>
-              <a:t>W3C Web of </a:t>
-            </a:r>
-            <a:r>
               <a:rPr lang="en-US" dirty="0" smtClean="0"/>
-              <a:t>Things </a:t>
-            </a:r>
-            <a:r>
-              <a:rPr lang="de-DE" dirty="0" smtClean="0"/>
-              <a:t>– Timeline</a:t>
+              <a:t>W3C Web of Things – Timeline</a:t>
             </a:r>
             <a:endParaRPr lang="en-US" dirty="0"/>
           </a:p>
@@ -20986,815 +20670,6 @@
               <a:cs typeface="Consolas" panose="020B0609020204030204" pitchFamily="49" charset="0"/>
             </a:endParaRPr>
           </a:p>
-          <a:p>
-            <a:pPr marL="0" indent="0">
-              <a:spcBef>
-                <a:spcPts val="0"/>
-              </a:spcBef>
-              <a:buNone/>
-            </a:pPr>
-            <a:r>
-              <a:rPr lang="en-US" sz="1400" noProof="0" dirty="0">
-                <a:latin typeface="Consolas" panose="020B0609020204030204" pitchFamily="49" charset="0"/>
-                <a:cs typeface="Consolas" panose="020B0609020204030204" pitchFamily="49" charset="0"/>
-              </a:rPr>
-              <a:t>  }, {</a:t>
-            </a:r>
-          </a:p>
-          <a:p>
-            <a:pPr marL="0" indent="0">
-              <a:spcBef>
-                <a:spcPts val="0"/>
-              </a:spcBef>
-              <a:buNone/>
-            </a:pPr>
-            <a:r>
-              <a:rPr lang="en-US" sz="1400" noProof="0" dirty="0">
-                <a:latin typeface="Consolas" panose="020B0609020204030204" pitchFamily="49" charset="0"/>
-                <a:cs typeface="Consolas" panose="020B0609020204030204" pitchFamily="49" charset="0"/>
-              </a:rPr>
-              <a:t>    "@type": "Action",</a:t>
-            </a:r>
-          </a:p>
-          <a:p>
-            <a:pPr marL="0" indent="0">
-              <a:spcBef>
-                <a:spcPts val="0"/>
-              </a:spcBef>
-              <a:buNone/>
-            </a:pPr>
-            <a:r>
-              <a:rPr lang="en-US" sz="1400" noProof="0" dirty="0">
-                <a:latin typeface="Consolas" panose="020B0609020204030204" pitchFamily="49" charset="0"/>
-                <a:cs typeface="Consolas" panose="020B0609020204030204" pitchFamily="49" charset="0"/>
-              </a:rPr>
-              <a:t>    "name": "fade",</a:t>
-            </a:r>
-          </a:p>
-          <a:p>
-            <a:pPr marL="0" indent="0">
-              <a:spcBef>
-                <a:spcPts val="0"/>
-              </a:spcBef>
-              <a:buNone/>
-            </a:pPr>
-            <a:r>
-              <a:rPr lang="en-US" sz="1400" noProof="0" dirty="0">
-                <a:solidFill>
-                  <a:srgbClr val="FF00FF"/>
-                </a:solidFill>
-                <a:latin typeface="Consolas" panose="020B0609020204030204" pitchFamily="49" charset="0"/>
-                <a:cs typeface="Consolas" panose="020B0609020204030204" pitchFamily="49" charset="0"/>
-              </a:rPr>
-              <a:t>    "</a:t>
-            </a:r>
-            <a:r>
-              <a:rPr lang="en-US" sz="1400" noProof="0" dirty="0" err="1">
-                <a:solidFill>
-                  <a:srgbClr val="FF00FF"/>
-                </a:solidFill>
-                <a:latin typeface="Consolas" panose="020B0609020204030204" pitchFamily="49" charset="0"/>
-                <a:cs typeface="Consolas" panose="020B0609020204030204" pitchFamily="49" charset="0"/>
-              </a:rPr>
-              <a:t>inputSchema</a:t>
-            </a:r>
-            <a:r>
-              <a:rPr lang="en-US" sz="1400" noProof="0" dirty="0">
-                <a:solidFill>
-                  <a:srgbClr val="FF00FF"/>
-                </a:solidFill>
-                <a:latin typeface="Consolas" panose="020B0609020204030204" pitchFamily="49" charset="0"/>
-                <a:cs typeface="Consolas" panose="020B0609020204030204" pitchFamily="49" charset="0"/>
-              </a:rPr>
-              <a:t>": {</a:t>
-            </a:r>
-          </a:p>
-          <a:p>
-            <a:pPr marL="0" indent="0">
-              <a:spcBef>
-                <a:spcPts val="0"/>
-              </a:spcBef>
-              <a:buNone/>
-            </a:pPr>
-            <a:r>
-              <a:rPr lang="en-US" sz="1400" noProof="0" dirty="0">
-                <a:solidFill>
-                  <a:srgbClr val="FF00FF"/>
-                </a:solidFill>
-                <a:latin typeface="Consolas" panose="020B0609020204030204" pitchFamily="49" charset="0"/>
-                <a:cs typeface="Consolas" panose="020B0609020204030204" pitchFamily="49" charset="0"/>
-              </a:rPr>
-              <a:t>      "type": "object",</a:t>
-            </a:r>
-          </a:p>
-          <a:p>
-            <a:pPr marL="0" indent="0">
-              <a:spcBef>
-                <a:spcPts val="0"/>
-              </a:spcBef>
-              <a:buNone/>
-            </a:pPr>
-            <a:r>
-              <a:rPr lang="en-US" sz="1400" noProof="0" dirty="0">
-                <a:solidFill>
-                  <a:srgbClr val="FF00FF"/>
-                </a:solidFill>
-                <a:latin typeface="Consolas" panose="020B0609020204030204" pitchFamily="49" charset="0"/>
-                <a:cs typeface="Consolas" panose="020B0609020204030204" pitchFamily="49" charset="0"/>
-              </a:rPr>
-              <a:t>      "fields": [{</a:t>
-            </a:r>
-          </a:p>
-          <a:p>
-            <a:pPr marL="0" indent="0">
-              <a:spcBef>
-                <a:spcPts val="0"/>
-              </a:spcBef>
-              <a:buNone/>
-            </a:pPr>
-            <a:r>
-              <a:rPr lang="en-US" sz="1400" noProof="0" dirty="0">
-                <a:solidFill>
-                  <a:srgbClr val="FF00FF"/>
-                </a:solidFill>
-                <a:latin typeface="Consolas" panose="020B0609020204030204" pitchFamily="49" charset="0"/>
-                <a:cs typeface="Consolas" panose="020B0609020204030204" pitchFamily="49" charset="0"/>
-              </a:rPr>
-              <a:t>        "name": "from",</a:t>
-            </a:r>
-          </a:p>
-          <a:p>
-            <a:pPr marL="0" indent="0">
-              <a:spcBef>
-                <a:spcPts val="0"/>
-              </a:spcBef>
-              <a:buNone/>
-            </a:pPr>
-            <a:r>
-              <a:rPr lang="en-US" sz="1400" noProof="0" dirty="0">
-                <a:solidFill>
-                  <a:srgbClr val="FF00FF"/>
-                </a:solidFill>
-                <a:latin typeface="Consolas" panose="020B0609020204030204" pitchFamily="49" charset="0"/>
-                <a:cs typeface="Consolas" panose="020B0609020204030204" pitchFamily="49" charset="0"/>
-              </a:rPr>
-              <a:t>        "schema": {</a:t>
-            </a:r>
-          </a:p>
-          <a:p>
-            <a:pPr marL="0" indent="0">
-              <a:spcBef>
-                <a:spcPts val="0"/>
-              </a:spcBef>
-              <a:buNone/>
-            </a:pPr>
-            <a:r>
-              <a:rPr lang="en-US" sz="1400" noProof="0" dirty="0">
-                <a:solidFill>
-                  <a:srgbClr val="FF00FF"/>
-                </a:solidFill>
-                <a:latin typeface="Consolas" panose="020B0609020204030204" pitchFamily="49" charset="0"/>
-                <a:cs typeface="Consolas" panose="020B0609020204030204" pitchFamily="49" charset="0"/>
-              </a:rPr>
-              <a:t>          "type": "integer",</a:t>
-            </a:r>
-          </a:p>
-          <a:p>
-            <a:pPr marL="0" indent="0">
-              <a:spcBef>
-                <a:spcPts val="0"/>
-              </a:spcBef>
-              <a:buNone/>
-            </a:pPr>
-            <a:r>
-              <a:rPr lang="en-US" sz="1400" noProof="0" dirty="0">
-                <a:solidFill>
-                  <a:srgbClr val="FF00FF"/>
-                </a:solidFill>
-                <a:latin typeface="Consolas" panose="020B0609020204030204" pitchFamily="49" charset="0"/>
-                <a:cs typeface="Consolas" panose="020B0609020204030204" pitchFamily="49" charset="0"/>
-              </a:rPr>
-              <a:t>          "minimum": 0,</a:t>
-            </a:r>
-          </a:p>
-          <a:p>
-            <a:pPr marL="0" indent="0">
-              <a:spcBef>
-                <a:spcPts val="0"/>
-              </a:spcBef>
-              <a:buNone/>
-            </a:pPr>
-            <a:r>
-              <a:rPr lang="en-US" sz="1400" noProof="0" dirty="0">
-                <a:solidFill>
-                  <a:srgbClr val="FF00FF"/>
-                </a:solidFill>
-                <a:latin typeface="Consolas" panose="020B0609020204030204" pitchFamily="49" charset="0"/>
-                <a:cs typeface="Consolas" panose="020B0609020204030204" pitchFamily="49" charset="0"/>
-              </a:rPr>
-              <a:t>          "maximum": 100</a:t>
-            </a:r>
-          </a:p>
-          <a:p>
-            <a:pPr marL="0" indent="0">
-              <a:spcBef>
-                <a:spcPts val="0"/>
-              </a:spcBef>
-              <a:buNone/>
-            </a:pPr>
-            <a:r>
-              <a:rPr lang="en-US" sz="1400" noProof="0" dirty="0">
-                <a:solidFill>
-                  <a:srgbClr val="FF00FF"/>
-                </a:solidFill>
-                <a:latin typeface="Consolas" panose="020B0609020204030204" pitchFamily="49" charset="0"/>
-                <a:cs typeface="Consolas" panose="020B0609020204030204" pitchFamily="49" charset="0"/>
-              </a:rPr>
-              <a:t>        }</a:t>
-            </a:r>
-          </a:p>
-          <a:p>
-            <a:pPr marL="0" indent="0">
-              <a:spcBef>
-                <a:spcPts val="0"/>
-              </a:spcBef>
-              <a:buNone/>
-            </a:pPr>
-            <a:r>
-              <a:rPr lang="en-US" sz="1400" noProof="0" dirty="0">
-                <a:solidFill>
-                  <a:srgbClr val="FF00FF"/>
-                </a:solidFill>
-                <a:latin typeface="Consolas" panose="020B0609020204030204" pitchFamily="49" charset="0"/>
-                <a:cs typeface="Consolas" panose="020B0609020204030204" pitchFamily="49" charset="0"/>
-              </a:rPr>
-              <a:t>      }, {</a:t>
-            </a:r>
-          </a:p>
-          <a:p>
-            <a:pPr marL="0" indent="0">
-              <a:spcBef>
-                <a:spcPts val="0"/>
-              </a:spcBef>
-              <a:buNone/>
-            </a:pPr>
-            <a:r>
-              <a:rPr lang="en-US" sz="1400" noProof="0" dirty="0">
-                <a:solidFill>
-                  <a:srgbClr val="FF00FF"/>
-                </a:solidFill>
-                <a:latin typeface="Consolas" panose="020B0609020204030204" pitchFamily="49" charset="0"/>
-                <a:cs typeface="Consolas" panose="020B0609020204030204" pitchFamily="49" charset="0"/>
-              </a:rPr>
-              <a:t>        "name": "to",</a:t>
-            </a:r>
-          </a:p>
-          <a:p>
-            <a:pPr marL="0" indent="0">
-              <a:spcBef>
-                <a:spcPts val="0"/>
-              </a:spcBef>
-              <a:buNone/>
-            </a:pPr>
-            <a:r>
-              <a:rPr lang="en-US" sz="1400" noProof="0" dirty="0">
-                <a:solidFill>
-                  <a:srgbClr val="FF00FF"/>
-                </a:solidFill>
-                <a:latin typeface="Consolas" panose="020B0609020204030204" pitchFamily="49" charset="0"/>
-                <a:cs typeface="Consolas" panose="020B0609020204030204" pitchFamily="49" charset="0"/>
-              </a:rPr>
-              <a:t>        "schema": {</a:t>
-            </a:r>
-          </a:p>
-          <a:p>
-            <a:pPr marL="0" indent="0">
-              <a:spcBef>
-                <a:spcPts val="0"/>
-              </a:spcBef>
-              <a:buNone/>
-            </a:pPr>
-            <a:r>
-              <a:rPr lang="en-US" sz="1400" noProof="0" dirty="0">
-                <a:solidFill>
-                  <a:srgbClr val="FF00FF"/>
-                </a:solidFill>
-                <a:latin typeface="Consolas" panose="020B0609020204030204" pitchFamily="49" charset="0"/>
-                <a:cs typeface="Consolas" panose="020B0609020204030204" pitchFamily="49" charset="0"/>
-              </a:rPr>
-              <a:t>          "type": "integer",</a:t>
-            </a:r>
-          </a:p>
-          <a:p>
-            <a:pPr marL="0" indent="0">
-              <a:spcBef>
-                <a:spcPts val="0"/>
-              </a:spcBef>
-              <a:buNone/>
-            </a:pPr>
-            <a:r>
-              <a:rPr lang="en-US" sz="1400" noProof="0" dirty="0">
-                <a:solidFill>
-                  <a:srgbClr val="FF00FF"/>
-                </a:solidFill>
-                <a:latin typeface="Consolas" panose="020B0609020204030204" pitchFamily="49" charset="0"/>
-                <a:cs typeface="Consolas" panose="020B0609020204030204" pitchFamily="49" charset="0"/>
-              </a:rPr>
-              <a:t>          "minimum": 0,</a:t>
-            </a:r>
-          </a:p>
-          <a:p>
-            <a:pPr marL="0" indent="0">
-              <a:spcBef>
-                <a:spcPts val="0"/>
-              </a:spcBef>
-              <a:buNone/>
-            </a:pPr>
-            <a:r>
-              <a:rPr lang="en-US" sz="1400" noProof="0" dirty="0">
-                <a:solidFill>
-                  <a:srgbClr val="FF00FF"/>
-                </a:solidFill>
-                <a:latin typeface="Consolas" panose="020B0609020204030204" pitchFamily="49" charset="0"/>
-                <a:cs typeface="Consolas" panose="020B0609020204030204" pitchFamily="49" charset="0"/>
-              </a:rPr>
-              <a:t>          "maximum": 100</a:t>
-            </a:r>
-          </a:p>
-          <a:p>
-            <a:pPr marL="0" indent="0">
-              <a:spcBef>
-                <a:spcPts val="0"/>
-              </a:spcBef>
-              <a:buNone/>
-            </a:pPr>
-            <a:r>
-              <a:rPr lang="en-US" sz="1400" noProof="0" dirty="0">
-                <a:solidFill>
-                  <a:srgbClr val="FF00FF"/>
-                </a:solidFill>
-                <a:latin typeface="Consolas" panose="020B0609020204030204" pitchFamily="49" charset="0"/>
-                <a:cs typeface="Consolas" panose="020B0609020204030204" pitchFamily="49" charset="0"/>
-              </a:rPr>
-              <a:t>        }</a:t>
-            </a:r>
-          </a:p>
-          <a:p>
-            <a:pPr marL="0" indent="0">
-              <a:spcBef>
-                <a:spcPts val="0"/>
-              </a:spcBef>
-              <a:buNone/>
-            </a:pPr>
-            <a:r>
-              <a:rPr lang="en-US" sz="1400" noProof="0" dirty="0">
-                <a:solidFill>
-                  <a:srgbClr val="FF00FF"/>
-                </a:solidFill>
-                <a:latin typeface="Consolas" panose="020B0609020204030204" pitchFamily="49" charset="0"/>
-                <a:cs typeface="Consolas" panose="020B0609020204030204" pitchFamily="49" charset="0"/>
-              </a:rPr>
-              <a:t>      }, {</a:t>
-            </a:r>
-          </a:p>
-          <a:p>
-            <a:pPr marL="0" indent="0">
-              <a:spcBef>
-                <a:spcPts val="0"/>
-              </a:spcBef>
-              <a:buNone/>
-            </a:pPr>
-            <a:r>
-              <a:rPr lang="en-US" sz="1400" noProof="0" dirty="0">
-                <a:solidFill>
-                  <a:srgbClr val="FF00FF"/>
-                </a:solidFill>
-                <a:latin typeface="Consolas" panose="020B0609020204030204" pitchFamily="49" charset="0"/>
-                <a:cs typeface="Consolas" panose="020B0609020204030204" pitchFamily="49" charset="0"/>
-              </a:rPr>
-              <a:t>        "name": "duration",</a:t>
-            </a:r>
-          </a:p>
-          <a:p>
-            <a:pPr marL="0" indent="0">
-              <a:spcBef>
-                <a:spcPts val="0"/>
-              </a:spcBef>
-              <a:buNone/>
-            </a:pPr>
-            <a:r>
-              <a:rPr lang="en-US" sz="1400" noProof="0" dirty="0">
-                <a:solidFill>
-                  <a:srgbClr val="FF00FF"/>
-                </a:solidFill>
-                <a:latin typeface="Consolas" panose="020B0609020204030204" pitchFamily="49" charset="0"/>
-                <a:cs typeface="Consolas" panose="020B0609020204030204" pitchFamily="49" charset="0"/>
-              </a:rPr>
-              <a:t>        "schema": { "type": "number" }</a:t>
-            </a:r>
-          </a:p>
-          <a:p>
-            <a:pPr marL="0" indent="0">
-              <a:spcBef>
-                <a:spcPts val="0"/>
-              </a:spcBef>
-              <a:buNone/>
-            </a:pPr>
-            <a:r>
-              <a:rPr lang="en-US" sz="1400" noProof="0" dirty="0">
-                <a:solidFill>
-                  <a:srgbClr val="FF00FF"/>
-                </a:solidFill>
-                <a:latin typeface="Consolas" panose="020B0609020204030204" pitchFamily="49" charset="0"/>
-                <a:cs typeface="Consolas" panose="020B0609020204030204" pitchFamily="49" charset="0"/>
-              </a:rPr>
-              <a:t>      }]</a:t>
-            </a:r>
-          </a:p>
-          <a:p>
-            <a:pPr marL="0" indent="0">
-              <a:spcBef>
-                <a:spcPts val="0"/>
-              </a:spcBef>
-              <a:buNone/>
-            </a:pPr>
-            <a:r>
-              <a:rPr lang="en-US" sz="1400" noProof="0" dirty="0">
-                <a:latin typeface="Consolas" panose="020B0609020204030204" pitchFamily="49" charset="0"/>
-                <a:cs typeface="Consolas" panose="020B0609020204030204" pitchFamily="49" charset="0"/>
-              </a:rPr>
-              <a:t>    },</a:t>
-            </a:r>
-          </a:p>
-          <a:p>
-            <a:pPr marL="0" indent="0">
-              <a:spcBef>
-                <a:spcPts val="0"/>
-              </a:spcBef>
-              <a:buNone/>
-            </a:pPr>
-            <a:r>
-              <a:rPr lang="en-US" sz="1400" noProof="0" dirty="0">
-                <a:latin typeface="Consolas" panose="020B0609020204030204" pitchFamily="49" charset="0"/>
-                <a:cs typeface="Consolas" panose="020B0609020204030204" pitchFamily="49" charset="0"/>
-              </a:rPr>
-              <a:t>    "forms": [{ "</a:t>
-            </a:r>
-            <a:r>
-              <a:rPr lang="en-US" sz="1400" noProof="0" dirty="0" err="1">
-                <a:latin typeface="Consolas" panose="020B0609020204030204" pitchFamily="49" charset="0"/>
-                <a:cs typeface="Consolas" panose="020B0609020204030204" pitchFamily="49" charset="0"/>
-              </a:rPr>
-              <a:t>href</a:t>
-            </a:r>
-            <a:r>
-              <a:rPr lang="en-US" sz="1400" noProof="0" dirty="0">
-                <a:latin typeface="Consolas" panose="020B0609020204030204" pitchFamily="49" charset="0"/>
-                <a:cs typeface="Consolas" panose="020B0609020204030204" pitchFamily="49" charset="0"/>
-              </a:rPr>
-              <a:t>": "/things/lamp/actions/fade" }]</a:t>
-            </a:r>
-          </a:p>
-          <a:p>
-            <a:pPr marL="0" indent="0">
-              <a:spcBef>
-                <a:spcPts val="0"/>
-              </a:spcBef>
-              <a:buNone/>
-            </a:pPr>
-            <a:r>
-              <a:rPr lang="en-US" sz="1400" noProof="0" dirty="0">
-                <a:latin typeface="Consolas" panose="020B0609020204030204" pitchFamily="49" charset="0"/>
-                <a:cs typeface="Consolas" panose="020B0609020204030204" pitchFamily="49" charset="0"/>
-              </a:rPr>
-              <a:t>  }, {</a:t>
-            </a:r>
-          </a:p>
-          <a:p>
-            <a:pPr marL="0" indent="0">
-              <a:spcBef>
-                <a:spcPts val="0"/>
-              </a:spcBef>
-              <a:buNone/>
-            </a:pPr>
-            <a:r>
-              <a:rPr lang="en-US" sz="1400" noProof="0" dirty="0">
-                <a:latin typeface="Consolas" panose="020B0609020204030204" pitchFamily="49" charset="0"/>
-                <a:cs typeface="Consolas" panose="020B0609020204030204" pitchFamily="49" charset="0"/>
-              </a:rPr>
-              <a:t>    "@type": "Event",</a:t>
-            </a:r>
-          </a:p>
-          <a:p>
-            <a:pPr marL="0" indent="0">
-              <a:spcBef>
-                <a:spcPts val="0"/>
-              </a:spcBef>
-              <a:buNone/>
-            </a:pPr>
-            <a:r>
-              <a:rPr lang="en-US" sz="1400" noProof="0" dirty="0">
-                <a:latin typeface="Consolas" panose="020B0609020204030204" pitchFamily="49" charset="0"/>
-                <a:cs typeface="Consolas" panose="020B0609020204030204" pitchFamily="49" charset="0"/>
-              </a:rPr>
-              <a:t>    "name": "overheated",</a:t>
-            </a:r>
-          </a:p>
-          <a:p>
-            <a:pPr marL="0" indent="0">
-              <a:spcBef>
-                <a:spcPts val="0"/>
-              </a:spcBef>
-              <a:buNone/>
-            </a:pPr>
-            <a:r>
-              <a:rPr lang="en-US" sz="1400" noProof="0" dirty="0">
-                <a:latin typeface="Consolas" panose="020B0609020204030204" pitchFamily="49" charset="0"/>
-                <a:cs typeface="Consolas" panose="020B0609020204030204" pitchFamily="49" charset="0"/>
-              </a:rPr>
-              <a:t>    "schema": {</a:t>
-            </a:r>
-          </a:p>
-          <a:p>
-            <a:pPr marL="0" indent="0">
-              <a:spcBef>
-                <a:spcPts val="0"/>
-              </a:spcBef>
-              <a:buNone/>
-            </a:pPr>
-            <a:r>
-              <a:rPr lang="en-US" sz="1400" noProof="0" dirty="0">
-                <a:latin typeface="Consolas" panose="020B0609020204030204" pitchFamily="49" charset="0"/>
-                <a:cs typeface="Consolas" panose="020B0609020204030204" pitchFamily="49" charset="0"/>
-              </a:rPr>
-              <a:t>      "type": "object",</a:t>
-            </a:r>
-          </a:p>
-          <a:p>
-            <a:pPr marL="0" indent="0">
-              <a:spcBef>
-                <a:spcPts val="0"/>
-              </a:spcBef>
-              <a:buNone/>
-            </a:pPr>
-            <a:r>
-              <a:rPr lang="en-US" sz="1400" noProof="0" dirty="0">
-                <a:latin typeface="Consolas" panose="020B0609020204030204" pitchFamily="49" charset="0"/>
-                <a:cs typeface="Consolas" panose="020B0609020204030204" pitchFamily="49" charset="0"/>
-              </a:rPr>
-              <a:t>      "fields": [{</a:t>
-            </a:r>
-          </a:p>
-          <a:p>
-            <a:pPr marL="0" indent="0">
-              <a:spcBef>
-                <a:spcPts val="0"/>
-              </a:spcBef>
-              <a:buNone/>
-            </a:pPr>
-            <a:r>
-              <a:rPr lang="en-US" sz="1400" noProof="0" dirty="0">
-                <a:latin typeface="Consolas" panose="020B0609020204030204" pitchFamily="49" charset="0"/>
-                <a:cs typeface="Consolas" panose="020B0609020204030204" pitchFamily="49" charset="0"/>
-              </a:rPr>
-              <a:t>        "name": "temperature",</a:t>
-            </a:r>
-          </a:p>
-          <a:p>
-            <a:pPr marL="0" indent="0">
-              <a:spcBef>
-                <a:spcPts val="0"/>
-              </a:spcBef>
-              <a:buNone/>
-            </a:pPr>
-            <a:r>
-              <a:rPr lang="en-US" sz="1400" noProof="0" dirty="0">
-                <a:latin typeface="Consolas" panose="020B0609020204030204" pitchFamily="49" charset="0"/>
-                <a:cs typeface="Consolas" panose="020B0609020204030204" pitchFamily="49" charset="0"/>
-              </a:rPr>
-              <a:t>        "schema": { "type": "number" }</a:t>
-            </a:r>
-          </a:p>
-          <a:p>
-            <a:pPr marL="0" indent="0">
-              <a:spcBef>
-                <a:spcPts val="0"/>
-              </a:spcBef>
-              <a:buNone/>
-            </a:pPr>
-            <a:r>
-              <a:rPr lang="en-US" sz="1400" noProof="0" dirty="0">
-                <a:latin typeface="Consolas" panose="020B0609020204030204" pitchFamily="49" charset="0"/>
-                <a:cs typeface="Consolas" panose="020B0609020204030204" pitchFamily="49" charset="0"/>
-              </a:rPr>
-              <a:t>      }]</a:t>
-            </a:r>
-          </a:p>
-          <a:p>
-            <a:pPr marL="0" indent="0">
-              <a:spcBef>
-                <a:spcPts val="0"/>
-              </a:spcBef>
-              <a:buNone/>
-            </a:pPr>
-            <a:r>
-              <a:rPr lang="en-US" sz="1400" noProof="0" dirty="0">
-                <a:latin typeface="Consolas" panose="020B0609020204030204" pitchFamily="49" charset="0"/>
-                <a:cs typeface="Consolas" panose="020B0609020204030204" pitchFamily="49" charset="0"/>
-              </a:rPr>
-              <a:t>    },</a:t>
-            </a:r>
-          </a:p>
-          <a:p>
-            <a:pPr marL="0" indent="0">
-              <a:spcBef>
-                <a:spcPts val="0"/>
-              </a:spcBef>
-              <a:buNone/>
-            </a:pPr>
-            <a:r>
-              <a:rPr lang="en-US" sz="1400" noProof="0" dirty="0">
-                <a:latin typeface="Consolas" panose="020B0609020204030204" pitchFamily="49" charset="0"/>
-                <a:cs typeface="Consolas" panose="020B0609020204030204" pitchFamily="49" charset="0"/>
-              </a:rPr>
-              <a:t>    "forms": [{ "</a:t>
-            </a:r>
-            <a:r>
-              <a:rPr lang="en-US" sz="1400" noProof="0" dirty="0" err="1">
-                <a:latin typeface="Consolas" panose="020B0609020204030204" pitchFamily="49" charset="0"/>
-                <a:cs typeface="Consolas" panose="020B0609020204030204" pitchFamily="49" charset="0"/>
-              </a:rPr>
-              <a:t>href</a:t>
-            </a:r>
-            <a:r>
-              <a:rPr lang="en-US" sz="1400" noProof="0" dirty="0">
-                <a:latin typeface="Consolas" panose="020B0609020204030204" pitchFamily="49" charset="0"/>
-                <a:cs typeface="Consolas" panose="020B0609020204030204" pitchFamily="49" charset="0"/>
-              </a:rPr>
-              <a:t>": "/things/lamp/events/overheated" }]</a:t>
-            </a:r>
-          </a:p>
-          <a:p>
-            <a:pPr marL="0" indent="0">
-              <a:spcBef>
-                <a:spcPts val="0"/>
-              </a:spcBef>
-              <a:buNone/>
-            </a:pPr>
-            <a:r>
-              <a:rPr lang="en-US" sz="1400" noProof="0" dirty="0">
-                <a:latin typeface="Consolas" panose="020B0609020204030204" pitchFamily="49" charset="0"/>
-                <a:cs typeface="Consolas" panose="020B0609020204030204" pitchFamily="49" charset="0"/>
-              </a:rPr>
-              <a:t>  }],</a:t>
-            </a:r>
-          </a:p>
-          <a:p>
-            <a:pPr marL="0" indent="0">
-              <a:spcBef>
-                <a:spcPts val="0"/>
-              </a:spcBef>
-              <a:buNone/>
-            </a:pPr>
-            <a:r>
-              <a:rPr lang="en-US" sz="1400" noProof="0" dirty="0">
-                <a:latin typeface="Consolas" panose="020B0609020204030204" pitchFamily="49" charset="0"/>
-                <a:cs typeface="Consolas" panose="020B0609020204030204" pitchFamily="49" charset="0"/>
-              </a:rPr>
-              <a:t>  "links": [{</a:t>
-            </a:r>
-          </a:p>
-          <a:p>
-            <a:pPr marL="0" indent="0">
-              <a:spcBef>
-                <a:spcPts val="0"/>
-              </a:spcBef>
-              <a:buNone/>
-            </a:pPr>
-            <a:r>
-              <a:rPr lang="en-US" sz="1400" noProof="0" dirty="0">
-                <a:latin typeface="Consolas" panose="020B0609020204030204" pitchFamily="49" charset="0"/>
-                <a:cs typeface="Consolas" panose="020B0609020204030204" pitchFamily="49" charset="0"/>
-              </a:rPr>
-              <a:t>    "</a:t>
-            </a:r>
-            <a:r>
-              <a:rPr lang="en-US" sz="1400" noProof="0" dirty="0" err="1">
-                <a:latin typeface="Consolas" panose="020B0609020204030204" pitchFamily="49" charset="0"/>
-                <a:cs typeface="Consolas" panose="020B0609020204030204" pitchFamily="49" charset="0"/>
-              </a:rPr>
-              <a:t>href</a:t>
-            </a:r>
-            <a:r>
-              <a:rPr lang="en-US" sz="1400" noProof="0" dirty="0">
-                <a:latin typeface="Consolas" panose="020B0609020204030204" pitchFamily="49" charset="0"/>
-                <a:cs typeface="Consolas" panose="020B0609020204030204" pitchFamily="49" charset="0"/>
-              </a:rPr>
-              <a:t>": "https://servient.example.com/things/motion-detector",</a:t>
-            </a:r>
-          </a:p>
-          <a:p>
-            <a:pPr marL="0" indent="0">
-              <a:spcBef>
-                <a:spcPts val="0"/>
-              </a:spcBef>
-              <a:buNone/>
-            </a:pPr>
-            <a:r>
-              <a:rPr lang="en-US" sz="1400" noProof="0" dirty="0">
-                <a:latin typeface="Consolas" panose="020B0609020204030204" pitchFamily="49" charset="0"/>
-                <a:cs typeface="Consolas" panose="020B0609020204030204" pitchFamily="49" charset="0"/>
-              </a:rPr>
-              <a:t>    "</a:t>
-            </a:r>
-            <a:r>
-              <a:rPr lang="en-US" sz="1400" noProof="0" dirty="0" err="1">
-                <a:latin typeface="Consolas" panose="020B0609020204030204" pitchFamily="49" charset="0"/>
-                <a:cs typeface="Consolas" panose="020B0609020204030204" pitchFamily="49" charset="0"/>
-              </a:rPr>
-              <a:t>rel</a:t>
-            </a:r>
-            <a:r>
-              <a:rPr lang="en-US" sz="1400" noProof="0" dirty="0">
-                <a:latin typeface="Consolas" panose="020B0609020204030204" pitchFamily="49" charset="0"/>
-                <a:cs typeface="Consolas" panose="020B0609020204030204" pitchFamily="49" charset="0"/>
-              </a:rPr>
-              <a:t>": "</a:t>
-            </a:r>
-            <a:r>
-              <a:rPr lang="en-US" sz="1400" noProof="0" dirty="0" err="1">
-                <a:latin typeface="Consolas" panose="020B0609020204030204" pitchFamily="49" charset="0"/>
-                <a:cs typeface="Consolas" panose="020B0609020204030204" pitchFamily="49" charset="0"/>
-              </a:rPr>
-              <a:t>controlledBy</a:t>
-            </a:r>
-            <a:r>
-              <a:rPr lang="en-US" sz="1400" noProof="0" dirty="0">
-                <a:latin typeface="Consolas" panose="020B0609020204030204" pitchFamily="49" charset="0"/>
-                <a:cs typeface="Consolas" panose="020B0609020204030204" pitchFamily="49" charset="0"/>
-              </a:rPr>
-              <a:t>",</a:t>
-            </a:r>
-          </a:p>
-          <a:p>
-            <a:pPr marL="0" indent="0">
-              <a:spcBef>
-                <a:spcPts val="0"/>
-              </a:spcBef>
-              <a:buNone/>
-            </a:pPr>
-            <a:r>
-              <a:rPr lang="en-US" sz="1400" noProof="0" dirty="0">
-                <a:latin typeface="Consolas" panose="020B0609020204030204" pitchFamily="49" charset="0"/>
-                <a:cs typeface="Consolas" panose="020B0609020204030204" pitchFamily="49" charset="0"/>
-              </a:rPr>
-              <a:t>    "</a:t>
-            </a:r>
-            <a:r>
-              <a:rPr lang="en-US" sz="1400" noProof="0" dirty="0" err="1">
-                <a:latin typeface="Consolas" panose="020B0609020204030204" pitchFamily="49" charset="0"/>
-                <a:cs typeface="Consolas" panose="020B0609020204030204" pitchFamily="49" charset="0"/>
-              </a:rPr>
-              <a:t>mediaType</a:t>
-            </a:r>
-            <a:r>
-              <a:rPr lang="en-US" sz="1400" noProof="0" dirty="0">
-                <a:latin typeface="Consolas" panose="020B0609020204030204" pitchFamily="49" charset="0"/>
-                <a:cs typeface="Consolas" panose="020B0609020204030204" pitchFamily="49" charset="0"/>
-              </a:rPr>
-              <a:t>": "application/td"</a:t>
-            </a:r>
-          </a:p>
-          <a:p>
-            <a:pPr marL="0" indent="0">
-              <a:spcBef>
-                <a:spcPts val="0"/>
-              </a:spcBef>
-              <a:buNone/>
-            </a:pPr>
-            <a:r>
-              <a:rPr lang="en-US" sz="1400" noProof="0" dirty="0">
-                <a:latin typeface="Consolas" panose="020B0609020204030204" pitchFamily="49" charset="0"/>
-                <a:cs typeface="Consolas" panose="020B0609020204030204" pitchFamily="49" charset="0"/>
-              </a:rPr>
-              <a:t>  }]</a:t>
-            </a:r>
-          </a:p>
-          <a:p>
-            <a:pPr marL="0" indent="0">
-              <a:spcBef>
-                <a:spcPts val="0"/>
-              </a:spcBef>
-              <a:buNone/>
-            </a:pPr>
-            <a:r>
-              <a:rPr lang="en-US" sz="1400" noProof="0" dirty="0">
-                <a:latin typeface="Consolas" panose="020B0609020204030204" pitchFamily="49" charset="0"/>
-                <a:cs typeface="Consolas" panose="020B0609020204030204" pitchFamily="49" charset="0"/>
-              </a:rPr>
-              <a:t>}</a:t>
-            </a:r>
-          </a:p>
         </p:txBody>
       </p:sp>
       <p:sp>
@@ -21848,18 +20723,11 @@
               <a:t>  "id": </a:t>
             </a:r>
             <a:r>
-              <a:rPr lang="en-US" sz="1400" dirty="0">
-                <a:latin typeface="Consolas" panose="020B0609020204030204" pitchFamily="49" charset="0"/>
-                <a:cs typeface="Consolas" panose="020B0609020204030204" pitchFamily="49" charset="0"/>
-              </a:rPr>
-              <a:t>"</a:t>
-            </a:r>
-            <a:r>
               <a:rPr lang="en-US" sz="1400" dirty="0" smtClean="0">
                 <a:latin typeface="Consolas" panose="020B0609020204030204" pitchFamily="49" charset="0"/>
                 <a:cs typeface="Consolas" panose="020B0609020204030204" pitchFamily="49" charset="0"/>
               </a:rPr>
-              <a:t>urn:dev:ops:32473-smartlight-4711",</a:t>
+              <a:t>"urn:dev:ops:32473-smartlight-4711",</a:t>
             </a:r>
             <a:endParaRPr lang="en-US" sz="1400" noProof="0" dirty="0" smtClean="0">
               <a:latin typeface="Consolas" panose="020B0609020204030204" pitchFamily="49" charset="0"/>
@@ -22231,28 +21099,7 @@
                 <a:latin typeface="Consolas" panose="020B0609020204030204" pitchFamily="49" charset="0"/>
                 <a:cs typeface="Consolas" panose="020B0609020204030204" pitchFamily="49" charset="0"/>
               </a:rPr>
-              <a:t>      </a:t>
-            </a:r>
-            <a:r>
-              <a:rPr lang="en-US" sz="1400" dirty="0">
-                <a:latin typeface="Consolas" panose="020B0609020204030204" pitchFamily="49" charset="0"/>
-                <a:cs typeface="Consolas" panose="020B0609020204030204" pitchFamily="49" charset="0"/>
-              </a:rPr>
-              <a:t>"</a:t>
-            </a:r>
-            <a:r>
-              <a:rPr lang="en-US" sz="1400" dirty="0" smtClean="0">
-                <a:latin typeface="Consolas" panose="020B0609020204030204" pitchFamily="49" charset="0"/>
-                <a:cs typeface="Consolas" panose="020B0609020204030204" pitchFamily="49" charset="0"/>
-              </a:rPr>
-              <a:t>writable</a:t>
-            </a:r>
-            <a:r>
-              <a:rPr lang="en-US" sz="1400" dirty="0">
-                <a:latin typeface="Consolas" panose="020B0609020204030204" pitchFamily="49" charset="0"/>
-                <a:cs typeface="Consolas" panose="020B0609020204030204" pitchFamily="49" charset="0"/>
-              </a:rPr>
-              <a:t>": true,</a:t>
+              <a:t>      "writable": true,</a:t>
             </a:r>
             <a:endParaRPr lang="en-US" sz="1400" noProof="0" dirty="0" smtClean="0">
               <a:latin typeface="Consolas" panose="020B0609020204030204" pitchFamily="49" charset="0"/>
@@ -22274,7 +21121,7 @@
               <a:t>      </a:t>
             </a:r>
             <a:r>
-              <a:rPr lang="en-US" sz="1400" b="1" dirty="0">
+              <a:rPr lang="en-US" sz="1400" b="1" dirty="0" smtClean="0">
                 <a:solidFill>
                   <a:srgbClr val="4A7B7C"/>
                 </a:solidFill>
@@ -22426,19 +21273,7 @@
               </a:spcBef>
               <a:buNone/>
             </a:pPr>
-            <a:endParaRPr lang="de-DE" sz="1400" dirty="0">
-              <a:latin typeface="Consolas" panose="020B0609020204030204" pitchFamily="49" charset="0"/>
-              <a:cs typeface="Consolas" panose="020B0609020204030204" pitchFamily="49" charset="0"/>
-            </a:endParaRPr>
-          </a:p>
-          <a:p>
-            <a:pPr marL="0" indent="0">
-              <a:spcBef>
-                <a:spcPts val="0"/>
-              </a:spcBef>
-              <a:buNone/>
-            </a:pPr>
-            <a:endParaRPr lang="de-DE" sz="1400" noProof="0" dirty="0" smtClean="0">
+            <a:endParaRPr lang="en-US" sz="1400" dirty="0" smtClean="0">
               <a:latin typeface="Consolas" panose="020B0609020204030204" pitchFamily="49" charset="0"/>
               <a:cs typeface="Consolas" panose="020B0609020204030204" pitchFamily="49" charset="0"/>
             </a:endParaRPr>
@@ -22462,991 +21297,28 @@
               </a:spcBef>
               <a:buNone/>
             </a:pPr>
-            <a:r>
-              <a:rPr lang="en-US" sz="1400" b="1" noProof="0" dirty="0" smtClean="0">
-                <a:solidFill>
-                  <a:srgbClr val="0070C0"/>
-                </a:solidFill>
-                <a:latin typeface="Consolas" panose="020B0609020204030204" pitchFamily="49" charset="0"/>
-                <a:cs typeface="Consolas" panose="020B0609020204030204" pitchFamily="49" charset="0"/>
-              </a:rPr>
-              <a:t>  "actions": {</a:t>
-            </a:r>
-          </a:p>
-          <a:p>
-            <a:pPr marL="0" indent="0">
-              <a:spcBef>
-                <a:spcPts val="0"/>
-              </a:spcBef>
-              <a:buNone/>
-            </a:pPr>
-            <a:r>
-              <a:rPr lang="en-US" sz="1400" b="1" noProof="0" dirty="0" smtClean="0">
-                <a:solidFill>
-                  <a:srgbClr val="00B050"/>
-                </a:solidFill>
-                <a:latin typeface="Consolas" panose="020B0609020204030204" pitchFamily="49" charset="0"/>
-                <a:cs typeface="Consolas" panose="020B0609020204030204" pitchFamily="49" charset="0"/>
-              </a:rPr>
-              <a:t>    "fade": {</a:t>
-            </a:r>
-          </a:p>
-          <a:p>
-            <a:pPr marL="0" indent="0">
-              <a:spcBef>
-                <a:spcPts val="0"/>
-              </a:spcBef>
-              <a:buNone/>
-            </a:pPr>
-            <a:r>
-              <a:rPr lang="en-US" sz="1400" noProof="0" dirty="0" smtClean="0">
-                <a:latin typeface="Consolas" panose="020B0609020204030204" pitchFamily="49" charset="0"/>
-                <a:cs typeface="Consolas" panose="020B0609020204030204" pitchFamily="49" charset="0"/>
-              </a:rPr>
-              <a:t>      "input": {</a:t>
-            </a:r>
-          </a:p>
-          <a:p>
-            <a:pPr marL="0" indent="0">
-              <a:spcBef>
-                <a:spcPts val="0"/>
-              </a:spcBef>
-              <a:buNone/>
-            </a:pPr>
-            <a:r>
-              <a:rPr lang="en-US" sz="1400" noProof="0" dirty="0" smtClean="0">
-                <a:solidFill>
-                  <a:srgbClr val="FF00FF"/>
-                </a:solidFill>
-                <a:latin typeface="Consolas" panose="020B0609020204030204" pitchFamily="49" charset="0"/>
-                <a:cs typeface="Consolas" panose="020B0609020204030204" pitchFamily="49" charset="0"/>
-              </a:rPr>
-              <a:t>        "type": "object",</a:t>
-            </a:r>
-          </a:p>
-          <a:p>
-            <a:pPr marL="0" indent="0">
-              <a:spcBef>
-                <a:spcPts val="0"/>
-              </a:spcBef>
-              <a:buNone/>
-            </a:pPr>
-            <a:r>
-              <a:rPr lang="en-US" sz="1400" noProof="0" dirty="0" smtClean="0">
-                <a:solidFill>
-                  <a:srgbClr val="FF00FF"/>
-                </a:solidFill>
-                <a:latin typeface="Consolas" panose="020B0609020204030204" pitchFamily="49" charset="0"/>
-                <a:cs typeface="Consolas" panose="020B0609020204030204" pitchFamily="49" charset="0"/>
-              </a:rPr>
-              <a:t>        "properties": {</a:t>
-            </a:r>
-          </a:p>
-          <a:p>
-            <a:pPr marL="0" indent="0">
-              <a:spcBef>
-                <a:spcPts val="0"/>
-              </a:spcBef>
-              <a:buNone/>
-            </a:pPr>
-            <a:r>
-              <a:rPr lang="en-US" sz="1400" noProof="0" dirty="0" smtClean="0">
-                <a:solidFill>
-                  <a:srgbClr val="FF00FF"/>
-                </a:solidFill>
-                <a:latin typeface="Consolas" panose="020B0609020204030204" pitchFamily="49" charset="0"/>
-                <a:cs typeface="Consolas" panose="020B0609020204030204" pitchFamily="49" charset="0"/>
-              </a:rPr>
-              <a:t>          "from": {</a:t>
-            </a:r>
-          </a:p>
-          <a:p>
-            <a:pPr marL="0" indent="0">
-              <a:spcBef>
-                <a:spcPts val="0"/>
-              </a:spcBef>
-              <a:buNone/>
-            </a:pPr>
-            <a:r>
-              <a:rPr lang="en-US" sz="1400" noProof="0" dirty="0" smtClean="0">
-                <a:solidFill>
-                  <a:srgbClr val="FF00FF"/>
-                </a:solidFill>
-                <a:latin typeface="Consolas" panose="020B0609020204030204" pitchFamily="49" charset="0"/>
-                <a:cs typeface="Consolas" panose="020B0609020204030204" pitchFamily="49" charset="0"/>
-              </a:rPr>
-              <a:t>            "type": "integer",</a:t>
-            </a:r>
-          </a:p>
-          <a:p>
-            <a:pPr marL="0" indent="0">
-              <a:spcBef>
-                <a:spcPts val="0"/>
-              </a:spcBef>
-              <a:buNone/>
-            </a:pPr>
-            <a:r>
-              <a:rPr lang="en-US" sz="1400" noProof="0" dirty="0" smtClean="0">
-                <a:solidFill>
-                  <a:srgbClr val="FF00FF"/>
-                </a:solidFill>
-                <a:latin typeface="Consolas" panose="020B0609020204030204" pitchFamily="49" charset="0"/>
-                <a:cs typeface="Consolas" panose="020B0609020204030204" pitchFamily="49" charset="0"/>
-              </a:rPr>
-              <a:t>            "minimum": 0,</a:t>
-            </a:r>
-          </a:p>
-          <a:p>
-            <a:pPr marL="0" indent="0">
-              <a:spcBef>
-                <a:spcPts val="0"/>
-              </a:spcBef>
-              <a:buNone/>
-            </a:pPr>
-            <a:r>
-              <a:rPr lang="en-US" sz="1400" noProof="0" dirty="0" smtClean="0">
-                <a:solidFill>
-                  <a:srgbClr val="FF00FF"/>
-                </a:solidFill>
-                <a:latin typeface="Consolas" panose="020B0609020204030204" pitchFamily="49" charset="0"/>
-                <a:cs typeface="Consolas" panose="020B0609020204030204" pitchFamily="49" charset="0"/>
-              </a:rPr>
-              <a:t>            "maximum": 100</a:t>
-            </a:r>
-          </a:p>
-          <a:p>
-            <a:pPr marL="0" indent="0">
-              <a:spcBef>
-                <a:spcPts val="0"/>
-              </a:spcBef>
-              <a:buNone/>
-            </a:pPr>
-            <a:r>
-              <a:rPr lang="en-US" sz="1400" noProof="0" dirty="0" smtClean="0">
-                <a:solidFill>
-                  <a:srgbClr val="FF00FF"/>
-                </a:solidFill>
-                <a:latin typeface="Consolas" panose="020B0609020204030204" pitchFamily="49" charset="0"/>
-                <a:cs typeface="Consolas" panose="020B0609020204030204" pitchFamily="49" charset="0"/>
-              </a:rPr>
-              <a:t>          },</a:t>
-            </a:r>
-          </a:p>
-          <a:p>
-            <a:pPr marL="0" indent="0">
-              <a:spcBef>
-                <a:spcPts val="0"/>
-              </a:spcBef>
-              <a:buNone/>
-            </a:pPr>
-            <a:r>
-              <a:rPr lang="en-US" sz="1400" noProof="0" dirty="0" smtClean="0">
-                <a:solidFill>
-                  <a:srgbClr val="FF00FF"/>
-                </a:solidFill>
-                <a:latin typeface="Consolas" panose="020B0609020204030204" pitchFamily="49" charset="0"/>
-                <a:cs typeface="Consolas" panose="020B0609020204030204" pitchFamily="49" charset="0"/>
-              </a:rPr>
-              <a:t>          "to": {</a:t>
-            </a:r>
-          </a:p>
-          <a:p>
-            <a:pPr marL="0" indent="0">
-              <a:spcBef>
-                <a:spcPts val="0"/>
-              </a:spcBef>
-              <a:buNone/>
-            </a:pPr>
-            <a:r>
-              <a:rPr lang="en-US" sz="1400" noProof="0" dirty="0" smtClean="0">
-                <a:solidFill>
-                  <a:srgbClr val="FF00FF"/>
-                </a:solidFill>
-                <a:latin typeface="Consolas" panose="020B0609020204030204" pitchFamily="49" charset="0"/>
-                <a:cs typeface="Consolas" panose="020B0609020204030204" pitchFamily="49" charset="0"/>
-              </a:rPr>
-              <a:t>            "type": "integer",</a:t>
-            </a:r>
-          </a:p>
-          <a:p>
-            <a:pPr marL="0" indent="0">
-              <a:spcBef>
-                <a:spcPts val="0"/>
-              </a:spcBef>
-              <a:buNone/>
-            </a:pPr>
-            <a:r>
-              <a:rPr lang="en-US" sz="1400" noProof="0" dirty="0" smtClean="0">
-                <a:solidFill>
-                  <a:srgbClr val="FF00FF"/>
-                </a:solidFill>
-                <a:latin typeface="Consolas" panose="020B0609020204030204" pitchFamily="49" charset="0"/>
-                <a:cs typeface="Consolas" panose="020B0609020204030204" pitchFamily="49" charset="0"/>
-              </a:rPr>
-              <a:t>            "minimum": 0,</a:t>
-            </a:r>
-          </a:p>
-          <a:p>
-            <a:pPr marL="0" indent="0">
-              <a:spcBef>
-                <a:spcPts val="0"/>
-              </a:spcBef>
-              <a:buNone/>
-            </a:pPr>
-            <a:r>
-              <a:rPr lang="en-US" sz="1400" noProof="0" dirty="0" smtClean="0">
-                <a:solidFill>
-                  <a:srgbClr val="FF00FF"/>
-                </a:solidFill>
-                <a:latin typeface="Consolas" panose="020B0609020204030204" pitchFamily="49" charset="0"/>
-                <a:cs typeface="Consolas" panose="020B0609020204030204" pitchFamily="49" charset="0"/>
-              </a:rPr>
-              <a:t>            "maximum": 100</a:t>
-            </a:r>
-          </a:p>
-          <a:p>
-            <a:pPr marL="0" indent="0">
-              <a:spcBef>
-                <a:spcPts val="0"/>
-              </a:spcBef>
-              <a:buNone/>
-            </a:pPr>
-            <a:r>
-              <a:rPr lang="en-US" sz="1400" noProof="0" dirty="0" smtClean="0">
-                <a:solidFill>
-                  <a:srgbClr val="FF00FF"/>
-                </a:solidFill>
-                <a:latin typeface="Consolas" panose="020B0609020204030204" pitchFamily="49" charset="0"/>
-                <a:cs typeface="Consolas" panose="020B0609020204030204" pitchFamily="49" charset="0"/>
-              </a:rPr>
-              <a:t>          },</a:t>
-            </a:r>
-          </a:p>
-          <a:p>
-            <a:pPr marL="0" indent="0">
-              <a:spcBef>
-                <a:spcPts val="0"/>
-              </a:spcBef>
-              <a:buNone/>
-            </a:pPr>
-            <a:r>
-              <a:rPr lang="en-US" sz="1400" noProof="0" dirty="0" smtClean="0">
-                <a:solidFill>
-                  <a:srgbClr val="FF00FF"/>
-                </a:solidFill>
-                <a:latin typeface="Consolas" panose="020B0609020204030204" pitchFamily="49" charset="0"/>
-                <a:cs typeface="Consolas" panose="020B0609020204030204" pitchFamily="49" charset="0"/>
-              </a:rPr>
-              <a:t>          "duration": { "type": "number" }</a:t>
-            </a:r>
-          </a:p>
-          <a:p>
-            <a:pPr marL="0" indent="0">
-              <a:spcBef>
-                <a:spcPts val="0"/>
-              </a:spcBef>
-              <a:buNone/>
-            </a:pPr>
-            <a:r>
-              <a:rPr lang="en-US" sz="1400" noProof="0" dirty="0" smtClean="0">
-                <a:latin typeface="Consolas" panose="020B0609020204030204" pitchFamily="49" charset="0"/>
-                <a:cs typeface="Consolas" panose="020B0609020204030204" pitchFamily="49" charset="0"/>
-              </a:rPr>
-              <a:t>        }</a:t>
-            </a:r>
-          </a:p>
-          <a:p>
-            <a:pPr marL="0" indent="0">
-              <a:spcBef>
-                <a:spcPts val="0"/>
-              </a:spcBef>
-              <a:buNone/>
-            </a:pPr>
-            <a:r>
-              <a:rPr lang="en-US" sz="1400" noProof="0" dirty="0" smtClean="0">
-                <a:latin typeface="Consolas" panose="020B0609020204030204" pitchFamily="49" charset="0"/>
-                <a:cs typeface="Consolas" panose="020B0609020204030204" pitchFamily="49" charset="0"/>
-              </a:rPr>
-              <a:t>      },</a:t>
-            </a:r>
-          </a:p>
-          <a:p>
-            <a:pPr marL="0" indent="0">
-              <a:spcBef>
-                <a:spcPts val="0"/>
-              </a:spcBef>
-              <a:buNone/>
-            </a:pPr>
-            <a:r>
-              <a:rPr lang="en-US" sz="1400" noProof="0" dirty="0" smtClean="0">
-                <a:latin typeface="Consolas" panose="020B0609020204030204" pitchFamily="49" charset="0"/>
-                <a:cs typeface="Consolas" panose="020B0609020204030204" pitchFamily="49" charset="0"/>
-              </a:rPr>
-              <a:t>      "forms": [{</a:t>
-            </a:r>
-          </a:p>
-          <a:p>
-            <a:pPr marL="0" indent="0">
-              <a:spcBef>
-                <a:spcPts val="0"/>
-              </a:spcBef>
-              <a:buNone/>
-            </a:pPr>
-            <a:r>
-              <a:rPr lang="en-US" sz="1400" noProof="0" dirty="0" smtClean="0">
-                <a:latin typeface="Consolas" panose="020B0609020204030204" pitchFamily="49" charset="0"/>
-                <a:cs typeface="Consolas" panose="020B0609020204030204" pitchFamily="49" charset="0"/>
-              </a:rPr>
-              <a:t>        "</a:t>
-            </a:r>
-            <a:r>
-              <a:rPr lang="en-US" sz="1400" noProof="0" dirty="0" err="1" smtClean="0">
-                <a:latin typeface="Consolas" panose="020B0609020204030204" pitchFamily="49" charset="0"/>
-                <a:cs typeface="Consolas" panose="020B0609020204030204" pitchFamily="49" charset="0"/>
-              </a:rPr>
-              <a:t>href</a:t>
-            </a:r>
-            <a:r>
-              <a:rPr lang="en-US" sz="1400" noProof="0" dirty="0" smtClean="0">
-                <a:latin typeface="Consolas" panose="020B0609020204030204" pitchFamily="49" charset="0"/>
-                <a:cs typeface="Consolas" panose="020B0609020204030204" pitchFamily="49" charset="0"/>
-              </a:rPr>
-              <a:t>": "/things/lamp/actions/fade",</a:t>
-            </a:r>
-          </a:p>
-          <a:p>
-            <a:pPr marL="0" indent="0">
-              <a:spcBef>
-                <a:spcPts val="0"/>
-              </a:spcBef>
-              <a:buNone/>
-            </a:pPr>
-            <a:r>
-              <a:rPr lang="en-US" sz="1400" noProof="0" dirty="0" smtClean="0">
-                <a:latin typeface="Consolas" panose="020B0609020204030204" pitchFamily="49" charset="0"/>
-                <a:cs typeface="Consolas" panose="020B0609020204030204" pitchFamily="49" charset="0"/>
-              </a:rPr>
-              <a:t>        /* </a:t>
-            </a:r>
-            <a:r>
-              <a:rPr lang="en-US" sz="1400" noProof="0" dirty="0" err="1" smtClean="0">
-                <a:latin typeface="Consolas" panose="020B0609020204030204" pitchFamily="49" charset="0"/>
-                <a:cs typeface="Consolas" panose="020B0609020204030204" pitchFamily="49" charset="0"/>
-              </a:rPr>
-              <a:t>encType</a:t>
-            </a:r>
-            <a:r>
-              <a:rPr lang="en-US" sz="1400" noProof="0" dirty="0" smtClean="0">
-                <a:latin typeface="Consolas" panose="020B0609020204030204" pitchFamily="49" charset="0"/>
-                <a:cs typeface="Consolas" panose="020B0609020204030204" pitchFamily="49" charset="0"/>
-              </a:rPr>
-              <a:t> would be for the request body</a:t>
-            </a:r>
-          </a:p>
-          <a:p>
-            <a:pPr marL="0" indent="0">
-              <a:spcBef>
-                <a:spcPts val="0"/>
-              </a:spcBef>
-              <a:buNone/>
-            </a:pPr>
-            <a:r>
-              <a:rPr lang="en-US" sz="1400" noProof="0" dirty="0" smtClean="0">
-                <a:latin typeface="Consolas" panose="020B0609020204030204" pitchFamily="49" charset="0"/>
-                <a:cs typeface="Consolas" panose="020B0609020204030204" pitchFamily="49" charset="0"/>
-              </a:rPr>
-              <a:t>           opposed to </a:t>
-            </a:r>
-            <a:r>
-              <a:rPr lang="en-US" sz="1400" noProof="0" dirty="0" err="1" smtClean="0">
-                <a:latin typeface="Consolas" panose="020B0609020204030204" pitchFamily="49" charset="0"/>
-                <a:cs typeface="Consolas" panose="020B0609020204030204" pitchFamily="49" charset="0"/>
-              </a:rPr>
-              <a:t>mediaType</a:t>
-            </a:r>
-            <a:r>
-              <a:rPr lang="en-US" sz="1400" noProof="0" dirty="0" smtClean="0">
-                <a:latin typeface="Consolas" panose="020B0609020204030204" pitchFamily="49" charset="0"/>
-                <a:cs typeface="Consolas" panose="020B0609020204030204" pitchFamily="49" charset="0"/>
-              </a:rPr>
-              <a:t>, which is for target</a:t>
-            </a:r>
-          </a:p>
-          <a:p>
-            <a:pPr marL="0" indent="0">
-              <a:spcBef>
-                <a:spcPts val="0"/>
-              </a:spcBef>
-              <a:buNone/>
-            </a:pPr>
-            <a:r>
-              <a:rPr lang="en-US" sz="1400" noProof="0" dirty="0" smtClean="0">
-                <a:latin typeface="Consolas" panose="020B0609020204030204" pitchFamily="49" charset="0"/>
-                <a:cs typeface="Consolas" panose="020B0609020204030204" pitchFamily="49" charset="0"/>
-              </a:rPr>
-              <a:t>           FIXME: can have both meanings based on context (links/forms)? */</a:t>
-            </a:r>
-          </a:p>
-          <a:p>
-            <a:pPr marL="0" indent="0">
-              <a:spcBef>
-                <a:spcPts val="0"/>
-              </a:spcBef>
-              <a:buNone/>
-            </a:pPr>
-            <a:r>
-              <a:rPr lang="en-US" sz="1400" noProof="0" dirty="0" smtClean="0">
-                <a:latin typeface="Consolas" panose="020B0609020204030204" pitchFamily="49" charset="0"/>
-                <a:cs typeface="Consolas" panose="020B0609020204030204" pitchFamily="49" charset="0"/>
-              </a:rPr>
-              <a:t>        "</a:t>
-            </a:r>
-            <a:r>
-              <a:rPr lang="en-US" sz="1400" noProof="0" dirty="0" err="1" smtClean="0">
-                <a:latin typeface="Consolas" panose="020B0609020204030204" pitchFamily="49" charset="0"/>
-                <a:cs typeface="Consolas" panose="020B0609020204030204" pitchFamily="49" charset="0"/>
-              </a:rPr>
-              <a:t>encType</a:t>
-            </a:r>
-            <a:r>
-              <a:rPr lang="en-US" sz="1400" noProof="0" dirty="0" smtClean="0">
-                <a:latin typeface="Consolas" panose="020B0609020204030204" pitchFamily="49" charset="0"/>
-                <a:cs typeface="Consolas" panose="020B0609020204030204" pitchFamily="49" charset="0"/>
-              </a:rPr>
-              <a:t>": "application/</a:t>
-            </a:r>
-            <a:r>
-              <a:rPr lang="en-US" sz="1400" noProof="0" dirty="0" err="1" smtClean="0">
-                <a:latin typeface="Consolas" panose="020B0609020204030204" pitchFamily="49" charset="0"/>
-                <a:cs typeface="Consolas" panose="020B0609020204030204" pitchFamily="49" charset="0"/>
-              </a:rPr>
-              <a:t>json</a:t>
-            </a:r>
-            <a:r>
-              <a:rPr lang="en-US" sz="1400" noProof="0" dirty="0" smtClean="0">
-                <a:latin typeface="Consolas" panose="020B0609020204030204" pitchFamily="49" charset="0"/>
-                <a:cs typeface="Consolas" panose="020B0609020204030204" pitchFamily="49" charset="0"/>
-              </a:rPr>
-              <a:t>",</a:t>
-            </a:r>
-          </a:p>
-          <a:p>
-            <a:pPr marL="0" indent="0">
-              <a:spcBef>
-                <a:spcPts val="0"/>
-              </a:spcBef>
-              <a:buNone/>
-            </a:pPr>
-            <a:r>
-              <a:rPr lang="en-US" sz="1400" noProof="0" dirty="0" smtClean="0">
-                <a:latin typeface="Consolas" panose="020B0609020204030204" pitchFamily="49" charset="0"/>
-                <a:cs typeface="Consolas" panose="020B0609020204030204" pitchFamily="49" charset="0"/>
-              </a:rPr>
-              <a:t>        "</a:t>
-            </a:r>
-            <a:r>
-              <a:rPr lang="en-US" sz="1400" noProof="0" dirty="0" err="1" smtClean="0">
-                <a:latin typeface="Consolas" panose="020B0609020204030204" pitchFamily="49" charset="0"/>
-                <a:cs typeface="Consolas" panose="020B0609020204030204" pitchFamily="49" charset="0"/>
-              </a:rPr>
-              <a:t>mediaType</a:t>
-            </a:r>
-            <a:r>
-              <a:rPr lang="en-US" sz="1400" noProof="0" dirty="0" smtClean="0">
-                <a:latin typeface="Consolas" panose="020B0609020204030204" pitchFamily="49" charset="0"/>
-                <a:cs typeface="Consolas" panose="020B0609020204030204" pitchFamily="49" charset="0"/>
-              </a:rPr>
-              <a:t>": "application/</a:t>
-            </a:r>
-            <a:r>
-              <a:rPr lang="en-US" sz="1400" noProof="0" dirty="0" err="1" smtClean="0">
-                <a:latin typeface="Consolas" panose="020B0609020204030204" pitchFamily="49" charset="0"/>
-                <a:cs typeface="Consolas" panose="020B0609020204030204" pitchFamily="49" charset="0"/>
-              </a:rPr>
-              <a:t>json</a:t>
-            </a:r>
-            <a:r>
-              <a:rPr lang="en-US" sz="1400" noProof="0" dirty="0" smtClean="0">
-                <a:latin typeface="Consolas" panose="020B0609020204030204" pitchFamily="49" charset="0"/>
-                <a:cs typeface="Consolas" panose="020B0609020204030204" pitchFamily="49" charset="0"/>
-              </a:rPr>
-              <a:t>"</a:t>
-            </a:r>
-          </a:p>
-          <a:p>
-            <a:pPr marL="0" indent="0">
-              <a:spcBef>
-                <a:spcPts val="0"/>
-              </a:spcBef>
-              <a:buNone/>
-            </a:pPr>
-            <a:r>
-              <a:rPr lang="en-US" sz="1400" noProof="0" dirty="0" smtClean="0">
-                <a:latin typeface="Consolas" panose="020B0609020204030204" pitchFamily="49" charset="0"/>
-                <a:cs typeface="Consolas" panose="020B0609020204030204" pitchFamily="49" charset="0"/>
-              </a:rPr>
-              <a:t>      }]</a:t>
-            </a:r>
-          </a:p>
-          <a:p>
-            <a:pPr marL="0" indent="0">
-              <a:spcBef>
-                <a:spcPts val="0"/>
-              </a:spcBef>
-              <a:buNone/>
-            </a:pPr>
-            <a:r>
-              <a:rPr lang="en-US" sz="1400" noProof="0" dirty="0" smtClean="0">
-                <a:latin typeface="Consolas" panose="020B0609020204030204" pitchFamily="49" charset="0"/>
-                <a:cs typeface="Consolas" panose="020B0609020204030204" pitchFamily="49" charset="0"/>
-              </a:rPr>
-              <a:t>    }</a:t>
-            </a:r>
-          </a:p>
-          <a:p>
-            <a:pPr marL="0" indent="0">
-              <a:spcBef>
-                <a:spcPts val="0"/>
-              </a:spcBef>
-              <a:buNone/>
-            </a:pPr>
-            <a:r>
-              <a:rPr lang="en-US" sz="1400" noProof="0" dirty="0" smtClean="0">
-                <a:latin typeface="Consolas" panose="020B0609020204030204" pitchFamily="49" charset="0"/>
-                <a:cs typeface="Consolas" panose="020B0609020204030204" pitchFamily="49" charset="0"/>
-              </a:rPr>
-              <a:t>  },</a:t>
-            </a:r>
-          </a:p>
-          <a:p>
-            <a:pPr marL="0" indent="0">
-              <a:spcBef>
-                <a:spcPts val="0"/>
-              </a:spcBef>
-              <a:buNone/>
-            </a:pPr>
-            <a:r>
-              <a:rPr lang="en-US" sz="1400" noProof="0" dirty="0" smtClean="0">
-                <a:latin typeface="Consolas" panose="020B0609020204030204" pitchFamily="49" charset="0"/>
-                <a:cs typeface="Consolas" panose="020B0609020204030204" pitchFamily="49" charset="0"/>
-              </a:rPr>
-              <a:t>  "events": {</a:t>
-            </a:r>
-          </a:p>
-          <a:p>
-            <a:pPr marL="0" indent="0">
-              <a:spcBef>
-                <a:spcPts val="0"/>
-              </a:spcBef>
-              <a:buNone/>
-            </a:pPr>
-            <a:r>
-              <a:rPr lang="en-US" sz="1400" noProof="0" dirty="0" smtClean="0">
-                <a:latin typeface="Consolas" panose="020B0609020204030204" pitchFamily="49" charset="0"/>
-                <a:cs typeface="Consolas" panose="020B0609020204030204" pitchFamily="49" charset="0"/>
-              </a:rPr>
-              <a:t>    "overheated": {</a:t>
-            </a:r>
-          </a:p>
-          <a:p>
-            <a:pPr marL="0" indent="0">
-              <a:spcBef>
-                <a:spcPts val="0"/>
-              </a:spcBef>
-              <a:buNone/>
-            </a:pPr>
-            <a:r>
-              <a:rPr lang="en-US" sz="1400" noProof="0" dirty="0" smtClean="0">
-                <a:latin typeface="Consolas" panose="020B0609020204030204" pitchFamily="49" charset="0"/>
-                <a:cs typeface="Consolas" panose="020B0609020204030204" pitchFamily="49" charset="0"/>
-              </a:rPr>
-              <a:t>      "type": "object",</a:t>
-            </a:r>
-          </a:p>
-          <a:p>
-            <a:pPr marL="0" indent="0">
-              <a:spcBef>
-                <a:spcPts val="0"/>
-              </a:spcBef>
-              <a:buNone/>
-            </a:pPr>
-            <a:r>
-              <a:rPr lang="en-US" sz="1400" noProof="0" dirty="0" smtClean="0">
-                <a:latin typeface="Consolas" panose="020B0609020204030204" pitchFamily="49" charset="0"/>
-                <a:cs typeface="Consolas" panose="020B0609020204030204" pitchFamily="49" charset="0"/>
-              </a:rPr>
-              <a:t>      "properties": {</a:t>
-            </a:r>
-          </a:p>
-          <a:p>
-            <a:pPr marL="0" indent="0">
-              <a:spcBef>
-                <a:spcPts val="0"/>
-              </a:spcBef>
-              <a:buNone/>
-            </a:pPr>
-            <a:r>
-              <a:rPr lang="en-US" sz="1400" noProof="0" dirty="0" smtClean="0">
-                <a:latin typeface="Consolas" panose="020B0609020204030204" pitchFamily="49" charset="0"/>
-                <a:cs typeface="Consolas" panose="020B0609020204030204" pitchFamily="49" charset="0"/>
-              </a:rPr>
-              <a:t>        "temperature": { "type": "number" }</a:t>
-            </a:r>
-          </a:p>
-          <a:p>
-            <a:pPr marL="0" indent="0">
-              <a:spcBef>
-                <a:spcPts val="0"/>
-              </a:spcBef>
-              <a:buNone/>
-            </a:pPr>
-            <a:r>
-              <a:rPr lang="en-US" sz="1400" noProof="0" dirty="0" smtClean="0">
-                <a:latin typeface="Consolas" panose="020B0609020204030204" pitchFamily="49" charset="0"/>
-                <a:cs typeface="Consolas" panose="020B0609020204030204" pitchFamily="49" charset="0"/>
-              </a:rPr>
-              <a:t>      },</a:t>
-            </a:r>
-          </a:p>
-          <a:p>
-            <a:pPr marL="0" indent="0">
-              <a:spcBef>
-                <a:spcPts val="0"/>
-              </a:spcBef>
-              <a:buNone/>
-            </a:pPr>
-            <a:r>
-              <a:rPr lang="en-US" sz="1400" noProof="0" dirty="0" smtClean="0">
-                <a:latin typeface="Consolas" panose="020B0609020204030204" pitchFamily="49" charset="0"/>
-                <a:cs typeface="Consolas" panose="020B0609020204030204" pitchFamily="49" charset="0"/>
-              </a:rPr>
-              <a:t>      "forms": [{</a:t>
-            </a:r>
-          </a:p>
-          <a:p>
-            <a:pPr marL="0" indent="0">
-              <a:spcBef>
-                <a:spcPts val="0"/>
-              </a:spcBef>
-              <a:buNone/>
-            </a:pPr>
-            <a:r>
-              <a:rPr lang="en-US" sz="1400" noProof="0" dirty="0" smtClean="0">
-                <a:latin typeface="Consolas" panose="020B0609020204030204" pitchFamily="49" charset="0"/>
-                <a:cs typeface="Consolas" panose="020B0609020204030204" pitchFamily="49" charset="0"/>
-              </a:rPr>
-              <a:t>        "</a:t>
-            </a:r>
-            <a:r>
-              <a:rPr lang="en-US" sz="1400" noProof="0" dirty="0" err="1" smtClean="0">
-                <a:latin typeface="Consolas" panose="020B0609020204030204" pitchFamily="49" charset="0"/>
-                <a:cs typeface="Consolas" panose="020B0609020204030204" pitchFamily="49" charset="0"/>
-              </a:rPr>
-              <a:t>href</a:t>
-            </a:r>
-            <a:r>
-              <a:rPr lang="en-US" sz="1400" noProof="0" dirty="0" smtClean="0">
-                <a:latin typeface="Consolas" panose="020B0609020204030204" pitchFamily="49" charset="0"/>
-                <a:cs typeface="Consolas" panose="020B0609020204030204" pitchFamily="49" charset="0"/>
-              </a:rPr>
-              <a:t>": "/things/lamp/events/overheated",</a:t>
-            </a:r>
-          </a:p>
-          <a:p>
-            <a:pPr marL="0" indent="0">
-              <a:spcBef>
-                <a:spcPts val="0"/>
-              </a:spcBef>
-              <a:buNone/>
-            </a:pPr>
-            <a:r>
-              <a:rPr lang="en-US" sz="1400" noProof="0" dirty="0" smtClean="0">
-                <a:latin typeface="Consolas" panose="020B0609020204030204" pitchFamily="49" charset="0"/>
-                <a:cs typeface="Consolas" panose="020B0609020204030204" pitchFamily="49" charset="0"/>
-              </a:rPr>
-              <a:t>        /* needed, alternative: register URI schemes "</a:t>
-            </a:r>
-            <a:r>
-              <a:rPr lang="en-US" sz="1400" noProof="0" dirty="0" err="1" smtClean="0">
-                <a:latin typeface="Consolas" panose="020B0609020204030204" pitchFamily="49" charset="0"/>
-                <a:cs typeface="Consolas" panose="020B0609020204030204" pitchFamily="49" charset="0"/>
-              </a:rPr>
-              <a:t>http+sse</a:t>
-            </a:r>
-            <a:r>
-              <a:rPr lang="en-US" sz="1400" noProof="0" dirty="0" smtClean="0">
-                <a:latin typeface="Consolas" panose="020B0609020204030204" pitchFamily="49" charset="0"/>
-                <a:cs typeface="Consolas" panose="020B0609020204030204" pitchFamily="49" charset="0"/>
-              </a:rPr>
-              <a:t>", "</a:t>
-            </a:r>
-            <a:r>
-              <a:rPr lang="en-US" sz="1400" noProof="0" dirty="0" err="1" smtClean="0">
-                <a:latin typeface="Consolas" panose="020B0609020204030204" pitchFamily="49" charset="0"/>
-                <a:cs typeface="Consolas" panose="020B0609020204030204" pitchFamily="49" charset="0"/>
-              </a:rPr>
-              <a:t>http+lp</a:t>
-            </a:r>
-            <a:r>
-              <a:rPr lang="en-US" sz="1400" noProof="0" dirty="0" smtClean="0">
-                <a:latin typeface="Consolas" panose="020B0609020204030204" pitchFamily="49" charset="0"/>
-                <a:cs typeface="Consolas" panose="020B0609020204030204" pitchFamily="49" charset="0"/>
-              </a:rPr>
-              <a:t>", ... */</a:t>
-            </a:r>
-          </a:p>
-          <a:p>
-            <a:pPr marL="0" indent="0">
-              <a:spcBef>
-                <a:spcPts val="0"/>
-              </a:spcBef>
-              <a:buNone/>
-            </a:pPr>
-            <a:r>
-              <a:rPr lang="en-US" sz="1400" noProof="0" dirty="0" smtClean="0">
-                <a:latin typeface="Consolas" panose="020B0609020204030204" pitchFamily="49" charset="0"/>
-                <a:cs typeface="Consolas" panose="020B0609020204030204" pitchFamily="49" charset="0"/>
-              </a:rPr>
-              <a:t>        "http:subProtocol": "http:EventSource",</a:t>
-            </a:r>
-          </a:p>
-          <a:p>
-            <a:pPr marL="0" indent="0">
-              <a:spcBef>
-                <a:spcPts val="0"/>
-              </a:spcBef>
-              <a:buNone/>
-            </a:pPr>
-            <a:r>
-              <a:rPr lang="en-US" sz="1400" noProof="0" dirty="0" smtClean="0">
-                <a:latin typeface="Consolas" panose="020B0609020204030204" pitchFamily="49" charset="0"/>
-                <a:cs typeface="Consolas" panose="020B0609020204030204" pitchFamily="49" charset="0"/>
-              </a:rPr>
-              <a:t>        "</a:t>
-            </a:r>
-            <a:r>
-              <a:rPr lang="en-US" sz="1400" noProof="0" dirty="0" err="1" smtClean="0">
-                <a:latin typeface="Consolas" panose="020B0609020204030204" pitchFamily="49" charset="0"/>
-                <a:cs typeface="Consolas" panose="020B0609020204030204" pitchFamily="49" charset="0"/>
-              </a:rPr>
-              <a:t>mediaType</a:t>
-            </a:r>
-            <a:r>
-              <a:rPr lang="en-US" sz="1400" noProof="0" dirty="0" smtClean="0">
-                <a:latin typeface="Consolas" panose="020B0609020204030204" pitchFamily="49" charset="0"/>
-                <a:cs typeface="Consolas" panose="020B0609020204030204" pitchFamily="49" charset="0"/>
-              </a:rPr>
-              <a:t>": "application/</a:t>
-            </a:r>
-            <a:r>
-              <a:rPr lang="en-US" sz="1400" noProof="0" dirty="0" err="1" smtClean="0">
-                <a:latin typeface="Consolas" panose="020B0609020204030204" pitchFamily="49" charset="0"/>
-                <a:cs typeface="Consolas" panose="020B0609020204030204" pitchFamily="49" charset="0"/>
-              </a:rPr>
-              <a:t>json</a:t>
-            </a:r>
-            <a:r>
-              <a:rPr lang="en-US" sz="1400" noProof="0" dirty="0" smtClean="0">
-                <a:latin typeface="Consolas" panose="020B0609020204030204" pitchFamily="49" charset="0"/>
-                <a:cs typeface="Consolas" panose="020B0609020204030204" pitchFamily="49" charset="0"/>
-              </a:rPr>
-              <a:t>"</a:t>
-            </a:r>
-          </a:p>
-          <a:p>
-            <a:pPr marL="0" indent="0">
-              <a:spcBef>
-                <a:spcPts val="0"/>
-              </a:spcBef>
-              <a:buNone/>
-            </a:pPr>
-            <a:r>
-              <a:rPr lang="en-US" sz="1400" noProof="0" dirty="0" smtClean="0">
-                <a:latin typeface="Consolas" panose="020B0609020204030204" pitchFamily="49" charset="0"/>
-                <a:cs typeface="Consolas" panose="020B0609020204030204" pitchFamily="49" charset="0"/>
-              </a:rPr>
-              <a:t>      }]</a:t>
-            </a:r>
-          </a:p>
-          <a:p>
-            <a:pPr marL="0" indent="0">
-              <a:spcBef>
-                <a:spcPts val="0"/>
-              </a:spcBef>
-              <a:buNone/>
-            </a:pPr>
-            <a:r>
-              <a:rPr lang="en-US" sz="1400" noProof="0" dirty="0" smtClean="0">
-                <a:latin typeface="Consolas" panose="020B0609020204030204" pitchFamily="49" charset="0"/>
-                <a:cs typeface="Consolas" panose="020B0609020204030204" pitchFamily="49" charset="0"/>
-              </a:rPr>
-              <a:t>    }</a:t>
-            </a:r>
-          </a:p>
-          <a:p>
-            <a:pPr marL="0" indent="0">
-              <a:spcBef>
-                <a:spcPts val="0"/>
-              </a:spcBef>
-              <a:buNone/>
-            </a:pPr>
-            <a:r>
-              <a:rPr lang="en-US" sz="1400" noProof="0" dirty="0" smtClean="0">
-                <a:latin typeface="Consolas" panose="020B0609020204030204" pitchFamily="49" charset="0"/>
-                <a:cs typeface="Consolas" panose="020B0609020204030204" pitchFamily="49" charset="0"/>
-              </a:rPr>
-              <a:t>  },</a:t>
-            </a:r>
-          </a:p>
-          <a:p>
-            <a:pPr marL="0" indent="0">
-              <a:spcBef>
-                <a:spcPts val="0"/>
-              </a:spcBef>
-              <a:buNone/>
-            </a:pPr>
-            <a:r>
-              <a:rPr lang="en-US" sz="1400" noProof="0" dirty="0" smtClean="0">
-                <a:latin typeface="Consolas" panose="020B0609020204030204" pitchFamily="49" charset="0"/>
-                <a:cs typeface="Consolas" panose="020B0609020204030204" pitchFamily="49" charset="0"/>
-              </a:rPr>
-              <a:t>  "links": [{</a:t>
-            </a:r>
-          </a:p>
-          <a:p>
-            <a:pPr marL="0" indent="0">
-              <a:spcBef>
-                <a:spcPts val="0"/>
-              </a:spcBef>
-              <a:buNone/>
-            </a:pPr>
-            <a:r>
-              <a:rPr lang="en-US" sz="1400" noProof="0" dirty="0" smtClean="0">
-                <a:latin typeface="Consolas" panose="020B0609020204030204" pitchFamily="49" charset="0"/>
-                <a:cs typeface="Consolas" panose="020B0609020204030204" pitchFamily="49" charset="0"/>
-              </a:rPr>
-              <a:t>    "</a:t>
-            </a:r>
-            <a:r>
-              <a:rPr lang="en-US" sz="1400" noProof="0" dirty="0" err="1" smtClean="0">
-                <a:latin typeface="Consolas" panose="020B0609020204030204" pitchFamily="49" charset="0"/>
-                <a:cs typeface="Consolas" panose="020B0609020204030204" pitchFamily="49" charset="0"/>
-              </a:rPr>
-              <a:t>href</a:t>
-            </a:r>
-            <a:r>
-              <a:rPr lang="en-US" sz="1400" noProof="0" dirty="0" smtClean="0">
-                <a:latin typeface="Consolas" panose="020B0609020204030204" pitchFamily="49" charset="0"/>
-                <a:cs typeface="Consolas" panose="020B0609020204030204" pitchFamily="49" charset="0"/>
-              </a:rPr>
-              <a:t>": "https://servient.example.com/things/motion-detector",</a:t>
-            </a:r>
-          </a:p>
-          <a:p>
-            <a:pPr marL="0" indent="0">
-              <a:spcBef>
-                <a:spcPts val="0"/>
-              </a:spcBef>
-              <a:buNone/>
-            </a:pPr>
-            <a:r>
-              <a:rPr lang="en-US" sz="1400" noProof="0" dirty="0" smtClean="0">
-                <a:latin typeface="Consolas" panose="020B0609020204030204" pitchFamily="49" charset="0"/>
-                <a:cs typeface="Consolas" panose="020B0609020204030204" pitchFamily="49" charset="0"/>
-              </a:rPr>
-              <a:t>    "</a:t>
-            </a:r>
-            <a:r>
-              <a:rPr lang="en-US" sz="1400" noProof="0" dirty="0" err="1" smtClean="0">
-                <a:latin typeface="Consolas" panose="020B0609020204030204" pitchFamily="49" charset="0"/>
-                <a:cs typeface="Consolas" panose="020B0609020204030204" pitchFamily="49" charset="0"/>
-              </a:rPr>
-              <a:t>rel</a:t>
-            </a:r>
-            <a:r>
-              <a:rPr lang="en-US" sz="1400" noProof="0" dirty="0" smtClean="0">
-                <a:latin typeface="Consolas" panose="020B0609020204030204" pitchFamily="49" charset="0"/>
-                <a:cs typeface="Consolas" panose="020B0609020204030204" pitchFamily="49" charset="0"/>
-              </a:rPr>
-              <a:t>": "</a:t>
-            </a:r>
-            <a:r>
-              <a:rPr lang="en-US" sz="1400" noProof="0" dirty="0" err="1" smtClean="0">
-                <a:latin typeface="Consolas" panose="020B0609020204030204" pitchFamily="49" charset="0"/>
-                <a:cs typeface="Consolas" panose="020B0609020204030204" pitchFamily="49" charset="0"/>
-              </a:rPr>
-              <a:t>controlledBy</a:t>
-            </a:r>
-            <a:r>
-              <a:rPr lang="en-US" sz="1400" noProof="0" dirty="0" smtClean="0">
-                <a:latin typeface="Consolas" panose="020B0609020204030204" pitchFamily="49" charset="0"/>
-                <a:cs typeface="Consolas" panose="020B0609020204030204" pitchFamily="49" charset="0"/>
-              </a:rPr>
-              <a:t>",</a:t>
-            </a:r>
-          </a:p>
-          <a:p>
-            <a:pPr marL="0" indent="0">
-              <a:spcBef>
-                <a:spcPts val="0"/>
-              </a:spcBef>
-              <a:buNone/>
-            </a:pPr>
-            <a:r>
-              <a:rPr lang="en-US" sz="1400" noProof="0" dirty="0" smtClean="0">
-                <a:latin typeface="Consolas" panose="020B0609020204030204" pitchFamily="49" charset="0"/>
-                <a:cs typeface="Consolas" panose="020B0609020204030204" pitchFamily="49" charset="0"/>
-              </a:rPr>
-              <a:t>    "</a:t>
-            </a:r>
-            <a:r>
-              <a:rPr lang="en-US" sz="1400" noProof="0" dirty="0" err="1" smtClean="0">
-                <a:latin typeface="Consolas" panose="020B0609020204030204" pitchFamily="49" charset="0"/>
-                <a:cs typeface="Consolas" panose="020B0609020204030204" pitchFamily="49" charset="0"/>
-              </a:rPr>
-              <a:t>mediaType</a:t>
-            </a:r>
-            <a:r>
-              <a:rPr lang="en-US" sz="1400" noProof="0" dirty="0" smtClean="0">
-                <a:latin typeface="Consolas" panose="020B0609020204030204" pitchFamily="49" charset="0"/>
-                <a:cs typeface="Consolas" panose="020B0609020204030204" pitchFamily="49" charset="0"/>
-              </a:rPr>
-              <a:t>": "application/td"</a:t>
-            </a:r>
-          </a:p>
-          <a:p>
-            <a:pPr marL="0" indent="0">
-              <a:spcBef>
-                <a:spcPts val="0"/>
-              </a:spcBef>
-              <a:buNone/>
-            </a:pPr>
-            <a:r>
-              <a:rPr lang="en-US" sz="1400" noProof="0" dirty="0" smtClean="0">
-                <a:latin typeface="Consolas" panose="020B0609020204030204" pitchFamily="49" charset="0"/>
-                <a:cs typeface="Consolas" panose="020B0609020204030204" pitchFamily="49" charset="0"/>
-              </a:rPr>
-              <a:t>  }]</a:t>
-            </a:r>
-          </a:p>
-          <a:p>
-            <a:pPr marL="0" indent="0">
-              <a:spcBef>
-                <a:spcPts val="0"/>
-              </a:spcBef>
-              <a:buNone/>
-            </a:pPr>
-            <a:r>
-              <a:rPr lang="en-US" sz="1400" noProof="0" dirty="0" smtClean="0">
-                <a:latin typeface="Consolas" panose="020B0609020204030204" pitchFamily="49" charset="0"/>
-                <a:cs typeface="Consolas" panose="020B0609020204030204" pitchFamily="49" charset="0"/>
-              </a:rPr>
-              <a:t>}</a:t>
-            </a:r>
-            <a:endParaRPr lang="en-US" sz="1400" noProof="0" dirty="0">
+            <a:endParaRPr lang="en-US" sz="1400" noProof="0" dirty="0" smtClean="0">
               <a:latin typeface="Consolas" panose="020B0609020204030204" pitchFamily="49" charset="0"/>
               <a:cs typeface="Consolas" panose="020B0609020204030204" pitchFamily="49" charset="0"/>
             </a:endParaRPr>
+          </a:p>
+          <a:p>
+            <a:pPr marL="0" indent="0">
+              <a:spcBef>
+                <a:spcPts val="0"/>
+              </a:spcBef>
+              <a:buNone/>
+            </a:pPr>
+            <a:r>
+              <a:rPr lang="en-US" sz="1400" b="1" noProof="0" dirty="0" smtClean="0">
+                <a:solidFill>
+                  <a:srgbClr val="0070C0"/>
+                </a:solidFill>
+                <a:latin typeface="Consolas" panose="020B0609020204030204" pitchFamily="49" charset="0"/>
+                <a:cs typeface="Consolas" panose="020B0609020204030204" pitchFamily="49" charset="0"/>
+              </a:rPr>
+              <a:t>  "actions": {</a:t>
+            </a:r>
           </a:p>
         </p:txBody>
       </p:sp>
@@ -23651,14 +21523,7 @@
                 <a:latin typeface="Consolas" panose="020B0609020204030204" pitchFamily="49" charset="0"/>
                 <a:cs typeface="Consolas" panose="020B0609020204030204" pitchFamily="49" charset="0"/>
               </a:rPr>
-              <a:t>  }, </a:t>
-            </a:r>
-            <a:r>
-              <a:rPr lang="en-US" sz="1400" noProof="0" dirty="0">
-                <a:latin typeface="Consolas" panose="020B0609020204030204" pitchFamily="49" charset="0"/>
-                <a:cs typeface="Consolas" panose="020B0609020204030204" pitchFamily="49" charset="0"/>
-              </a:rPr>
-              <a:t>{</a:t>
+              <a:t>  }, {</a:t>
             </a:r>
           </a:p>
           <a:p>
@@ -23669,7 +21534,7 @@
               <a:buNone/>
             </a:pPr>
             <a:r>
-              <a:rPr lang="en-US" sz="1400" noProof="0" dirty="0">
+              <a:rPr lang="en-US" sz="1400" noProof="0" dirty="0" smtClean="0">
                 <a:solidFill>
                   <a:srgbClr val="FF0000"/>
                 </a:solidFill>
@@ -23687,7 +21552,7 @@
               <a:buNone/>
             </a:pPr>
             <a:r>
-              <a:rPr lang="en-US" sz="1400" b="1" noProof="0" dirty="0">
+              <a:rPr lang="en-US" sz="1400" b="1" noProof="0" dirty="0" smtClean="0">
                 <a:solidFill>
                   <a:srgbClr val="0070C0"/>
                 </a:solidFill>
@@ -23705,7 +21570,7 @@
               <a:buNone/>
             </a:pPr>
             <a:r>
-              <a:rPr lang="en-US" sz="1400" noProof="0" dirty="0">
+              <a:rPr lang="en-US" sz="1400" noProof="0" dirty="0" smtClean="0">
                 <a:solidFill>
                   <a:srgbClr val="FF00FF"/>
                 </a:solidFill>
@@ -23715,7 +21580,7 @@
               <a:t>    "</a:t>
             </a:r>
             <a:r>
-              <a:rPr lang="en-US" sz="1400" noProof="0" dirty="0" err="1">
+              <a:rPr lang="en-US" sz="1400" noProof="0" dirty="0" err="1" smtClean="0">
                 <a:solidFill>
                   <a:srgbClr val="FF00FF"/>
                 </a:solidFill>
@@ -23725,7 +21590,7 @@
               <a:t>inputSchema</a:t>
             </a:r>
             <a:r>
-              <a:rPr lang="en-US" sz="1400" noProof="0" dirty="0">
+              <a:rPr lang="en-US" sz="1400" noProof="0" dirty="0" smtClean="0">
                 <a:solidFill>
                   <a:srgbClr val="FF00FF"/>
                 </a:solidFill>
@@ -23743,7 +21608,7 @@
               <a:buNone/>
             </a:pPr>
             <a:r>
-              <a:rPr lang="en-US" sz="1400" noProof="0" dirty="0">
+              <a:rPr lang="en-US" sz="1400" noProof="0" dirty="0" smtClean="0">
                 <a:solidFill>
                   <a:srgbClr val="FF00FF"/>
                 </a:solidFill>
@@ -23761,7 +21626,7 @@
               <a:buNone/>
             </a:pPr>
             <a:r>
-              <a:rPr lang="en-US" sz="1400" b="1" noProof="0" dirty="0">
+              <a:rPr lang="en-US" sz="1400" b="1" noProof="0" dirty="0" smtClean="0">
                 <a:solidFill>
                   <a:srgbClr val="FF00FF"/>
                 </a:solidFill>
@@ -23771,7 +21636,7 @@
               <a:t>      "fields"</a:t>
             </a:r>
             <a:r>
-              <a:rPr lang="en-US" sz="1400" noProof="0" dirty="0">
+              <a:rPr lang="en-US" sz="1400" noProof="0" dirty="0" smtClean="0">
                 <a:solidFill>
                   <a:srgbClr val="FF00FF"/>
                 </a:solidFill>
@@ -23796,26 +21661,162 @@
                 <a:latin typeface="Consolas" panose="020B0609020204030204" pitchFamily="49" charset="0"/>
                 <a:cs typeface="Consolas" panose="020B0609020204030204" pitchFamily="49" charset="0"/>
               </a:rPr>
-              <a:t>        "</a:t>
-            </a:r>
-            <a:r>
-              <a:rPr lang="en-US" sz="1400" b="1" noProof="0" dirty="0">
+              <a:t>        "name": "to"</a:t>
+            </a:r>
+            <a:r>
+              <a:rPr lang="en-US" sz="1400" noProof="0" dirty="0" smtClean="0">
                 <a:solidFill>
                   <a:srgbClr val="FF00FF"/>
                 </a:solidFill>
                 <a:latin typeface="Consolas" panose="020B0609020204030204" pitchFamily="49" charset="0"/>
                 <a:cs typeface="Consolas" panose="020B0609020204030204" pitchFamily="49" charset="0"/>
               </a:rPr>
-              <a:t>name": "to"</a:t>
-            </a:r>
-            <a:r>
-              <a:rPr lang="en-US" sz="1400" noProof="0" dirty="0">
+              <a:t>,</a:t>
+            </a:r>
+          </a:p>
+          <a:p>
+            <a:pPr marL="0" indent="0">
+              <a:spcBef>
+                <a:spcPts val="0"/>
+              </a:spcBef>
+              <a:buNone/>
+            </a:pPr>
+            <a:r>
+              <a:rPr lang="en-US" sz="1400" noProof="0" dirty="0" smtClean="0">
                 <a:solidFill>
                   <a:srgbClr val="FF00FF"/>
                 </a:solidFill>
                 <a:latin typeface="Consolas" panose="020B0609020204030204" pitchFamily="49" charset="0"/>
                 <a:cs typeface="Consolas" panose="020B0609020204030204" pitchFamily="49" charset="0"/>
               </a:rPr>
+              <a:t>        "schema": {</a:t>
+            </a:r>
+          </a:p>
+          <a:p>
+            <a:pPr marL="0" indent="0">
+              <a:spcBef>
+                <a:spcPts val="0"/>
+              </a:spcBef>
+              <a:buNone/>
+            </a:pPr>
+            <a:r>
+              <a:rPr lang="en-US" sz="1400" noProof="0" dirty="0" smtClean="0">
+                <a:solidFill>
+                  <a:srgbClr val="FF00FF"/>
+                </a:solidFill>
+                <a:latin typeface="Consolas" panose="020B0609020204030204" pitchFamily="49" charset="0"/>
+                <a:cs typeface="Consolas" panose="020B0609020204030204" pitchFamily="49" charset="0"/>
+              </a:rPr>
+              <a:t>          "type": "integer",</a:t>
+            </a:r>
+          </a:p>
+          <a:p>
+            <a:pPr marL="0" indent="0">
+              <a:spcBef>
+                <a:spcPts val="0"/>
+              </a:spcBef>
+              <a:buNone/>
+            </a:pPr>
+            <a:r>
+              <a:rPr lang="en-US" sz="1400" noProof="0" dirty="0" smtClean="0">
+                <a:solidFill>
+                  <a:srgbClr val="FF00FF"/>
+                </a:solidFill>
+                <a:latin typeface="Consolas" panose="020B0609020204030204" pitchFamily="49" charset="0"/>
+                <a:cs typeface="Consolas" panose="020B0609020204030204" pitchFamily="49" charset="0"/>
+              </a:rPr>
+              <a:t>          "minimum": 0,</a:t>
+            </a:r>
+          </a:p>
+          <a:p>
+            <a:pPr marL="0" indent="0">
+              <a:spcBef>
+                <a:spcPts val="0"/>
+              </a:spcBef>
+              <a:buNone/>
+            </a:pPr>
+            <a:r>
+              <a:rPr lang="en-US" sz="1400" noProof="0" dirty="0" smtClean="0">
+                <a:solidFill>
+                  <a:srgbClr val="FF00FF"/>
+                </a:solidFill>
+                <a:latin typeface="Consolas" panose="020B0609020204030204" pitchFamily="49" charset="0"/>
+                <a:cs typeface="Consolas" panose="020B0609020204030204" pitchFamily="49" charset="0"/>
+              </a:rPr>
+              <a:t>          "maximum": 100</a:t>
+            </a:r>
+          </a:p>
+          <a:p>
+            <a:pPr marL="0" indent="0">
+              <a:spcBef>
+                <a:spcPts val="0"/>
+              </a:spcBef>
+              <a:buNone/>
+            </a:pPr>
+            <a:r>
+              <a:rPr lang="en-US" sz="1400" noProof="0" dirty="0" smtClean="0">
+                <a:solidFill>
+                  <a:srgbClr val="FF00FF"/>
+                </a:solidFill>
+                <a:latin typeface="Consolas" panose="020B0609020204030204" pitchFamily="49" charset="0"/>
+                <a:cs typeface="Consolas" panose="020B0609020204030204" pitchFamily="49" charset="0"/>
+              </a:rPr>
+              <a:t>        }</a:t>
+            </a:r>
+          </a:p>
+          <a:p>
+            <a:pPr marL="0" indent="0">
+              <a:spcBef>
+                <a:spcPts val="0"/>
+              </a:spcBef>
+              <a:buNone/>
+            </a:pPr>
+            <a:r>
+              <a:rPr lang="en-US" sz="1400" noProof="0" dirty="0" smtClean="0">
+                <a:solidFill>
+                  <a:srgbClr val="FF00FF"/>
+                </a:solidFill>
+                <a:latin typeface="Consolas" panose="020B0609020204030204" pitchFamily="49" charset="0"/>
+                <a:cs typeface="Consolas" panose="020B0609020204030204" pitchFamily="49" charset="0"/>
+              </a:rPr>
+              <a:t>      }, {</a:t>
+            </a:r>
+          </a:p>
+          <a:p>
+            <a:pPr marL="0" indent="0">
+              <a:spcBef>
+                <a:spcPts val="0"/>
+              </a:spcBef>
+              <a:buNone/>
+            </a:pPr>
+            <a:r>
+              <a:rPr lang="en-US" sz="1400" noProof="0" dirty="0" smtClean="0">
+                <a:solidFill>
+                  <a:srgbClr val="FF00FF"/>
+                </a:solidFill>
+                <a:latin typeface="Consolas" panose="020B0609020204030204" pitchFamily="49" charset="0"/>
+                <a:cs typeface="Consolas" panose="020B0609020204030204" pitchFamily="49" charset="0"/>
+              </a:rPr>
+              <a:t>        </a:t>
+            </a:r>
+            <a:r>
+              <a:rPr lang="en-US" sz="1400" b="1" noProof="0" dirty="0" smtClean="0">
+                <a:solidFill>
+                  <a:srgbClr val="FF00FF"/>
+                </a:solidFill>
+                <a:latin typeface="Consolas" panose="020B0609020204030204" pitchFamily="49" charset="0"/>
+                <a:cs typeface="Consolas" panose="020B0609020204030204" pitchFamily="49" charset="0"/>
+              </a:rPr>
+              <a:t>"name": "duration"</a:t>
+            </a:r>
+            <a:r>
+              <a:rPr lang="en-US" sz="1400" noProof="0" dirty="0" smtClean="0">
+                <a:solidFill>
+                  <a:srgbClr val="FF00FF"/>
+                </a:solidFill>
+                <a:latin typeface="Consolas" panose="020B0609020204030204" pitchFamily="49" charset="0"/>
+                <a:cs typeface="Consolas" panose="020B0609020204030204" pitchFamily="49" charset="0"/>
+              </a:rPr>
               <a:t>,</a:t>
             </a:r>
           </a:p>
@@ -23827,14 +21828,14 @@
               <a:buNone/>
             </a:pPr>
             <a:r>
-              <a:rPr lang="en-US" sz="1400" noProof="0" dirty="0">
+              <a:rPr lang="en-US" sz="1400" noProof="0" dirty="0" smtClean="0">
                 <a:solidFill>
                   <a:srgbClr val="FF00FF"/>
                 </a:solidFill>
                 <a:latin typeface="Consolas" panose="020B0609020204030204" pitchFamily="49" charset="0"/>
                 <a:cs typeface="Consolas" panose="020B0609020204030204" pitchFamily="49" charset="0"/>
               </a:rPr>
-              <a:t>        "schema": {</a:t>
+              <a:t>        "schema": { "type": "number" }</a:t>
             </a:r>
           </a:p>
           <a:p>
@@ -23845,14 +21846,14 @@
               <a:buNone/>
             </a:pPr>
             <a:r>
-              <a:rPr lang="en-US" sz="1400" noProof="0" dirty="0">
+              <a:rPr lang="en-US" sz="1400" noProof="0" dirty="0" smtClean="0">
                 <a:solidFill>
                   <a:srgbClr val="FF00FF"/>
                 </a:solidFill>
                 <a:latin typeface="Consolas" panose="020B0609020204030204" pitchFamily="49" charset="0"/>
                 <a:cs typeface="Consolas" panose="020B0609020204030204" pitchFamily="49" charset="0"/>
               </a:rPr>
-              <a:t>          "type": "integer",</a:t>
+              <a:t>      }]</a:t>
             </a:r>
           </a:p>
           <a:p>
@@ -23863,14 +21864,14 @@
               <a:buNone/>
             </a:pPr>
             <a:r>
-              <a:rPr lang="en-US" sz="1400" noProof="0" dirty="0">
+              <a:rPr lang="en-US" sz="1400" noProof="0" dirty="0" smtClean="0">
                 <a:solidFill>
                   <a:srgbClr val="FF00FF"/>
                 </a:solidFill>
                 <a:latin typeface="Consolas" panose="020B0609020204030204" pitchFamily="49" charset="0"/>
                 <a:cs typeface="Consolas" panose="020B0609020204030204" pitchFamily="49" charset="0"/>
               </a:rPr>
-              <a:t>          "minimum": 0,</a:t>
+              <a:t>    },</a:t>
             </a:r>
           </a:p>
           <a:p>
@@ -23881,14 +21882,11 @@
               <a:buNone/>
             </a:pPr>
             <a:r>
-              <a:rPr lang="en-US" sz="1400" noProof="0" dirty="0">
-                <a:solidFill>
-                  <a:srgbClr val="FF00FF"/>
-                </a:solidFill>
-                <a:latin typeface="Consolas" panose="020B0609020204030204" pitchFamily="49" charset="0"/>
-                <a:cs typeface="Consolas" panose="020B0609020204030204" pitchFamily="49" charset="0"/>
-              </a:rPr>
-              <a:t>          "maximum": 100</a:t>
+              <a:rPr lang="en-US" sz="1400" noProof="0" dirty="0" smtClean="0">
+                <a:latin typeface="Consolas" panose="020B0609020204030204" pitchFamily="49" charset="0"/>
+                <a:cs typeface="Consolas" panose="020B0609020204030204" pitchFamily="49" charset="0"/>
+              </a:rPr>
+              <a:t>    "form": [{</a:t>
             </a:r>
           </a:p>
           <a:p>
@@ -23899,14 +21897,32 @@
               <a:buNone/>
             </a:pPr>
             <a:r>
-              <a:rPr lang="en-US" sz="1400" noProof="0" dirty="0">
-                <a:solidFill>
-                  <a:srgbClr val="FF00FF"/>
-                </a:solidFill>
-                <a:latin typeface="Consolas" panose="020B0609020204030204" pitchFamily="49" charset="0"/>
-                <a:cs typeface="Consolas" panose="020B0609020204030204" pitchFamily="49" charset="0"/>
-              </a:rPr>
-              <a:t>        }</a:t>
+              <a:rPr lang="en-US" sz="1400" dirty="0" smtClean="0">
+                <a:latin typeface="Consolas" panose="020B0609020204030204" pitchFamily="49" charset="0"/>
+                <a:cs typeface="Consolas" panose="020B0609020204030204" pitchFamily="49" charset="0"/>
+              </a:rPr>
+              <a:t>      </a:t>
+            </a:r>
+            <a:r>
+              <a:rPr lang="en-US" sz="1400" noProof="0" dirty="0" smtClean="0">
+                <a:latin typeface="Consolas" panose="020B0609020204030204" pitchFamily="49" charset="0"/>
+                <a:cs typeface="Consolas" panose="020B0609020204030204" pitchFamily="49" charset="0"/>
+              </a:rPr>
+              <a:t>"</a:t>
+            </a:r>
+            <a:r>
+              <a:rPr lang="en-US" sz="1400" noProof="0" dirty="0" err="1" smtClean="0">
+                <a:latin typeface="Consolas" panose="020B0609020204030204" pitchFamily="49" charset="0"/>
+                <a:cs typeface="Consolas" panose="020B0609020204030204" pitchFamily="49" charset="0"/>
+              </a:rPr>
+              <a:t>href</a:t>
+            </a:r>
+            <a:r>
+              <a:rPr lang="en-US" sz="1400" noProof="0" dirty="0" smtClean="0">
+                <a:latin typeface="Consolas" panose="020B0609020204030204" pitchFamily="49" charset="0"/>
+                <a:cs typeface="Consolas" panose="020B0609020204030204" pitchFamily="49" charset="0"/>
+              </a:rPr>
+              <a:t>": "actions/fade",</a:t>
             </a:r>
           </a:p>
           <a:p>
@@ -23917,207 +21933,11 @@
               <a:buNone/>
             </a:pPr>
             <a:r>
-              <a:rPr lang="en-US" sz="1400" noProof="0" dirty="0">
-                <a:solidFill>
-                  <a:srgbClr val="FF00FF"/>
-                </a:solidFill>
-                <a:latin typeface="Consolas" panose="020B0609020204030204" pitchFamily="49" charset="0"/>
-                <a:cs typeface="Consolas" panose="020B0609020204030204" pitchFamily="49" charset="0"/>
-              </a:rPr>
-              <a:t>      }, {</a:t>
-            </a:r>
-          </a:p>
-          <a:p>
-            <a:pPr marL="0" indent="0">
-              <a:spcBef>
-                <a:spcPts val="0"/>
-              </a:spcBef>
-              <a:buNone/>
-            </a:pPr>
-            <a:r>
-              <a:rPr lang="en-US" sz="1400" noProof="0" dirty="0">
-                <a:solidFill>
-                  <a:srgbClr val="FF00FF"/>
-                </a:solidFill>
-                <a:latin typeface="Consolas" panose="020B0609020204030204" pitchFamily="49" charset="0"/>
-                <a:cs typeface="Consolas" panose="020B0609020204030204" pitchFamily="49" charset="0"/>
-              </a:rPr>
-              <a:t>        </a:t>
-            </a:r>
-            <a:r>
-              <a:rPr lang="en-US" sz="1400" b="1" noProof="0" dirty="0">
-                <a:solidFill>
-                  <a:srgbClr val="FF00FF"/>
-                </a:solidFill>
-                <a:latin typeface="Consolas" panose="020B0609020204030204" pitchFamily="49" charset="0"/>
-                <a:cs typeface="Consolas" panose="020B0609020204030204" pitchFamily="49" charset="0"/>
-              </a:rPr>
-              <a:t>"name": "duration"</a:t>
-            </a:r>
-            <a:r>
-              <a:rPr lang="en-US" sz="1400" noProof="0" dirty="0">
-                <a:solidFill>
-                  <a:srgbClr val="FF00FF"/>
-                </a:solidFill>
-                <a:latin typeface="Consolas" panose="020B0609020204030204" pitchFamily="49" charset="0"/>
-                <a:cs typeface="Consolas" panose="020B0609020204030204" pitchFamily="49" charset="0"/>
-              </a:rPr>
-              <a:t>,</a:t>
-            </a:r>
-          </a:p>
-          <a:p>
-            <a:pPr marL="0" indent="0">
-              <a:spcBef>
-                <a:spcPts val="0"/>
-              </a:spcBef>
-              <a:buNone/>
-            </a:pPr>
-            <a:r>
-              <a:rPr lang="en-US" sz="1400" noProof="0" dirty="0">
-                <a:solidFill>
-                  <a:srgbClr val="FF00FF"/>
-                </a:solidFill>
-                <a:latin typeface="Consolas" panose="020B0609020204030204" pitchFamily="49" charset="0"/>
-                <a:cs typeface="Consolas" panose="020B0609020204030204" pitchFamily="49" charset="0"/>
-              </a:rPr>
-              <a:t>        "schema": { "type": "number" }</a:t>
-            </a:r>
-          </a:p>
-          <a:p>
-            <a:pPr marL="0" indent="0">
-              <a:spcBef>
-                <a:spcPts val="0"/>
-              </a:spcBef>
-              <a:buNone/>
-            </a:pPr>
-            <a:r>
-              <a:rPr lang="en-US" sz="1400" noProof="0" dirty="0">
-                <a:solidFill>
-                  <a:srgbClr val="FF00FF"/>
-                </a:solidFill>
-                <a:latin typeface="Consolas" panose="020B0609020204030204" pitchFamily="49" charset="0"/>
-                <a:cs typeface="Consolas" panose="020B0609020204030204" pitchFamily="49" charset="0"/>
-              </a:rPr>
-              <a:t>      }]</a:t>
-            </a:r>
-          </a:p>
-          <a:p>
-            <a:pPr marL="0" indent="0">
-              <a:spcBef>
-                <a:spcPts val="0"/>
-              </a:spcBef>
-              <a:buNone/>
-            </a:pPr>
-            <a:r>
-              <a:rPr lang="en-US" sz="1400" noProof="0" dirty="0">
-                <a:solidFill>
-                  <a:srgbClr val="FF00FF"/>
-                </a:solidFill>
-                <a:latin typeface="Consolas" panose="020B0609020204030204" pitchFamily="49" charset="0"/>
-                <a:cs typeface="Consolas" panose="020B0609020204030204" pitchFamily="49" charset="0"/>
-              </a:rPr>
-              <a:t>    },</a:t>
-            </a:r>
-          </a:p>
-          <a:p>
-            <a:pPr marL="0" indent="0">
-              <a:spcBef>
-                <a:spcPts val="0"/>
-              </a:spcBef>
-              <a:buNone/>
-            </a:pPr>
-            <a:r>
-              <a:rPr lang="en-US" sz="1400" noProof="0" dirty="0">
-                <a:latin typeface="Consolas" panose="020B0609020204030204" pitchFamily="49" charset="0"/>
-                <a:cs typeface="Consolas" panose="020B0609020204030204" pitchFamily="49" charset="0"/>
-              </a:rPr>
-              <a:t>    "</a:t>
-            </a:r>
-            <a:r>
-              <a:rPr lang="en-US" sz="1400" noProof="0" dirty="0" smtClean="0">
-                <a:latin typeface="Consolas" panose="020B0609020204030204" pitchFamily="49" charset="0"/>
-                <a:cs typeface="Consolas" panose="020B0609020204030204" pitchFamily="49" charset="0"/>
-              </a:rPr>
-              <a:t>form": [{</a:t>
-            </a:r>
-          </a:p>
-          <a:p>
-            <a:pPr marL="0" indent="0">
-              <a:spcBef>
-                <a:spcPts val="0"/>
-              </a:spcBef>
-              <a:buNone/>
-            </a:pPr>
-            <a:r>
-              <a:rPr lang="en-US" sz="1400" dirty="0">
-                <a:latin typeface="Consolas" panose="020B0609020204030204" pitchFamily="49" charset="0"/>
-                <a:cs typeface="Consolas" panose="020B0609020204030204" pitchFamily="49" charset="0"/>
-              </a:rPr>
-              <a:t> </a:t>
-            </a:r>
-            <a:r>
               <a:rPr lang="en-US" sz="1400" dirty="0" smtClean="0">
                 <a:latin typeface="Consolas" panose="020B0609020204030204" pitchFamily="49" charset="0"/>
                 <a:cs typeface="Consolas" panose="020B0609020204030204" pitchFamily="49" charset="0"/>
               </a:rPr>
-              <a:t>     </a:t>
-            </a:r>
-            <a:r>
-              <a:rPr lang="en-US" sz="1400" noProof="0" dirty="0" smtClean="0">
-                <a:latin typeface="Consolas" panose="020B0609020204030204" pitchFamily="49" charset="0"/>
-                <a:cs typeface="Consolas" panose="020B0609020204030204" pitchFamily="49" charset="0"/>
-              </a:rPr>
-              <a:t>"</a:t>
-            </a:r>
-            <a:r>
-              <a:rPr lang="en-US" sz="1400" noProof="0" dirty="0" err="1">
-                <a:latin typeface="Consolas" panose="020B0609020204030204" pitchFamily="49" charset="0"/>
-                <a:cs typeface="Consolas" panose="020B0609020204030204" pitchFamily="49" charset="0"/>
-              </a:rPr>
-              <a:t>href</a:t>
-            </a:r>
-            <a:r>
-              <a:rPr lang="en-US" sz="1400" noProof="0" dirty="0">
-                <a:latin typeface="Consolas" panose="020B0609020204030204" pitchFamily="49" charset="0"/>
-                <a:cs typeface="Consolas" panose="020B0609020204030204" pitchFamily="49" charset="0"/>
-              </a:rPr>
-              <a:t>": </a:t>
-            </a:r>
-            <a:r>
-              <a:rPr lang="en-US" sz="1400" noProof="0" dirty="0" smtClean="0">
-                <a:latin typeface="Consolas" panose="020B0609020204030204" pitchFamily="49" charset="0"/>
-                <a:cs typeface="Consolas" panose="020B0609020204030204" pitchFamily="49" charset="0"/>
-              </a:rPr>
-              <a:t>"actions/fade",</a:t>
-            </a:r>
-          </a:p>
-          <a:p>
-            <a:pPr marL="0" indent="0">
-              <a:spcBef>
-                <a:spcPts val="0"/>
-              </a:spcBef>
-              <a:buNone/>
-            </a:pPr>
-            <a:r>
-              <a:rPr lang="de-DE" sz="1400" dirty="0">
-                <a:latin typeface="Consolas" panose="020B0609020204030204" pitchFamily="49" charset="0"/>
-                <a:cs typeface="Consolas" panose="020B0609020204030204" pitchFamily="49" charset="0"/>
-              </a:rPr>
-              <a:t> </a:t>
-            </a:r>
-            <a:r>
-              <a:rPr lang="de-DE" sz="1400" dirty="0" smtClean="0">
-                <a:latin typeface="Consolas" panose="020B0609020204030204" pitchFamily="49" charset="0"/>
-                <a:cs typeface="Consolas" panose="020B0609020204030204" pitchFamily="49" charset="0"/>
-              </a:rPr>
-              <a:t>     </a:t>
-            </a:r>
-            <a:r>
-              <a:rPr lang="en-US" sz="1400" dirty="0" smtClean="0">
-                <a:latin typeface="Consolas" panose="020B0609020204030204" pitchFamily="49" charset="0"/>
-                <a:cs typeface="Consolas" panose="020B0609020204030204" pitchFamily="49" charset="0"/>
-              </a:rPr>
-              <a:t>"</a:t>
+              <a:t>      "</a:t>
             </a:r>
             <a:r>
               <a:rPr lang="en-US" sz="1400" dirty="0" err="1" smtClean="0">
@@ -24160,32 +21980,18 @@
               <a:buNone/>
             </a:pPr>
             <a:r>
-              <a:rPr lang="en-US" sz="1400" dirty="0">
-                <a:latin typeface="Consolas" panose="020B0609020204030204" pitchFamily="49" charset="0"/>
-                <a:cs typeface="Consolas" panose="020B0609020204030204" pitchFamily="49" charset="0"/>
-              </a:rPr>
-              <a:t> </a:t>
-            </a:r>
-            <a:r>
               <a:rPr lang="en-US" sz="1400" dirty="0" smtClean="0">
                 <a:latin typeface="Consolas" panose="020B0609020204030204" pitchFamily="49" charset="0"/>
                 <a:cs typeface="Consolas" panose="020B0609020204030204" pitchFamily="49" charset="0"/>
               </a:rPr>
-              <a:t>  </a:t>
+              <a:t>   </a:t>
             </a:r>
             <a:r>
               <a:rPr lang="en-US" sz="1400" noProof="0" dirty="0" smtClean="0">
                 <a:latin typeface="Consolas" panose="020B0609020204030204" pitchFamily="49" charset="0"/>
                 <a:cs typeface="Consolas" panose="020B0609020204030204" pitchFamily="49" charset="0"/>
               </a:rPr>
-              <a:t> </a:t>
-            </a:r>
-            <a:r>
-              <a:rPr lang="en-US" sz="1400" noProof="0" dirty="0">
-                <a:latin typeface="Consolas" panose="020B0609020204030204" pitchFamily="49" charset="0"/>
-                <a:cs typeface="Consolas" panose="020B0609020204030204" pitchFamily="49" charset="0"/>
-              </a:rPr>
-              <a:t>}]</a:t>
+              <a:t> }]</a:t>
             </a:r>
           </a:p>
           <a:p>
@@ -24196,18 +22002,11 @@
               <a:buNone/>
             </a:pPr>
             <a:r>
-              <a:rPr lang="en-US" sz="1400" noProof="0" dirty="0">
-                <a:latin typeface="Consolas" panose="020B0609020204030204" pitchFamily="49" charset="0"/>
-                <a:cs typeface="Consolas" panose="020B0609020204030204" pitchFamily="49" charset="0"/>
-              </a:rPr>
-              <a:t>  </a:t>
-            </a:r>
-            <a:r>
               <a:rPr lang="en-US" sz="1400" noProof="0" dirty="0" smtClean="0">
                 <a:latin typeface="Consolas" panose="020B0609020204030204" pitchFamily="49" charset="0"/>
                 <a:cs typeface="Consolas" panose="020B0609020204030204" pitchFamily="49" charset="0"/>
               </a:rPr>
-              <a:t>},</a:t>
+              <a:t>  },</a:t>
             </a:r>
           </a:p>
           <a:p>
@@ -24217,7 +22016,7 @@
               </a:spcBef>
               <a:buNone/>
             </a:pPr>
-            <a:endParaRPr lang="de-DE" sz="1400" dirty="0">
+            <a:endParaRPr lang="en-US" sz="1400" dirty="0" smtClean="0">
               <a:latin typeface="Consolas" panose="020B0609020204030204" pitchFamily="49" charset="0"/>
               <a:cs typeface="Consolas" panose="020B0609020204030204" pitchFamily="49" charset="0"/>
             </a:endParaRPr>
@@ -24242,18 +22041,11 @@
               <a:buNone/>
             </a:pPr>
             <a:r>
-              <a:rPr lang="en-US" sz="1400" dirty="0">
-                <a:latin typeface="Consolas" panose="020B0609020204030204" pitchFamily="49" charset="0"/>
-                <a:cs typeface="Consolas" panose="020B0609020204030204" pitchFamily="49" charset="0"/>
-              </a:rPr>
-              <a:t> </a:t>
-            </a:r>
-            <a:r>
               <a:rPr lang="en-US" sz="1400" dirty="0" smtClean="0">
                 <a:latin typeface="Consolas" panose="020B0609020204030204" pitchFamily="49" charset="0"/>
                 <a:cs typeface="Consolas" panose="020B0609020204030204" pitchFamily="49" charset="0"/>
               </a:rPr>
-              <a:t> </a:t>
+              <a:t>  </a:t>
             </a:r>
             <a:r>
               <a:rPr lang="en-US" sz="1400" noProof="0" dirty="0" smtClean="0">
@@ -24262,10 +22054,6 @@
               </a:rPr>
               <a:t>{</a:t>
             </a:r>
-            <a:endParaRPr lang="en-US" sz="1400" noProof="0" dirty="0">
-              <a:latin typeface="Consolas" panose="020B0609020204030204" pitchFamily="49" charset="0"/>
-              <a:cs typeface="Consolas" panose="020B0609020204030204" pitchFamily="49" charset="0"/>
-            </a:endParaRPr>
           </a:p>
           <a:p>
             <a:pPr marL="0" indent="0">
@@ -24275,7 +22063,7 @@
               <a:buNone/>
             </a:pPr>
             <a:r>
-              <a:rPr lang="en-US" sz="1400" noProof="0" dirty="0">
+              <a:rPr lang="en-US" sz="1400" noProof="0" dirty="0" smtClean="0">
                 <a:solidFill>
                   <a:srgbClr val="FF0000"/>
                 </a:solidFill>
@@ -24283,319 +22071,6 @@
                 <a:cs typeface="Consolas" panose="020B0609020204030204" pitchFamily="49" charset="0"/>
               </a:rPr>
               <a:t>    "@type": "Event",</a:t>
-            </a:r>
-          </a:p>
-          <a:p>
-            <a:pPr marL="0" indent="0">
-              <a:spcBef>
-                <a:spcPts val="0"/>
-              </a:spcBef>
-              <a:buNone/>
-            </a:pPr>
-            <a:r>
-              <a:rPr lang="en-US" sz="1400" noProof="0" dirty="0">
-                <a:solidFill>
-                  <a:srgbClr val="0070C0"/>
-                </a:solidFill>
-                <a:latin typeface="Consolas" panose="020B0609020204030204" pitchFamily="49" charset="0"/>
-                <a:cs typeface="Consolas" panose="020B0609020204030204" pitchFamily="49" charset="0"/>
-              </a:rPr>
-              <a:t>    "name": "overheated",</a:t>
-            </a:r>
-          </a:p>
-          <a:p>
-            <a:pPr marL="0" indent="0">
-              <a:spcBef>
-                <a:spcPts val="0"/>
-              </a:spcBef>
-              <a:buNone/>
-            </a:pPr>
-            <a:r>
-              <a:rPr lang="en-US" sz="1400" noProof="0" dirty="0">
-                <a:latin typeface="Consolas" panose="020B0609020204030204" pitchFamily="49" charset="0"/>
-                <a:cs typeface="Consolas" panose="020B0609020204030204" pitchFamily="49" charset="0"/>
-              </a:rPr>
-              <a:t>    "schema": {</a:t>
-            </a:r>
-          </a:p>
-          <a:p>
-            <a:pPr marL="0" indent="0">
-              <a:spcBef>
-                <a:spcPts val="0"/>
-              </a:spcBef>
-              <a:buNone/>
-            </a:pPr>
-            <a:r>
-              <a:rPr lang="en-US" sz="1400" noProof="0" dirty="0">
-                <a:latin typeface="Consolas" panose="020B0609020204030204" pitchFamily="49" charset="0"/>
-                <a:cs typeface="Consolas" panose="020B0609020204030204" pitchFamily="49" charset="0"/>
-              </a:rPr>
-              <a:t>      "type": "object",</a:t>
-            </a:r>
-          </a:p>
-          <a:p>
-            <a:pPr marL="0" indent="0">
-              <a:spcBef>
-                <a:spcPts val="0"/>
-              </a:spcBef>
-              <a:buNone/>
-            </a:pPr>
-            <a:r>
-              <a:rPr lang="en-US" sz="1400" noProof="0" dirty="0">
-                <a:latin typeface="Consolas" panose="020B0609020204030204" pitchFamily="49" charset="0"/>
-                <a:cs typeface="Consolas" panose="020B0609020204030204" pitchFamily="49" charset="0"/>
-              </a:rPr>
-              <a:t>      "fields": [{</a:t>
-            </a:r>
-          </a:p>
-          <a:p>
-            <a:pPr marL="0" indent="0">
-              <a:spcBef>
-                <a:spcPts val="0"/>
-              </a:spcBef>
-              <a:buNone/>
-            </a:pPr>
-            <a:r>
-              <a:rPr lang="en-US" sz="1400" noProof="0" dirty="0">
-                <a:latin typeface="Consolas" panose="020B0609020204030204" pitchFamily="49" charset="0"/>
-                <a:cs typeface="Consolas" panose="020B0609020204030204" pitchFamily="49" charset="0"/>
-              </a:rPr>
-              <a:t>        "name": "temperature",</a:t>
-            </a:r>
-          </a:p>
-          <a:p>
-            <a:pPr marL="0" indent="0">
-              <a:spcBef>
-                <a:spcPts val="0"/>
-              </a:spcBef>
-              <a:buNone/>
-            </a:pPr>
-            <a:r>
-              <a:rPr lang="en-US" sz="1400" noProof="0" dirty="0">
-                <a:latin typeface="Consolas" panose="020B0609020204030204" pitchFamily="49" charset="0"/>
-                <a:cs typeface="Consolas" panose="020B0609020204030204" pitchFamily="49" charset="0"/>
-              </a:rPr>
-              <a:t>        "schema": { "type": "number" }</a:t>
-            </a:r>
-          </a:p>
-          <a:p>
-            <a:pPr marL="0" indent="0">
-              <a:spcBef>
-                <a:spcPts val="0"/>
-              </a:spcBef>
-              <a:buNone/>
-            </a:pPr>
-            <a:r>
-              <a:rPr lang="en-US" sz="1400" noProof="0" dirty="0">
-                <a:latin typeface="Consolas" panose="020B0609020204030204" pitchFamily="49" charset="0"/>
-                <a:cs typeface="Consolas" panose="020B0609020204030204" pitchFamily="49" charset="0"/>
-              </a:rPr>
-              <a:t>      }]</a:t>
-            </a:r>
-          </a:p>
-          <a:p>
-            <a:pPr marL="0" indent="0">
-              <a:spcBef>
-                <a:spcPts val="0"/>
-              </a:spcBef>
-              <a:buNone/>
-            </a:pPr>
-            <a:r>
-              <a:rPr lang="en-US" sz="1400" noProof="0" dirty="0">
-                <a:latin typeface="Consolas" panose="020B0609020204030204" pitchFamily="49" charset="0"/>
-                <a:cs typeface="Consolas" panose="020B0609020204030204" pitchFamily="49" charset="0"/>
-              </a:rPr>
-              <a:t>    },</a:t>
-            </a:r>
-          </a:p>
-          <a:p>
-            <a:pPr marL="0" indent="0">
-              <a:spcBef>
-                <a:spcPts val="0"/>
-              </a:spcBef>
-              <a:buNone/>
-            </a:pPr>
-            <a:r>
-              <a:rPr lang="en-US" sz="1400" noProof="0" dirty="0">
-                <a:latin typeface="Consolas" panose="020B0609020204030204" pitchFamily="49" charset="0"/>
-                <a:cs typeface="Consolas" panose="020B0609020204030204" pitchFamily="49" charset="0"/>
-              </a:rPr>
-              <a:t>    "forms": [{ "</a:t>
-            </a:r>
-            <a:r>
-              <a:rPr lang="en-US" sz="1400" noProof="0" dirty="0" err="1">
-                <a:latin typeface="Consolas" panose="020B0609020204030204" pitchFamily="49" charset="0"/>
-                <a:cs typeface="Consolas" panose="020B0609020204030204" pitchFamily="49" charset="0"/>
-              </a:rPr>
-              <a:t>href</a:t>
-            </a:r>
-            <a:r>
-              <a:rPr lang="en-US" sz="1400" noProof="0" dirty="0">
-                <a:latin typeface="Consolas" panose="020B0609020204030204" pitchFamily="49" charset="0"/>
-                <a:cs typeface="Consolas" panose="020B0609020204030204" pitchFamily="49" charset="0"/>
-              </a:rPr>
-              <a:t>": "/things/lamp/events/overheated" }]</a:t>
-            </a:r>
-          </a:p>
-          <a:p>
-            <a:pPr marL="0" indent="0">
-              <a:spcBef>
-                <a:spcPts val="0"/>
-              </a:spcBef>
-              <a:buNone/>
-            </a:pPr>
-            <a:r>
-              <a:rPr lang="en-US" sz="1400" noProof="0" dirty="0">
-                <a:latin typeface="Consolas" panose="020B0609020204030204" pitchFamily="49" charset="0"/>
-                <a:cs typeface="Consolas" panose="020B0609020204030204" pitchFamily="49" charset="0"/>
-              </a:rPr>
-              <a:t>  }],</a:t>
-            </a:r>
-          </a:p>
-          <a:p>
-            <a:pPr marL="0" indent="0">
-              <a:spcBef>
-                <a:spcPts val="0"/>
-              </a:spcBef>
-              <a:buNone/>
-            </a:pPr>
-            <a:r>
-              <a:rPr lang="en-US" sz="1400" noProof="0" dirty="0">
-                <a:latin typeface="Consolas" panose="020B0609020204030204" pitchFamily="49" charset="0"/>
-                <a:cs typeface="Consolas" panose="020B0609020204030204" pitchFamily="49" charset="0"/>
-              </a:rPr>
-              <a:t>  "links": [{</a:t>
-            </a:r>
-          </a:p>
-          <a:p>
-            <a:pPr marL="0" indent="0">
-              <a:spcBef>
-                <a:spcPts val="0"/>
-              </a:spcBef>
-              <a:buNone/>
-            </a:pPr>
-            <a:r>
-              <a:rPr lang="en-US" sz="1400" noProof="0" dirty="0">
-                <a:latin typeface="Consolas" panose="020B0609020204030204" pitchFamily="49" charset="0"/>
-                <a:cs typeface="Consolas" panose="020B0609020204030204" pitchFamily="49" charset="0"/>
-              </a:rPr>
-              <a:t>    "</a:t>
-            </a:r>
-            <a:r>
-              <a:rPr lang="en-US" sz="1400" noProof="0" dirty="0" err="1">
-                <a:latin typeface="Consolas" panose="020B0609020204030204" pitchFamily="49" charset="0"/>
-                <a:cs typeface="Consolas" panose="020B0609020204030204" pitchFamily="49" charset="0"/>
-              </a:rPr>
-              <a:t>href</a:t>
-            </a:r>
-            <a:r>
-              <a:rPr lang="en-US" sz="1400" noProof="0" dirty="0">
-                <a:latin typeface="Consolas" panose="020B0609020204030204" pitchFamily="49" charset="0"/>
-                <a:cs typeface="Consolas" panose="020B0609020204030204" pitchFamily="49" charset="0"/>
-              </a:rPr>
-              <a:t>": "https://servient.example.com/things/motion-detector",</a:t>
-            </a:r>
-          </a:p>
-          <a:p>
-            <a:pPr marL="0" indent="0">
-              <a:spcBef>
-                <a:spcPts val="0"/>
-              </a:spcBef>
-              <a:buNone/>
-            </a:pPr>
-            <a:r>
-              <a:rPr lang="en-US" sz="1400" noProof="0" dirty="0">
-                <a:latin typeface="Consolas" panose="020B0609020204030204" pitchFamily="49" charset="0"/>
-                <a:cs typeface="Consolas" panose="020B0609020204030204" pitchFamily="49" charset="0"/>
-              </a:rPr>
-              <a:t>    "</a:t>
-            </a:r>
-            <a:r>
-              <a:rPr lang="en-US" sz="1400" noProof="0" dirty="0" err="1">
-                <a:latin typeface="Consolas" panose="020B0609020204030204" pitchFamily="49" charset="0"/>
-                <a:cs typeface="Consolas" panose="020B0609020204030204" pitchFamily="49" charset="0"/>
-              </a:rPr>
-              <a:t>rel</a:t>
-            </a:r>
-            <a:r>
-              <a:rPr lang="en-US" sz="1400" noProof="0" dirty="0">
-                <a:latin typeface="Consolas" panose="020B0609020204030204" pitchFamily="49" charset="0"/>
-                <a:cs typeface="Consolas" panose="020B0609020204030204" pitchFamily="49" charset="0"/>
-              </a:rPr>
-              <a:t>": "</a:t>
-            </a:r>
-            <a:r>
-              <a:rPr lang="en-US" sz="1400" noProof="0" dirty="0" err="1">
-                <a:latin typeface="Consolas" panose="020B0609020204030204" pitchFamily="49" charset="0"/>
-                <a:cs typeface="Consolas" panose="020B0609020204030204" pitchFamily="49" charset="0"/>
-              </a:rPr>
-              <a:t>controlledBy</a:t>
-            </a:r>
-            <a:r>
-              <a:rPr lang="en-US" sz="1400" noProof="0" dirty="0">
-                <a:latin typeface="Consolas" panose="020B0609020204030204" pitchFamily="49" charset="0"/>
-                <a:cs typeface="Consolas" panose="020B0609020204030204" pitchFamily="49" charset="0"/>
-              </a:rPr>
-              <a:t>",</a:t>
-            </a:r>
-          </a:p>
-          <a:p>
-            <a:pPr marL="0" indent="0">
-              <a:spcBef>
-                <a:spcPts val="0"/>
-              </a:spcBef>
-              <a:buNone/>
-            </a:pPr>
-            <a:r>
-              <a:rPr lang="en-US" sz="1400" noProof="0" dirty="0">
-                <a:latin typeface="Consolas" panose="020B0609020204030204" pitchFamily="49" charset="0"/>
-                <a:cs typeface="Consolas" panose="020B0609020204030204" pitchFamily="49" charset="0"/>
-              </a:rPr>
-              <a:t>    "</a:t>
-            </a:r>
-            <a:r>
-              <a:rPr lang="en-US" sz="1400" noProof="0" dirty="0" err="1">
-                <a:latin typeface="Consolas" panose="020B0609020204030204" pitchFamily="49" charset="0"/>
-                <a:cs typeface="Consolas" panose="020B0609020204030204" pitchFamily="49" charset="0"/>
-              </a:rPr>
-              <a:t>mediaType</a:t>
-            </a:r>
-            <a:r>
-              <a:rPr lang="en-US" sz="1400" noProof="0" dirty="0">
-                <a:latin typeface="Consolas" panose="020B0609020204030204" pitchFamily="49" charset="0"/>
-                <a:cs typeface="Consolas" panose="020B0609020204030204" pitchFamily="49" charset="0"/>
-              </a:rPr>
-              <a:t>": "application/td"</a:t>
-            </a:r>
-          </a:p>
-          <a:p>
-            <a:pPr marL="0" indent="0">
-              <a:spcBef>
-                <a:spcPts val="0"/>
-              </a:spcBef>
-              <a:buNone/>
-            </a:pPr>
-            <a:r>
-              <a:rPr lang="en-US" sz="1400" noProof="0" dirty="0">
-                <a:latin typeface="Consolas" panose="020B0609020204030204" pitchFamily="49" charset="0"/>
-                <a:cs typeface="Consolas" panose="020B0609020204030204" pitchFamily="49" charset="0"/>
-              </a:rPr>
-              <a:t>  }]</a:t>
-            </a:r>
-          </a:p>
-          <a:p>
-            <a:pPr marL="0" indent="0">
-              <a:spcBef>
-                <a:spcPts val="0"/>
-              </a:spcBef>
-              <a:buNone/>
-            </a:pPr>
-            <a:r>
-              <a:rPr lang="en-US" sz="1400" noProof="0" dirty="0">
-                <a:latin typeface="Consolas" panose="020B0609020204030204" pitchFamily="49" charset="0"/>
-                <a:cs typeface="Consolas" panose="020B0609020204030204" pitchFamily="49" charset="0"/>
-              </a:rPr>
-              <a:t>}</a:t>
             </a:r>
           </a:p>
         </p:txBody>
@@ -24629,16 +22104,307 @@
               <a:buNone/>
             </a:pPr>
             <a:r>
-              <a:rPr lang="en-US" sz="1400" b="1" noProof="0" dirty="0">
+              <a:rPr lang="en-US" sz="1400" b="1" noProof="0" dirty="0" smtClean="0">
                 <a:solidFill>
                   <a:srgbClr val="4A7B7C"/>
                 </a:solidFill>
                 <a:latin typeface="Consolas" panose="020B0609020204030204" pitchFamily="49" charset="0"/>
                 <a:cs typeface="Consolas" panose="020B0609020204030204" pitchFamily="49" charset="0"/>
               </a:rPr>
+              <a:t>  "actions": {</a:t>
+            </a:r>
+          </a:p>
+          <a:p>
+            <a:pPr marL="0" indent="0">
+              <a:spcBef>
+                <a:spcPts val="0"/>
+              </a:spcBef>
+              <a:buNone/>
+            </a:pPr>
+            <a:r>
+              <a:rPr lang="en-US" sz="1400" b="1" noProof="0" dirty="0" smtClean="0">
+                <a:solidFill>
+                  <a:srgbClr val="0070C0"/>
+                </a:solidFill>
+                <a:latin typeface="Consolas" panose="020B0609020204030204" pitchFamily="49" charset="0"/>
+                <a:cs typeface="Consolas" panose="020B0609020204030204" pitchFamily="49" charset="0"/>
+              </a:rPr>
+              <a:t>    "fade": {</a:t>
+            </a:r>
+          </a:p>
+          <a:p>
+            <a:pPr marL="0" indent="0">
+              <a:spcBef>
+                <a:spcPts val="0"/>
+              </a:spcBef>
+              <a:buNone/>
+            </a:pPr>
+            <a:r>
+              <a:rPr lang="en-US" sz="1400" noProof="0" dirty="0" smtClean="0">
+                <a:solidFill>
+                  <a:srgbClr val="FF00FF"/>
+                </a:solidFill>
+                <a:latin typeface="Consolas" panose="020B0609020204030204" pitchFamily="49" charset="0"/>
+                <a:cs typeface="Consolas" panose="020B0609020204030204" pitchFamily="49" charset="0"/>
+              </a:rPr>
+              <a:t>      "input": {</a:t>
+            </a:r>
+          </a:p>
+          <a:p>
+            <a:pPr marL="0" indent="0">
+              <a:spcBef>
+                <a:spcPts val="0"/>
+              </a:spcBef>
+              <a:buNone/>
+            </a:pPr>
+            <a:r>
+              <a:rPr lang="en-US" sz="1400" noProof="0" dirty="0" smtClean="0">
+                <a:solidFill>
+                  <a:srgbClr val="FF00FF"/>
+                </a:solidFill>
+                <a:latin typeface="Consolas" panose="020B0609020204030204" pitchFamily="49" charset="0"/>
+                <a:cs typeface="Consolas" panose="020B0609020204030204" pitchFamily="49" charset="0"/>
+              </a:rPr>
+              <a:t>        "type": "object",</a:t>
+            </a:r>
+          </a:p>
+          <a:p>
+            <a:pPr marL="0" indent="0">
+              <a:spcBef>
+                <a:spcPts val="0"/>
+              </a:spcBef>
+              <a:buNone/>
+            </a:pPr>
+            <a:r>
+              <a:rPr lang="en-US" sz="1400" b="1" noProof="0" dirty="0" smtClean="0">
+                <a:solidFill>
+                  <a:srgbClr val="FF00FF"/>
+                </a:solidFill>
+                <a:latin typeface="Consolas" panose="020B0609020204030204" pitchFamily="49" charset="0"/>
+                <a:cs typeface="Consolas" panose="020B0609020204030204" pitchFamily="49" charset="0"/>
+              </a:rPr>
+              <a:t>        "properties"</a:t>
+            </a:r>
+            <a:r>
+              <a:rPr lang="en-US" sz="1400" noProof="0" dirty="0" smtClean="0">
+                <a:solidFill>
+                  <a:srgbClr val="FF00FF"/>
+                </a:solidFill>
+                <a:latin typeface="Consolas" panose="020B0609020204030204" pitchFamily="49" charset="0"/>
+                <a:cs typeface="Consolas" panose="020B0609020204030204" pitchFamily="49" charset="0"/>
+              </a:rPr>
+              <a:t>: {</a:t>
+            </a:r>
+          </a:p>
+          <a:p>
+            <a:pPr marL="0" indent="0">
+              <a:spcBef>
+                <a:spcPts val="0"/>
+              </a:spcBef>
+              <a:buNone/>
+            </a:pPr>
+            <a:r>
+              <a:rPr lang="en-US" sz="1400" b="1" noProof="0" dirty="0" smtClean="0">
+                <a:solidFill>
+                  <a:srgbClr val="FF00FF"/>
+                </a:solidFill>
+                <a:latin typeface="Consolas" panose="020B0609020204030204" pitchFamily="49" charset="0"/>
+                <a:cs typeface="Consolas" panose="020B0609020204030204" pitchFamily="49" charset="0"/>
+              </a:rPr>
+              <a:t>          "to"</a:t>
+            </a:r>
+            <a:r>
+              <a:rPr lang="en-US" sz="1400" noProof="0" dirty="0" smtClean="0">
+                <a:solidFill>
+                  <a:srgbClr val="FF00FF"/>
+                </a:solidFill>
+                <a:latin typeface="Consolas" panose="020B0609020204030204" pitchFamily="49" charset="0"/>
+                <a:cs typeface="Consolas" panose="020B0609020204030204" pitchFamily="49" charset="0"/>
+              </a:rPr>
+              <a:t>: {</a:t>
+            </a:r>
+          </a:p>
+          <a:p>
+            <a:pPr marL="0" indent="0">
+              <a:spcBef>
+                <a:spcPts val="0"/>
+              </a:spcBef>
+              <a:buNone/>
+            </a:pPr>
+            <a:r>
+              <a:rPr lang="en-US" sz="1400" noProof="0" dirty="0" smtClean="0">
+                <a:solidFill>
+                  <a:srgbClr val="FF00FF"/>
+                </a:solidFill>
+                <a:latin typeface="Consolas" panose="020B0609020204030204" pitchFamily="49" charset="0"/>
+                <a:cs typeface="Consolas" panose="020B0609020204030204" pitchFamily="49" charset="0"/>
+              </a:rPr>
+              <a:t>            "type": "integer",</a:t>
+            </a:r>
+          </a:p>
+          <a:p>
+            <a:pPr marL="0" indent="0">
+              <a:spcBef>
+                <a:spcPts val="0"/>
+              </a:spcBef>
+              <a:buNone/>
+            </a:pPr>
+            <a:r>
+              <a:rPr lang="en-US" sz="1400" noProof="0" dirty="0" smtClean="0">
+                <a:solidFill>
+                  <a:srgbClr val="FF00FF"/>
+                </a:solidFill>
+                <a:latin typeface="Consolas" panose="020B0609020204030204" pitchFamily="49" charset="0"/>
+                <a:cs typeface="Consolas" panose="020B0609020204030204" pitchFamily="49" charset="0"/>
+              </a:rPr>
+              <a:t>            "minimum": 0,</a:t>
+            </a:r>
+          </a:p>
+          <a:p>
+            <a:pPr marL="0" indent="0">
+              <a:spcBef>
+                <a:spcPts val="0"/>
+              </a:spcBef>
+              <a:buNone/>
+            </a:pPr>
+            <a:r>
+              <a:rPr lang="en-US" sz="1400" noProof="0" dirty="0" smtClean="0">
+                <a:solidFill>
+                  <a:srgbClr val="FF00FF"/>
+                </a:solidFill>
+                <a:latin typeface="Consolas" panose="020B0609020204030204" pitchFamily="49" charset="0"/>
+                <a:cs typeface="Consolas" panose="020B0609020204030204" pitchFamily="49" charset="0"/>
+              </a:rPr>
+              <a:t>            "maximum": 100</a:t>
+            </a:r>
+          </a:p>
+          <a:p>
+            <a:pPr marL="0" indent="0">
+              <a:spcBef>
+                <a:spcPts val="0"/>
+              </a:spcBef>
+              <a:buNone/>
+            </a:pPr>
+            <a:r>
+              <a:rPr lang="en-US" sz="1400" noProof="0" dirty="0" smtClean="0">
+                <a:solidFill>
+                  <a:srgbClr val="FF00FF"/>
+                </a:solidFill>
+                <a:latin typeface="Consolas" panose="020B0609020204030204" pitchFamily="49" charset="0"/>
+                <a:cs typeface="Consolas" panose="020B0609020204030204" pitchFamily="49" charset="0"/>
+              </a:rPr>
+              <a:t>          },</a:t>
+            </a:r>
+          </a:p>
+          <a:p>
+            <a:pPr marL="0" indent="0">
+              <a:spcBef>
+                <a:spcPts val="0"/>
+              </a:spcBef>
+              <a:buNone/>
+            </a:pPr>
+            <a:r>
+              <a:rPr lang="en-US" sz="1400" noProof="0" dirty="0" smtClean="0">
+                <a:solidFill>
+                  <a:srgbClr val="FF00FF"/>
+                </a:solidFill>
+                <a:latin typeface="Consolas" panose="020B0609020204030204" pitchFamily="49" charset="0"/>
+                <a:cs typeface="Consolas" panose="020B0609020204030204" pitchFamily="49" charset="0"/>
+              </a:rPr>
+              <a:t>          </a:t>
+            </a:r>
+            <a:r>
+              <a:rPr lang="en-US" sz="1400" b="1" noProof="0" dirty="0" smtClean="0">
+                <a:solidFill>
+                  <a:srgbClr val="FF00FF"/>
+                </a:solidFill>
+                <a:latin typeface="Consolas" panose="020B0609020204030204" pitchFamily="49" charset="0"/>
+                <a:cs typeface="Consolas" panose="020B0609020204030204" pitchFamily="49" charset="0"/>
+              </a:rPr>
+              <a:t>"duration"</a:t>
+            </a:r>
+            <a:r>
+              <a:rPr lang="en-US" sz="1400" noProof="0" dirty="0" smtClean="0">
+                <a:solidFill>
+                  <a:srgbClr val="FF00FF"/>
+                </a:solidFill>
+                <a:latin typeface="Consolas" panose="020B0609020204030204" pitchFamily="49" charset="0"/>
+                <a:cs typeface="Consolas" panose="020B0609020204030204" pitchFamily="49" charset="0"/>
+              </a:rPr>
+              <a:t>: {</a:t>
+            </a:r>
+            <a:r>
+              <a:rPr lang="en-US" sz="1400" b="1" noProof="0" dirty="0" smtClean="0">
+                <a:solidFill>
+                  <a:srgbClr val="FF00FF"/>
+                </a:solidFill>
+                <a:latin typeface="Consolas" panose="020B0609020204030204" pitchFamily="49" charset="0"/>
+                <a:cs typeface="Consolas" panose="020B0609020204030204" pitchFamily="49" charset="0"/>
+              </a:rPr>
               <a:t> </a:t>
             </a:r>
             <a:r>
+              <a:rPr lang="en-US" sz="1400" noProof="0" dirty="0" smtClean="0">
+                <a:solidFill>
+                  <a:srgbClr val="FF00FF"/>
+                </a:solidFill>
+                <a:latin typeface="Consolas" panose="020B0609020204030204" pitchFamily="49" charset="0"/>
+                <a:cs typeface="Consolas" panose="020B0609020204030204" pitchFamily="49" charset="0"/>
+              </a:rPr>
+              <a:t>"type": "number" }</a:t>
+            </a:r>
+          </a:p>
+          <a:p>
+            <a:pPr marL="0" indent="0">
+              <a:spcBef>
+                <a:spcPts val="0"/>
+              </a:spcBef>
+              <a:buNone/>
+            </a:pPr>
+            <a:r>
+              <a:rPr lang="en-US" sz="1400" noProof="0" dirty="0" smtClean="0">
+                <a:solidFill>
+                  <a:srgbClr val="FF00FF"/>
+                </a:solidFill>
+                <a:latin typeface="Consolas" panose="020B0609020204030204" pitchFamily="49" charset="0"/>
+                <a:cs typeface="Consolas" panose="020B0609020204030204" pitchFamily="49" charset="0"/>
+              </a:rPr>
+              <a:t>        }</a:t>
+            </a:r>
+          </a:p>
+          <a:p>
+            <a:pPr marL="0" indent="0">
+              <a:spcBef>
+                <a:spcPts val="0"/>
+              </a:spcBef>
+              <a:buNone/>
+            </a:pPr>
+            <a:r>
+              <a:rPr lang="en-US" sz="1400" noProof="0" dirty="0" smtClean="0">
+                <a:solidFill>
+                  <a:srgbClr val="FF00FF"/>
+                </a:solidFill>
+                <a:latin typeface="Consolas" panose="020B0609020204030204" pitchFamily="49" charset="0"/>
+                <a:cs typeface="Consolas" panose="020B0609020204030204" pitchFamily="49" charset="0"/>
+              </a:rPr>
+              <a:t>      },</a:t>
+            </a:r>
+          </a:p>
+          <a:p>
+            <a:pPr marL="0" indent="0">
+              <a:spcBef>
+                <a:spcPts val="0"/>
+              </a:spcBef>
+              <a:buNone/>
+            </a:pPr>
+            <a:r>
+              <a:rPr lang="en-US" sz="1400" noProof="0" dirty="0" smtClean="0">
+                <a:latin typeface="Consolas" panose="020B0609020204030204" pitchFamily="49" charset="0"/>
+                <a:cs typeface="Consolas" panose="020B0609020204030204" pitchFamily="49" charset="0"/>
+              </a:rPr>
+              <a:t>      </a:t>
+            </a:r>
+            <a:r>
               <a:rPr lang="en-US" sz="1400" b="1" noProof="0" dirty="0" smtClean="0">
                 <a:solidFill>
                   <a:srgbClr val="4A7B7C"/>
@@ -24646,17 +22412,14 @@
                 <a:latin typeface="Consolas" panose="020B0609020204030204" pitchFamily="49" charset="0"/>
                 <a:cs typeface="Consolas" panose="020B0609020204030204" pitchFamily="49" charset="0"/>
               </a:rPr>
-              <a:t> "</a:t>
-            </a:r>
-            <a:r>
-              <a:rPr lang="en-US" sz="1400" b="1" noProof="0" dirty="0">
-                <a:solidFill>
-                  <a:srgbClr val="4A7B7C"/>
-                </a:solidFill>
-                <a:latin typeface="Consolas" panose="020B0609020204030204" pitchFamily="49" charset="0"/>
-                <a:cs typeface="Consolas" panose="020B0609020204030204" pitchFamily="49" charset="0"/>
-              </a:rPr>
-              <a:t>actions": {</a:t>
+              <a:t>"forms"</a:t>
+            </a:r>
+            <a:r>
+              <a:rPr lang="en-US" sz="1400" noProof="0" dirty="0" smtClean="0">
+                <a:latin typeface="Consolas" panose="020B0609020204030204" pitchFamily="49" charset="0"/>
+                <a:cs typeface="Consolas" panose="020B0609020204030204" pitchFamily="49" charset="0"/>
+              </a:rPr>
+              <a:t>: [{</a:t>
             </a:r>
           </a:p>
           <a:p>
@@ -24667,333 +22430,25 @@
               <a:buNone/>
             </a:pPr>
             <a:r>
-              <a:rPr lang="en-US" sz="1400" b="1" noProof="0" dirty="0">
-                <a:solidFill>
-                  <a:srgbClr val="0070C0"/>
-                </a:solidFill>
-                <a:latin typeface="Consolas" panose="020B0609020204030204" pitchFamily="49" charset="0"/>
-                <a:cs typeface="Consolas" panose="020B0609020204030204" pitchFamily="49" charset="0"/>
-              </a:rPr>
-              <a:t>    "fade": {</a:t>
-            </a:r>
-          </a:p>
-          <a:p>
-            <a:pPr marL="0" indent="0">
-              <a:spcBef>
-                <a:spcPts val="0"/>
-              </a:spcBef>
-              <a:buNone/>
-            </a:pPr>
-            <a:r>
-              <a:rPr lang="en-US" sz="1400" noProof="0" dirty="0">
-                <a:solidFill>
-                  <a:srgbClr val="FF00FF"/>
-                </a:solidFill>
-                <a:latin typeface="Consolas" panose="020B0609020204030204" pitchFamily="49" charset="0"/>
-                <a:cs typeface="Consolas" panose="020B0609020204030204" pitchFamily="49" charset="0"/>
-              </a:rPr>
-              <a:t>      "input": {</a:t>
-            </a:r>
-          </a:p>
-          <a:p>
-            <a:pPr marL="0" indent="0">
-              <a:spcBef>
-                <a:spcPts val="0"/>
-              </a:spcBef>
-              <a:buNone/>
-            </a:pPr>
-            <a:r>
-              <a:rPr lang="en-US" sz="1400" noProof="0" dirty="0">
-                <a:solidFill>
-                  <a:srgbClr val="FF00FF"/>
-                </a:solidFill>
-                <a:latin typeface="Consolas" panose="020B0609020204030204" pitchFamily="49" charset="0"/>
-                <a:cs typeface="Consolas" panose="020B0609020204030204" pitchFamily="49" charset="0"/>
-              </a:rPr>
-              <a:t>        "type": "object",</a:t>
-            </a:r>
-          </a:p>
-          <a:p>
-            <a:pPr marL="0" indent="0">
-              <a:spcBef>
-                <a:spcPts val="0"/>
-              </a:spcBef>
-              <a:buNone/>
-            </a:pPr>
-            <a:r>
-              <a:rPr lang="en-US" sz="1400" b="1" noProof="0" dirty="0">
-                <a:solidFill>
-                  <a:srgbClr val="FF00FF"/>
-                </a:solidFill>
-                <a:latin typeface="Consolas" panose="020B0609020204030204" pitchFamily="49" charset="0"/>
-                <a:cs typeface="Consolas" panose="020B0609020204030204" pitchFamily="49" charset="0"/>
-              </a:rPr>
-              <a:t>        "properties"</a:t>
-            </a:r>
-            <a:r>
-              <a:rPr lang="en-US" sz="1400" noProof="0" dirty="0">
-                <a:solidFill>
-                  <a:srgbClr val="FF00FF"/>
-                </a:solidFill>
-                <a:latin typeface="Consolas" panose="020B0609020204030204" pitchFamily="49" charset="0"/>
-                <a:cs typeface="Consolas" panose="020B0609020204030204" pitchFamily="49" charset="0"/>
-              </a:rPr>
-              <a:t>: {</a:t>
-            </a:r>
-          </a:p>
-          <a:p>
-            <a:pPr marL="0" indent="0">
-              <a:spcBef>
-                <a:spcPts val="0"/>
-              </a:spcBef>
-              <a:buNone/>
-            </a:pPr>
-            <a:r>
-              <a:rPr lang="en-US" sz="1400" b="1" noProof="0" dirty="0" smtClean="0">
-                <a:solidFill>
-                  <a:srgbClr val="FF00FF"/>
-                </a:solidFill>
-                <a:latin typeface="Consolas" panose="020B0609020204030204" pitchFamily="49" charset="0"/>
-                <a:cs typeface="Consolas" panose="020B0609020204030204" pitchFamily="49" charset="0"/>
-              </a:rPr>
-              <a:t>          "</a:t>
-            </a:r>
-            <a:r>
-              <a:rPr lang="en-US" sz="1400" b="1" noProof="0" dirty="0">
-                <a:solidFill>
-                  <a:srgbClr val="FF00FF"/>
-                </a:solidFill>
-                <a:latin typeface="Consolas" panose="020B0609020204030204" pitchFamily="49" charset="0"/>
-                <a:cs typeface="Consolas" panose="020B0609020204030204" pitchFamily="49" charset="0"/>
-              </a:rPr>
-              <a:t>to"</a:t>
-            </a:r>
-            <a:r>
-              <a:rPr lang="en-US" sz="1400" noProof="0" dirty="0">
-                <a:solidFill>
-                  <a:srgbClr val="FF00FF"/>
-                </a:solidFill>
-                <a:latin typeface="Consolas" panose="020B0609020204030204" pitchFamily="49" charset="0"/>
-                <a:cs typeface="Consolas" panose="020B0609020204030204" pitchFamily="49" charset="0"/>
-              </a:rPr>
-              <a:t>: {</a:t>
-            </a:r>
-          </a:p>
-          <a:p>
-            <a:pPr marL="0" indent="0">
-              <a:spcBef>
-                <a:spcPts val="0"/>
-              </a:spcBef>
-              <a:buNone/>
-            </a:pPr>
-            <a:r>
-              <a:rPr lang="en-US" sz="1400" noProof="0" dirty="0">
-                <a:solidFill>
-                  <a:srgbClr val="FF00FF"/>
-                </a:solidFill>
-                <a:latin typeface="Consolas" panose="020B0609020204030204" pitchFamily="49" charset="0"/>
-                <a:cs typeface="Consolas" panose="020B0609020204030204" pitchFamily="49" charset="0"/>
-              </a:rPr>
-              <a:t>            "type": "integer",</a:t>
-            </a:r>
-          </a:p>
-          <a:p>
-            <a:pPr marL="0" indent="0">
-              <a:spcBef>
-                <a:spcPts val="0"/>
-              </a:spcBef>
-              <a:buNone/>
-            </a:pPr>
-            <a:r>
-              <a:rPr lang="en-US" sz="1400" noProof="0" dirty="0">
-                <a:solidFill>
-                  <a:srgbClr val="FF00FF"/>
-                </a:solidFill>
-                <a:latin typeface="Consolas" panose="020B0609020204030204" pitchFamily="49" charset="0"/>
-                <a:cs typeface="Consolas" panose="020B0609020204030204" pitchFamily="49" charset="0"/>
-              </a:rPr>
-              <a:t>            "minimum": 0,</a:t>
-            </a:r>
-          </a:p>
-          <a:p>
-            <a:pPr marL="0" indent="0">
-              <a:spcBef>
-                <a:spcPts val="0"/>
-              </a:spcBef>
-              <a:buNone/>
-            </a:pPr>
-            <a:r>
-              <a:rPr lang="en-US" sz="1400" noProof="0" dirty="0">
-                <a:solidFill>
-                  <a:srgbClr val="FF00FF"/>
-                </a:solidFill>
-                <a:latin typeface="Consolas" panose="020B0609020204030204" pitchFamily="49" charset="0"/>
-                <a:cs typeface="Consolas" panose="020B0609020204030204" pitchFamily="49" charset="0"/>
-              </a:rPr>
-              <a:t>            "maximum": 100</a:t>
-            </a:r>
-          </a:p>
-          <a:p>
-            <a:pPr marL="0" indent="0">
-              <a:spcBef>
-                <a:spcPts val="0"/>
-              </a:spcBef>
-              <a:buNone/>
-            </a:pPr>
-            <a:r>
-              <a:rPr lang="en-US" sz="1400" noProof="0" dirty="0">
-                <a:solidFill>
-                  <a:srgbClr val="FF00FF"/>
-                </a:solidFill>
-                <a:latin typeface="Consolas" panose="020B0609020204030204" pitchFamily="49" charset="0"/>
-                <a:cs typeface="Consolas" panose="020B0609020204030204" pitchFamily="49" charset="0"/>
-              </a:rPr>
-              <a:t>          },</a:t>
-            </a:r>
-          </a:p>
-          <a:p>
-            <a:pPr marL="0" indent="0">
-              <a:spcBef>
-                <a:spcPts val="0"/>
-              </a:spcBef>
-              <a:buNone/>
-            </a:pPr>
-            <a:r>
-              <a:rPr lang="en-US" sz="1400" noProof="0" dirty="0">
-                <a:solidFill>
-                  <a:srgbClr val="FF00FF"/>
-                </a:solidFill>
-                <a:latin typeface="Consolas" panose="020B0609020204030204" pitchFamily="49" charset="0"/>
-                <a:cs typeface="Consolas" panose="020B0609020204030204" pitchFamily="49" charset="0"/>
-              </a:rPr>
-              <a:t>          </a:t>
-            </a:r>
-            <a:r>
-              <a:rPr lang="en-US" sz="1400" b="1" noProof="0" dirty="0">
-                <a:solidFill>
-                  <a:srgbClr val="FF00FF"/>
-                </a:solidFill>
-                <a:latin typeface="Consolas" panose="020B0609020204030204" pitchFamily="49" charset="0"/>
-                <a:cs typeface="Consolas" panose="020B0609020204030204" pitchFamily="49" charset="0"/>
-              </a:rPr>
-              <a:t>"duration"</a:t>
-            </a:r>
-            <a:r>
-              <a:rPr lang="en-US" sz="1400" noProof="0" dirty="0">
-                <a:solidFill>
-                  <a:srgbClr val="FF00FF"/>
-                </a:solidFill>
-                <a:latin typeface="Consolas" panose="020B0609020204030204" pitchFamily="49" charset="0"/>
-                <a:cs typeface="Consolas" panose="020B0609020204030204" pitchFamily="49" charset="0"/>
-              </a:rPr>
-              <a:t>: {</a:t>
-            </a:r>
-            <a:r>
-              <a:rPr lang="en-US" sz="1400" b="1" noProof="0" dirty="0">
-                <a:solidFill>
-                  <a:srgbClr val="FF00FF"/>
-                </a:solidFill>
-                <a:latin typeface="Consolas" panose="020B0609020204030204" pitchFamily="49" charset="0"/>
-                <a:cs typeface="Consolas" panose="020B0609020204030204" pitchFamily="49" charset="0"/>
-              </a:rPr>
-              <a:t> </a:t>
-            </a:r>
-            <a:r>
-              <a:rPr lang="en-US" sz="1400" noProof="0" dirty="0">
-                <a:solidFill>
-                  <a:srgbClr val="FF00FF"/>
-                </a:solidFill>
-                <a:latin typeface="Consolas" panose="020B0609020204030204" pitchFamily="49" charset="0"/>
-                <a:cs typeface="Consolas" panose="020B0609020204030204" pitchFamily="49" charset="0"/>
-              </a:rPr>
-              <a:t>"type": "number" }</a:t>
-            </a:r>
-          </a:p>
-          <a:p>
-            <a:pPr marL="0" indent="0">
-              <a:spcBef>
-                <a:spcPts val="0"/>
-              </a:spcBef>
-              <a:buNone/>
-            </a:pPr>
-            <a:r>
-              <a:rPr lang="en-US" sz="1400" noProof="0" dirty="0">
-                <a:solidFill>
-                  <a:srgbClr val="FF00FF"/>
-                </a:solidFill>
-                <a:latin typeface="Consolas" panose="020B0609020204030204" pitchFamily="49" charset="0"/>
-                <a:cs typeface="Consolas" panose="020B0609020204030204" pitchFamily="49" charset="0"/>
-              </a:rPr>
-              <a:t>        }</a:t>
-            </a:r>
-          </a:p>
-          <a:p>
-            <a:pPr marL="0" indent="0">
-              <a:spcBef>
-                <a:spcPts val="0"/>
-              </a:spcBef>
-              <a:buNone/>
-            </a:pPr>
-            <a:r>
-              <a:rPr lang="en-US" sz="1400" noProof="0" dirty="0">
-                <a:solidFill>
-                  <a:srgbClr val="FF00FF"/>
-                </a:solidFill>
-                <a:latin typeface="Consolas" panose="020B0609020204030204" pitchFamily="49" charset="0"/>
-                <a:cs typeface="Consolas" panose="020B0609020204030204" pitchFamily="49" charset="0"/>
-              </a:rPr>
-              <a:t>      },</a:t>
-            </a:r>
-          </a:p>
-          <a:p>
-            <a:pPr marL="0" indent="0">
-              <a:spcBef>
-                <a:spcPts val="0"/>
-              </a:spcBef>
-              <a:buNone/>
-            </a:pPr>
-            <a:r>
-              <a:rPr lang="en-US" sz="1400" noProof="0" dirty="0">
-                <a:latin typeface="Consolas" panose="020B0609020204030204" pitchFamily="49" charset="0"/>
-                <a:cs typeface="Consolas" panose="020B0609020204030204" pitchFamily="49" charset="0"/>
-              </a:rPr>
-              <a:t>      "forms": [{</a:t>
-            </a:r>
-          </a:p>
-          <a:p>
-            <a:pPr marL="0" indent="0">
-              <a:spcBef>
-                <a:spcPts val="0"/>
-              </a:spcBef>
-              <a:buNone/>
-            </a:pPr>
-            <a:r>
-              <a:rPr lang="en-US" sz="1400" noProof="0" dirty="0">
+              <a:rPr lang="en-US" sz="1400" noProof="0" dirty="0" smtClean="0">
                 <a:latin typeface="Consolas" panose="020B0609020204030204" pitchFamily="49" charset="0"/>
                 <a:cs typeface="Consolas" panose="020B0609020204030204" pitchFamily="49" charset="0"/>
               </a:rPr>
               <a:t>        "</a:t>
             </a:r>
             <a:r>
-              <a:rPr lang="en-US" sz="1400" noProof="0" dirty="0" err="1">
+              <a:rPr lang="en-US" sz="1400" noProof="0" dirty="0" err="1" smtClean="0">
                 <a:latin typeface="Consolas" panose="020B0609020204030204" pitchFamily="49" charset="0"/>
                 <a:cs typeface="Consolas" panose="020B0609020204030204" pitchFamily="49" charset="0"/>
               </a:rPr>
               <a:t>href</a:t>
             </a:r>
             <a:r>
-              <a:rPr lang="en-US" sz="1400" noProof="0" dirty="0">
-                <a:latin typeface="Consolas" panose="020B0609020204030204" pitchFamily="49" charset="0"/>
-                <a:cs typeface="Consolas" panose="020B0609020204030204" pitchFamily="49" charset="0"/>
-              </a:rPr>
-              <a:t>": </a:t>
-            </a:r>
-            <a:r>
               <a:rPr lang="en-US" sz="1400" noProof="0" dirty="0" smtClean="0">
                 <a:latin typeface="Consolas" panose="020B0609020204030204" pitchFamily="49" charset="0"/>
                 <a:cs typeface="Consolas" panose="020B0609020204030204" pitchFamily="49" charset="0"/>
               </a:rPr>
-              <a:t>"actions/fade",</a:t>
+              <a:t>": "actions/fade",</a:t>
             </a:r>
             <a:endParaRPr lang="en-US" sz="1400" b="1" noProof="0" dirty="0" smtClean="0">
               <a:solidFill>
@@ -25021,32 +22476,25 @@
               <a:t>        </a:t>
             </a:r>
             <a:r>
-              <a:rPr lang="en-US" sz="1400" dirty="0">
+              <a:rPr lang="en-US" sz="1400" dirty="0" smtClean="0">
                 <a:latin typeface="Consolas" panose="020B0609020204030204" pitchFamily="49" charset="0"/>
                 <a:cs typeface="Consolas" panose="020B0609020204030204" pitchFamily="49" charset="0"/>
               </a:rPr>
               <a:t>"</a:t>
             </a:r>
             <a:r>
-              <a:rPr lang="en-US" sz="1400" dirty="0" err="1">
+              <a:rPr lang="en-US" sz="1400" dirty="0" err="1" smtClean="0">
                 <a:latin typeface="Consolas" panose="020B0609020204030204" pitchFamily="49" charset="0"/>
                 <a:cs typeface="Consolas" panose="020B0609020204030204" pitchFamily="49" charset="0"/>
               </a:rPr>
               <a:t>mediaType</a:t>
             </a:r>
             <a:r>
-              <a:rPr lang="en-US" sz="1400" dirty="0">
-                <a:latin typeface="Consolas" panose="020B0609020204030204" pitchFamily="49" charset="0"/>
-                <a:cs typeface="Consolas" panose="020B0609020204030204" pitchFamily="49" charset="0"/>
-              </a:rPr>
-              <a:t>": "</a:t>
-            </a:r>
-            <a:r>
               <a:rPr lang="en-US" sz="1400" dirty="0" smtClean="0">
                 <a:latin typeface="Consolas" panose="020B0609020204030204" pitchFamily="49" charset="0"/>
                 <a:cs typeface="Consolas" panose="020B0609020204030204" pitchFamily="49" charset="0"/>
               </a:rPr>
-              <a:t>application/</a:t>
+              <a:t>": "application/</a:t>
             </a:r>
             <a:r>
               <a:rPr lang="en-US" sz="1400" dirty="0" err="1" smtClean="0">
@@ -25071,24 +22519,34 @@
               <a:buNone/>
             </a:pPr>
             <a:r>
-              <a:rPr lang="en-US" sz="1400" b="1" dirty="0">
+              <a:rPr lang="en-US" sz="1400" b="1" dirty="0" smtClean="0">
                 <a:solidFill>
                   <a:schemeClr val="accent6"/>
                 </a:solidFill>
                 <a:latin typeface="Consolas" panose="020B0609020204030204" pitchFamily="49" charset="0"/>
                 <a:cs typeface="Consolas" panose="020B0609020204030204" pitchFamily="49" charset="0"/>
               </a:rPr>
-              <a:t> </a:t>
-            </a:r>
-            <a:r>
-              <a:rPr lang="en-US" sz="1400" b="1" dirty="0" smtClean="0">
+              <a:t>        "</a:t>
+            </a:r>
+            <a:r>
+              <a:rPr lang="en-US" sz="1400" b="1" noProof="0" dirty="0" err="1" smtClean="0">
                 <a:solidFill>
                   <a:schemeClr val="accent6"/>
                 </a:solidFill>
                 <a:latin typeface="Consolas" panose="020B0609020204030204" pitchFamily="49" charset="0"/>
                 <a:cs typeface="Consolas" panose="020B0609020204030204" pitchFamily="49" charset="0"/>
               </a:rPr>
-              <a:t>       "</a:t>
+              <a:t>inputMediaType</a:t>
+            </a:r>
+            <a:r>
+              <a:rPr lang="en-US" sz="1400" b="1" noProof="0" dirty="0" smtClean="0">
+                <a:solidFill>
+                  <a:schemeClr val="accent6"/>
+                </a:solidFill>
+                <a:latin typeface="Consolas" panose="020B0609020204030204" pitchFamily="49" charset="0"/>
+                <a:cs typeface="Consolas" panose="020B0609020204030204" pitchFamily="49" charset="0"/>
+              </a:rPr>
+              <a:t>": "application/</a:t>
             </a:r>
             <a:r>
               <a:rPr lang="en-US" sz="1400" b="1" noProof="0" dirty="0" err="1" smtClean="0">
@@ -25098,7 +22556,7 @@
                 <a:latin typeface="Consolas" panose="020B0609020204030204" pitchFamily="49" charset="0"/>
                 <a:cs typeface="Consolas" panose="020B0609020204030204" pitchFamily="49" charset="0"/>
               </a:rPr>
-              <a:t>inputMediaType</a:t>
+              <a:t>cbor</a:t>
             </a:r>
             <a:r>
               <a:rPr lang="en-US" sz="1400" b="1" noProof="0" dirty="0" smtClean="0">
@@ -25108,52 +22566,62 @@
                 <a:latin typeface="Consolas" panose="020B0609020204030204" pitchFamily="49" charset="0"/>
                 <a:cs typeface="Consolas" panose="020B0609020204030204" pitchFamily="49" charset="0"/>
               </a:rPr>
-              <a:t>": </a:t>
-            </a:r>
-            <a:r>
-              <a:rPr lang="en-US" sz="1400" b="1" noProof="0" dirty="0">
-                <a:solidFill>
-                  <a:schemeClr val="accent6"/>
-                </a:solidFill>
-                <a:latin typeface="Consolas" panose="020B0609020204030204" pitchFamily="49" charset="0"/>
-                <a:cs typeface="Consolas" panose="020B0609020204030204" pitchFamily="49" charset="0"/>
-              </a:rPr>
               <a:t>"</a:t>
             </a:r>
-            <a:r>
-              <a:rPr lang="en-US" sz="1400" b="1" noProof="0" dirty="0" smtClean="0">
-                <a:solidFill>
-                  <a:schemeClr val="accent6"/>
-                </a:solidFill>
-                <a:latin typeface="Consolas" panose="020B0609020204030204" pitchFamily="49" charset="0"/>
-                <a:cs typeface="Consolas" panose="020B0609020204030204" pitchFamily="49" charset="0"/>
-              </a:rPr>
-              <a:t>application/</a:t>
-            </a:r>
-            <a:r>
-              <a:rPr lang="en-US" sz="1400" b="1" noProof="0" dirty="0" err="1" smtClean="0">
-                <a:solidFill>
-                  <a:schemeClr val="accent6"/>
-                </a:solidFill>
-                <a:latin typeface="Consolas" panose="020B0609020204030204" pitchFamily="49" charset="0"/>
-                <a:cs typeface="Consolas" panose="020B0609020204030204" pitchFamily="49" charset="0"/>
-              </a:rPr>
-              <a:t>cbor</a:t>
-            </a:r>
-            <a:r>
-              <a:rPr lang="en-US" sz="1400" b="1" noProof="0" dirty="0" smtClean="0">
-                <a:solidFill>
-                  <a:schemeClr val="accent6"/>
-                </a:solidFill>
-                <a:latin typeface="Consolas" panose="020B0609020204030204" pitchFamily="49" charset="0"/>
-                <a:cs typeface="Consolas" panose="020B0609020204030204" pitchFamily="49" charset="0"/>
-              </a:rPr>
-              <a:t>"</a:t>
-            </a:r>
-            <a:endParaRPr lang="en-US" sz="1400" b="1" noProof="0" dirty="0">
-              <a:solidFill>
-                <a:schemeClr val="accent6"/>
-              </a:solidFill>
+          </a:p>
+          <a:p>
+            <a:pPr marL="0" indent="0">
+              <a:spcBef>
+                <a:spcPts val="0"/>
+              </a:spcBef>
+              <a:buNone/>
+            </a:pPr>
+            <a:r>
+              <a:rPr lang="en-US" sz="1400" noProof="0" dirty="0" smtClean="0">
+                <a:latin typeface="Consolas" panose="020B0609020204030204" pitchFamily="49" charset="0"/>
+                <a:cs typeface="Consolas" panose="020B0609020204030204" pitchFamily="49" charset="0"/>
+              </a:rPr>
+              <a:t>      }]</a:t>
+            </a:r>
+          </a:p>
+          <a:p>
+            <a:pPr marL="0" indent="0">
+              <a:spcBef>
+                <a:spcPts val="0"/>
+              </a:spcBef>
+              <a:buNone/>
+            </a:pPr>
+            <a:r>
+              <a:rPr lang="en-US" sz="1400" noProof="0" dirty="0" smtClean="0">
+                <a:latin typeface="Consolas" panose="020B0609020204030204" pitchFamily="49" charset="0"/>
+                <a:cs typeface="Consolas" panose="020B0609020204030204" pitchFamily="49" charset="0"/>
+              </a:rPr>
+              <a:t>    }</a:t>
+            </a:r>
+          </a:p>
+          <a:p>
+            <a:pPr marL="0" indent="0">
+              <a:spcBef>
+                <a:spcPts val="0"/>
+              </a:spcBef>
+              <a:buNone/>
+            </a:pPr>
+            <a:r>
+              <a:rPr lang="en-US" sz="1400" noProof="0" dirty="0" smtClean="0">
+                <a:latin typeface="Consolas" panose="020B0609020204030204" pitchFamily="49" charset="0"/>
+                <a:cs typeface="Consolas" panose="020B0609020204030204" pitchFamily="49" charset="0"/>
+              </a:rPr>
+              <a:t>  },</a:t>
+            </a:r>
+          </a:p>
+          <a:p>
+            <a:pPr marL="0" indent="0">
+              <a:spcBef>
+                <a:spcPts val="0"/>
+              </a:spcBef>
+              <a:buNone/>
+            </a:pPr>
+            <a:endParaRPr lang="en-US" sz="1400" dirty="0" smtClean="0">
               <a:latin typeface="Consolas" panose="020B0609020204030204" pitchFamily="49" charset="0"/>
               <a:cs typeface="Consolas" panose="020B0609020204030204" pitchFamily="49" charset="0"/>
             </a:endParaRPr>
@@ -25165,14 +22633,7 @@
               </a:spcBef>
               <a:buNone/>
             </a:pPr>
-            <a:r>
-              <a:rPr lang="en-US" sz="1400" noProof="0" dirty="0" smtClean="0">
-                <a:latin typeface="Consolas" panose="020B0609020204030204" pitchFamily="49" charset="0"/>
-                <a:cs typeface="Consolas" panose="020B0609020204030204" pitchFamily="49" charset="0"/>
-              </a:rPr>
-              <a:t>      }]</a:t>
-            </a:r>
-            <a:endParaRPr lang="en-US" sz="1400" noProof="0" dirty="0">
+            <a:endParaRPr lang="en-US" sz="1400" noProof="0" dirty="0" smtClean="0">
               <a:latin typeface="Consolas" panose="020B0609020204030204" pitchFamily="49" charset="0"/>
               <a:cs typeface="Consolas" panose="020B0609020204030204" pitchFamily="49" charset="0"/>
             </a:endParaRPr>
@@ -25184,44 +22645,7 @@
               </a:spcBef>
               <a:buNone/>
             </a:pPr>
-            <a:r>
-              <a:rPr lang="en-US" sz="1400" noProof="0" dirty="0">
-                <a:latin typeface="Consolas" panose="020B0609020204030204" pitchFamily="49" charset="0"/>
-                <a:cs typeface="Consolas" panose="020B0609020204030204" pitchFamily="49" charset="0"/>
-              </a:rPr>
-              <a:t>    }</a:t>
-            </a:r>
-          </a:p>
-          <a:p>
-            <a:pPr marL="0" indent="0">
-              <a:spcBef>
-                <a:spcPts val="0"/>
-              </a:spcBef>
-              <a:buNone/>
-            </a:pPr>
-            <a:r>
-              <a:rPr lang="en-US" sz="1400" noProof="0" dirty="0">
-                <a:latin typeface="Consolas" panose="020B0609020204030204" pitchFamily="49" charset="0"/>
-                <a:cs typeface="Consolas" panose="020B0609020204030204" pitchFamily="49" charset="0"/>
-              </a:rPr>
-              <a:t>  </a:t>
-            </a:r>
-            <a:r>
-              <a:rPr lang="en-US" sz="1400" noProof="0" dirty="0" smtClean="0">
-                <a:latin typeface="Consolas" panose="020B0609020204030204" pitchFamily="49" charset="0"/>
-                <a:cs typeface="Consolas" panose="020B0609020204030204" pitchFamily="49" charset="0"/>
-              </a:rPr>
-              <a:t>},</a:t>
-            </a:r>
-          </a:p>
-          <a:p>
-            <a:pPr marL="0" indent="0">
-              <a:spcBef>
-                <a:spcPts val="0"/>
-              </a:spcBef>
-              <a:buNone/>
-            </a:pPr>
-            <a:endParaRPr lang="de-DE" sz="1400" dirty="0">
+            <a:endParaRPr lang="en-US" sz="1400" dirty="0" smtClean="0">
               <a:latin typeface="Consolas" panose="020B0609020204030204" pitchFamily="49" charset="0"/>
               <a:cs typeface="Consolas" panose="020B0609020204030204" pitchFamily="49" charset="0"/>
             </a:endParaRPr>
@@ -25233,7 +22657,7 @@
               </a:spcBef>
               <a:buNone/>
             </a:pPr>
-            <a:endParaRPr lang="de-DE" sz="1400" noProof="0" dirty="0" smtClean="0">
+            <a:endParaRPr lang="en-US" sz="1400" noProof="0" dirty="0" smtClean="0">
               <a:latin typeface="Consolas" panose="020B0609020204030204" pitchFamily="49" charset="0"/>
               <a:cs typeface="Consolas" panose="020B0609020204030204" pitchFamily="49" charset="0"/>
             </a:endParaRPr>
@@ -25245,7 +22669,7 @@
               </a:spcBef>
               <a:buNone/>
             </a:pPr>
-            <a:endParaRPr lang="de-DE" sz="1400" dirty="0">
+            <a:endParaRPr lang="en-US" sz="1400" noProof="0" dirty="0" smtClean="0">
               <a:latin typeface="Consolas" panose="020B0609020204030204" pitchFamily="49" charset="0"/>
               <a:cs typeface="Consolas" panose="020B0609020204030204" pitchFamily="49" charset="0"/>
             </a:endParaRPr>
@@ -25257,32 +22681,8 @@
               </a:spcBef>
               <a:buNone/>
             </a:pPr>
-            <a:endParaRPr lang="de-DE" sz="1400" noProof="0" dirty="0" smtClean="0">
-              <a:latin typeface="Consolas" panose="020B0609020204030204" pitchFamily="49" charset="0"/>
-              <a:cs typeface="Consolas" panose="020B0609020204030204" pitchFamily="49" charset="0"/>
-            </a:endParaRPr>
-          </a:p>
-          <a:p>
-            <a:pPr marL="0" indent="0">
-              <a:spcBef>
-                <a:spcPts val="0"/>
-              </a:spcBef>
-              <a:buNone/>
-            </a:pPr>
-            <a:endParaRPr lang="en-US" sz="1400" noProof="0" dirty="0">
-              <a:latin typeface="Consolas" panose="020B0609020204030204" pitchFamily="49" charset="0"/>
-              <a:cs typeface="Consolas" panose="020B0609020204030204" pitchFamily="49" charset="0"/>
-            </a:endParaRPr>
-          </a:p>
-          <a:p>
-            <a:pPr marL="0" indent="0">
-              <a:spcBef>
-                <a:spcPts val="0"/>
-              </a:spcBef>
-              <a:buNone/>
-            </a:pPr>
-            <a:r>
-              <a:rPr lang="en-US" sz="1400" b="1" noProof="0" dirty="0">
+            <a:r>
+              <a:rPr lang="en-US" sz="1400" b="1" noProof="0" dirty="0" smtClean="0">
                 <a:solidFill>
                   <a:srgbClr val="4A7B7C"/>
                 </a:solidFill>
@@ -25290,432 +22690,6 @@
                 <a:cs typeface="Consolas" panose="020B0609020204030204" pitchFamily="49" charset="0"/>
               </a:rPr>
               <a:t>  "events": {</a:t>
-            </a:r>
-          </a:p>
-          <a:p>
-            <a:pPr marL="0" indent="0">
-              <a:spcBef>
-                <a:spcPts val="0"/>
-              </a:spcBef>
-              <a:buNone/>
-            </a:pPr>
-            <a:r>
-              <a:rPr lang="en-US" sz="1400" noProof="0" dirty="0">
-                <a:solidFill>
-                  <a:srgbClr val="0070C0"/>
-                </a:solidFill>
-                <a:latin typeface="Consolas" panose="020B0609020204030204" pitchFamily="49" charset="0"/>
-                <a:cs typeface="Consolas" panose="020B0609020204030204" pitchFamily="49" charset="0"/>
-              </a:rPr>
-              <a:t>    "overheated": {</a:t>
-            </a:r>
-          </a:p>
-          <a:p>
-            <a:pPr marL="0" indent="0">
-              <a:spcBef>
-                <a:spcPts val="0"/>
-              </a:spcBef>
-              <a:buNone/>
-            </a:pPr>
-            <a:r>
-              <a:rPr lang="en-US" sz="1400" noProof="0" dirty="0">
-                <a:solidFill>
-                  <a:srgbClr val="FF00FF"/>
-                </a:solidFill>
-                <a:latin typeface="Consolas" panose="020B0609020204030204" pitchFamily="49" charset="0"/>
-                <a:cs typeface="Consolas" panose="020B0609020204030204" pitchFamily="49" charset="0"/>
-              </a:rPr>
-              <a:t>      "type": "object",</a:t>
-            </a:r>
-          </a:p>
-          <a:p>
-            <a:pPr marL="0" indent="0">
-              <a:spcBef>
-                <a:spcPts val="0"/>
-              </a:spcBef>
-              <a:buNone/>
-            </a:pPr>
-            <a:r>
-              <a:rPr lang="en-US" sz="1400" noProof="0" dirty="0">
-                <a:solidFill>
-                  <a:srgbClr val="FF00FF"/>
-                </a:solidFill>
-                <a:latin typeface="Consolas" panose="020B0609020204030204" pitchFamily="49" charset="0"/>
-                <a:cs typeface="Consolas" panose="020B0609020204030204" pitchFamily="49" charset="0"/>
-              </a:rPr>
-              <a:t>      "properties": {</a:t>
-            </a:r>
-          </a:p>
-          <a:p>
-            <a:pPr marL="0" indent="0">
-              <a:spcBef>
-                <a:spcPts val="0"/>
-              </a:spcBef>
-              <a:buNone/>
-            </a:pPr>
-            <a:r>
-              <a:rPr lang="en-US" sz="1400" noProof="0" dirty="0">
-                <a:solidFill>
-                  <a:srgbClr val="FF00FF"/>
-                </a:solidFill>
-                <a:latin typeface="Consolas" panose="020B0609020204030204" pitchFamily="49" charset="0"/>
-                <a:cs typeface="Consolas" panose="020B0609020204030204" pitchFamily="49" charset="0"/>
-              </a:rPr>
-              <a:t>        "temperature": { "type": "number" }</a:t>
-            </a:r>
-          </a:p>
-          <a:p>
-            <a:pPr marL="0" indent="0">
-              <a:spcBef>
-                <a:spcPts val="0"/>
-              </a:spcBef>
-              <a:buNone/>
-            </a:pPr>
-            <a:r>
-              <a:rPr lang="en-US" sz="1400" noProof="0" dirty="0">
-                <a:solidFill>
-                  <a:srgbClr val="FF00FF"/>
-                </a:solidFill>
-                <a:latin typeface="Consolas" panose="020B0609020204030204" pitchFamily="49" charset="0"/>
-                <a:cs typeface="Consolas" panose="020B0609020204030204" pitchFamily="49" charset="0"/>
-              </a:rPr>
-              <a:t>      },</a:t>
-            </a:r>
-          </a:p>
-          <a:p>
-            <a:pPr marL="0" indent="0">
-              <a:spcBef>
-                <a:spcPts val="0"/>
-              </a:spcBef>
-              <a:buNone/>
-            </a:pPr>
-            <a:r>
-              <a:rPr lang="en-US" sz="1400" noProof="0" dirty="0">
-                <a:latin typeface="Consolas" panose="020B0609020204030204" pitchFamily="49" charset="0"/>
-                <a:cs typeface="Consolas" panose="020B0609020204030204" pitchFamily="49" charset="0"/>
-              </a:rPr>
-              <a:t>      "forms": [{</a:t>
-            </a:r>
-          </a:p>
-          <a:p>
-            <a:pPr marL="0" indent="0">
-              <a:spcBef>
-                <a:spcPts val="0"/>
-              </a:spcBef>
-              <a:buNone/>
-            </a:pPr>
-            <a:r>
-              <a:rPr lang="en-US" sz="1400" noProof="0" dirty="0">
-                <a:latin typeface="Consolas" panose="020B0609020204030204" pitchFamily="49" charset="0"/>
-                <a:cs typeface="Consolas" panose="020B0609020204030204" pitchFamily="49" charset="0"/>
-              </a:rPr>
-              <a:t>        "</a:t>
-            </a:r>
-            <a:r>
-              <a:rPr lang="en-US" sz="1400" noProof="0" dirty="0" err="1">
-                <a:latin typeface="Consolas" panose="020B0609020204030204" pitchFamily="49" charset="0"/>
-                <a:cs typeface="Consolas" panose="020B0609020204030204" pitchFamily="49" charset="0"/>
-              </a:rPr>
-              <a:t>href</a:t>
-            </a:r>
-            <a:r>
-              <a:rPr lang="en-US" sz="1400" noProof="0" dirty="0">
-                <a:latin typeface="Consolas" panose="020B0609020204030204" pitchFamily="49" charset="0"/>
-                <a:cs typeface="Consolas" panose="020B0609020204030204" pitchFamily="49" charset="0"/>
-              </a:rPr>
-              <a:t>": "/things/lamp/events/overheated",</a:t>
-            </a:r>
-          </a:p>
-          <a:p>
-            <a:pPr marL="0" indent="0">
-              <a:spcBef>
-                <a:spcPts val="0"/>
-              </a:spcBef>
-              <a:buNone/>
-            </a:pPr>
-            <a:r>
-              <a:rPr lang="en-US" sz="1400" noProof="0" dirty="0">
-                <a:latin typeface="Consolas" panose="020B0609020204030204" pitchFamily="49" charset="0"/>
-                <a:cs typeface="Consolas" panose="020B0609020204030204" pitchFamily="49" charset="0"/>
-              </a:rPr>
-              <a:t>        /* needed, alternative: register URI schemes "</a:t>
-            </a:r>
-            <a:r>
-              <a:rPr lang="en-US" sz="1400" noProof="0" dirty="0" err="1">
-                <a:latin typeface="Consolas" panose="020B0609020204030204" pitchFamily="49" charset="0"/>
-                <a:cs typeface="Consolas" panose="020B0609020204030204" pitchFamily="49" charset="0"/>
-              </a:rPr>
-              <a:t>http+sse</a:t>
-            </a:r>
-            <a:r>
-              <a:rPr lang="en-US" sz="1400" noProof="0" dirty="0">
-                <a:latin typeface="Consolas" panose="020B0609020204030204" pitchFamily="49" charset="0"/>
-                <a:cs typeface="Consolas" panose="020B0609020204030204" pitchFamily="49" charset="0"/>
-              </a:rPr>
-              <a:t>", "</a:t>
-            </a:r>
-            <a:r>
-              <a:rPr lang="en-US" sz="1400" noProof="0" dirty="0" err="1">
-                <a:latin typeface="Consolas" panose="020B0609020204030204" pitchFamily="49" charset="0"/>
-                <a:cs typeface="Consolas" panose="020B0609020204030204" pitchFamily="49" charset="0"/>
-              </a:rPr>
-              <a:t>http+lp</a:t>
-            </a:r>
-            <a:r>
-              <a:rPr lang="en-US" sz="1400" noProof="0" dirty="0">
-                <a:latin typeface="Consolas" panose="020B0609020204030204" pitchFamily="49" charset="0"/>
-                <a:cs typeface="Consolas" panose="020B0609020204030204" pitchFamily="49" charset="0"/>
-              </a:rPr>
-              <a:t>", ... */</a:t>
-            </a:r>
-          </a:p>
-          <a:p>
-            <a:pPr marL="0" indent="0">
-              <a:spcBef>
-                <a:spcPts val="0"/>
-              </a:spcBef>
-              <a:buNone/>
-            </a:pPr>
-            <a:r>
-              <a:rPr lang="en-US" sz="1400" noProof="0" dirty="0">
-                <a:latin typeface="Consolas" panose="020B0609020204030204" pitchFamily="49" charset="0"/>
-                <a:cs typeface="Consolas" panose="020B0609020204030204" pitchFamily="49" charset="0"/>
-              </a:rPr>
-              <a:t>        "http:subProtocol": "http:EventSource",</a:t>
-            </a:r>
-          </a:p>
-          <a:p>
-            <a:pPr marL="0" indent="0">
-              <a:spcBef>
-                <a:spcPts val="0"/>
-              </a:spcBef>
-              <a:buNone/>
-            </a:pPr>
-            <a:r>
-              <a:rPr lang="en-US" sz="1400" noProof="0" dirty="0">
-                <a:latin typeface="Consolas" panose="020B0609020204030204" pitchFamily="49" charset="0"/>
-                <a:cs typeface="Consolas" panose="020B0609020204030204" pitchFamily="49" charset="0"/>
-              </a:rPr>
-              <a:t>        "</a:t>
-            </a:r>
-            <a:r>
-              <a:rPr lang="en-US" sz="1400" noProof="0" dirty="0" err="1">
-                <a:latin typeface="Consolas" panose="020B0609020204030204" pitchFamily="49" charset="0"/>
-                <a:cs typeface="Consolas" panose="020B0609020204030204" pitchFamily="49" charset="0"/>
-              </a:rPr>
-              <a:t>mediaType</a:t>
-            </a:r>
-            <a:r>
-              <a:rPr lang="en-US" sz="1400" noProof="0" dirty="0">
-                <a:latin typeface="Consolas" panose="020B0609020204030204" pitchFamily="49" charset="0"/>
-                <a:cs typeface="Consolas" panose="020B0609020204030204" pitchFamily="49" charset="0"/>
-              </a:rPr>
-              <a:t>": "application/</a:t>
-            </a:r>
-            <a:r>
-              <a:rPr lang="en-US" sz="1400" noProof="0" dirty="0" err="1">
-                <a:latin typeface="Consolas" panose="020B0609020204030204" pitchFamily="49" charset="0"/>
-                <a:cs typeface="Consolas" panose="020B0609020204030204" pitchFamily="49" charset="0"/>
-              </a:rPr>
-              <a:t>json</a:t>
-            </a:r>
-            <a:r>
-              <a:rPr lang="en-US" sz="1400" noProof="0" dirty="0">
-                <a:latin typeface="Consolas" panose="020B0609020204030204" pitchFamily="49" charset="0"/>
-                <a:cs typeface="Consolas" panose="020B0609020204030204" pitchFamily="49" charset="0"/>
-              </a:rPr>
-              <a:t>"</a:t>
-            </a:r>
-          </a:p>
-          <a:p>
-            <a:pPr marL="0" indent="0">
-              <a:spcBef>
-                <a:spcPts val="0"/>
-              </a:spcBef>
-              <a:buNone/>
-            </a:pPr>
-            <a:r>
-              <a:rPr lang="en-US" sz="1400" noProof="0" dirty="0">
-                <a:latin typeface="Consolas" panose="020B0609020204030204" pitchFamily="49" charset="0"/>
-                <a:cs typeface="Consolas" panose="020B0609020204030204" pitchFamily="49" charset="0"/>
-              </a:rPr>
-              <a:t>      }]</a:t>
-            </a:r>
-          </a:p>
-          <a:p>
-            <a:pPr marL="0" indent="0">
-              <a:spcBef>
-                <a:spcPts val="0"/>
-              </a:spcBef>
-              <a:buNone/>
-            </a:pPr>
-            <a:r>
-              <a:rPr lang="en-US" sz="1400" noProof="0" dirty="0">
-                <a:latin typeface="Consolas" panose="020B0609020204030204" pitchFamily="49" charset="0"/>
-                <a:cs typeface="Consolas" panose="020B0609020204030204" pitchFamily="49" charset="0"/>
-              </a:rPr>
-              <a:t>    }</a:t>
-            </a:r>
-          </a:p>
-          <a:p>
-            <a:pPr marL="0" indent="0">
-              <a:spcBef>
-                <a:spcPts val="0"/>
-              </a:spcBef>
-              <a:buNone/>
-            </a:pPr>
-            <a:r>
-              <a:rPr lang="en-US" sz="1400" noProof="0" dirty="0">
-                <a:latin typeface="Consolas" panose="020B0609020204030204" pitchFamily="49" charset="0"/>
-                <a:cs typeface="Consolas" panose="020B0609020204030204" pitchFamily="49" charset="0"/>
-              </a:rPr>
-              <a:t>  },</a:t>
-            </a:r>
-          </a:p>
-          <a:p>
-            <a:pPr marL="0" indent="0">
-              <a:spcBef>
-                <a:spcPts val="0"/>
-              </a:spcBef>
-              <a:buNone/>
-            </a:pPr>
-            <a:r>
-              <a:rPr lang="en-US" sz="1400" noProof="0" dirty="0">
-                <a:latin typeface="Consolas" panose="020B0609020204030204" pitchFamily="49" charset="0"/>
-                <a:cs typeface="Consolas" panose="020B0609020204030204" pitchFamily="49" charset="0"/>
-              </a:rPr>
-              <a:t>  "links": [{</a:t>
-            </a:r>
-          </a:p>
-          <a:p>
-            <a:pPr marL="0" indent="0">
-              <a:spcBef>
-                <a:spcPts val="0"/>
-              </a:spcBef>
-              <a:buNone/>
-            </a:pPr>
-            <a:r>
-              <a:rPr lang="en-US" sz="1400" noProof="0" dirty="0">
-                <a:latin typeface="Consolas" panose="020B0609020204030204" pitchFamily="49" charset="0"/>
-                <a:cs typeface="Consolas" panose="020B0609020204030204" pitchFamily="49" charset="0"/>
-              </a:rPr>
-              <a:t>    "</a:t>
-            </a:r>
-            <a:r>
-              <a:rPr lang="en-US" sz="1400" noProof="0" dirty="0" err="1">
-                <a:latin typeface="Consolas" panose="020B0609020204030204" pitchFamily="49" charset="0"/>
-                <a:cs typeface="Consolas" panose="020B0609020204030204" pitchFamily="49" charset="0"/>
-              </a:rPr>
-              <a:t>href</a:t>
-            </a:r>
-            <a:r>
-              <a:rPr lang="en-US" sz="1400" noProof="0" dirty="0">
-                <a:latin typeface="Consolas" panose="020B0609020204030204" pitchFamily="49" charset="0"/>
-                <a:cs typeface="Consolas" panose="020B0609020204030204" pitchFamily="49" charset="0"/>
-              </a:rPr>
-              <a:t>": "https://servient.example.com/things/motion-detector",</a:t>
-            </a:r>
-          </a:p>
-          <a:p>
-            <a:pPr marL="0" indent="0">
-              <a:spcBef>
-                <a:spcPts val="0"/>
-              </a:spcBef>
-              <a:buNone/>
-            </a:pPr>
-            <a:r>
-              <a:rPr lang="en-US" sz="1400" noProof="0" dirty="0">
-                <a:latin typeface="Consolas" panose="020B0609020204030204" pitchFamily="49" charset="0"/>
-                <a:cs typeface="Consolas" panose="020B0609020204030204" pitchFamily="49" charset="0"/>
-              </a:rPr>
-              <a:t>    "</a:t>
-            </a:r>
-            <a:r>
-              <a:rPr lang="en-US" sz="1400" noProof="0" dirty="0" err="1">
-                <a:latin typeface="Consolas" panose="020B0609020204030204" pitchFamily="49" charset="0"/>
-                <a:cs typeface="Consolas" panose="020B0609020204030204" pitchFamily="49" charset="0"/>
-              </a:rPr>
-              <a:t>rel</a:t>
-            </a:r>
-            <a:r>
-              <a:rPr lang="en-US" sz="1400" noProof="0" dirty="0">
-                <a:latin typeface="Consolas" panose="020B0609020204030204" pitchFamily="49" charset="0"/>
-                <a:cs typeface="Consolas" panose="020B0609020204030204" pitchFamily="49" charset="0"/>
-              </a:rPr>
-              <a:t>": "</a:t>
-            </a:r>
-            <a:r>
-              <a:rPr lang="en-US" sz="1400" noProof="0" dirty="0" err="1">
-                <a:latin typeface="Consolas" panose="020B0609020204030204" pitchFamily="49" charset="0"/>
-                <a:cs typeface="Consolas" panose="020B0609020204030204" pitchFamily="49" charset="0"/>
-              </a:rPr>
-              <a:t>controlledBy</a:t>
-            </a:r>
-            <a:r>
-              <a:rPr lang="en-US" sz="1400" noProof="0" dirty="0">
-                <a:latin typeface="Consolas" panose="020B0609020204030204" pitchFamily="49" charset="0"/>
-                <a:cs typeface="Consolas" panose="020B0609020204030204" pitchFamily="49" charset="0"/>
-              </a:rPr>
-              <a:t>",</a:t>
-            </a:r>
-          </a:p>
-          <a:p>
-            <a:pPr marL="0" indent="0">
-              <a:spcBef>
-                <a:spcPts val="0"/>
-              </a:spcBef>
-              <a:buNone/>
-            </a:pPr>
-            <a:r>
-              <a:rPr lang="en-US" sz="1400" noProof="0" dirty="0">
-                <a:latin typeface="Consolas" panose="020B0609020204030204" pitchFamily="49" charset="0"/>
-                <a:cs typeface="Consolas" panose="020B0609020204030204" pitchFamily="49" charset="0"/>
-              </a:rPr>
-              <a:t>    "</a:t>
-            </a:r>
-            <a:r>
-              <a:rPr lang="en-US" sz="1400" noProof="0" dirty="0" err="1">
-                <a:latin typeface="Consolas" panose="020B0609020204030204" pitchFamily="49" charset="0"/>
-                <a:cs typeface="Consolas" panose="020B0609020204030204" pitchFamily="49" charset="0"/>
-              </a:rPr>
-              <a:t>mediaType</a:t>
-            </a:r>
-            <a:r>
-              <a:rPr lang="en-US" sz="1400" noProof="0" dirty="0">
-                <a:latin typeface="Consolas" panose="020B0609020204030204" pitchFamily="49" charset="0"/>
-                <a:cs typeface="Consolas" panose="020B0609020204030204" pitchFamily="49" charset="0"/>
-              </a:rPr>
-              <a:t>": "application/td"</a:t>
-            </a:r>
-          </a:p>
-          <a:p>
-            <a:pPr marL="0" indent="0">
-              <a:spcBef>
-                <a:spcPts val="0"/>
-              </a:spcBef>
-              <a:buNone/>
-            </a:pPr>
-            <a:r>
-              <a:rPr lang="en-US" sz="1400" noProof="0" dirty="0">
-                <a:latin typeface="Consolas" panose="020B0609020204030204" pitchFamily="49" charset="0"/>
-                <a:cs typeface="Consolas" panose="020B0609020204030204" pitchFamily="49" charset="0"/>
-              </a:rPr>
-              <a:t>  }]</a:t>
-            </a:r>
-          </a:p>
-          <a:p>
-            <a:pPr marL="0" indent="0">
-              <a:spcBef>
-                <a:spcPts val="0"/>
-              </a:spcBef>
-              <a:buNone/>
-            </a:pPr>
-            <a:r>
-              <a:rPr lang="en-US" sz="1400" noProof="0" dirty="0">
-                <a:latin typeface="Consolas" panose="020B0609020204030204" pitchFamily="49" charset="0"/>
-                <a:cs typeface="Consolas" panose="020B0609020204030204" pitchFamily="49" charset="0"/>
-              </a:rPr>
-              <a:t>}</a:t>
             </a:r>
           </a:p>
         </p:txBody>
@@ -26695,7 +23669,24 @@
                 <a:latin typeface="Consolas" panose="020B0609020204030204" pitchFamily="49" charset="0"/>
                 <a:cs typeface="Consolas" panose="020B0609020204030204" pitchFamily="49" charset="0"/>
               </a:rPr>
-              <a:t>      "forms": [{</a:t>
+              <a:t>      </a:t>
+            </a:r>
+            <a:r>
+              <a:rPr lang="en-US" sz="1400" b="1" noProof="0" dirty="0" smtClean="0">
+                <a:solidFill>
+                  <a:srgbClr val="4A7B7C"/>
+                </a:solidFill>
+                <a:latin typeface="Consolas" panose="020B0609020204030204" pitchFamily="49" charset="0"/>
+                <a:cs typeface="Consolas" panose="020B0609020204030204" pitchFamily="49" charset="0"/>
+              </a:rPr>
+              <a:t>"forms"</a:t>
+            </a:r>
+            <a:r>
+              <a:rPr lang="en-US" sz="1400" noProof="0" dirty="0" smtClean="0">
+                <a:latin typeface="Consolas" panose="020B0609020204030204" pitchFamily="49" charset="0"/>
+                <a:cs typeface="Consolas" panose="020B0609020204030204" pitchFamily="49" charset="0"/>
+              </a:rPr>
+              <a:t>: [{</a:t>
             </a:r>
           </a:p>
           <a:p>
